--- a/docs/Presentations/POCPresentation.pptx
+++ b/docs/Presentations/POCPresentation.pptx
@@ -5,7 +5,7 @@
     <p:sldMasterId id="2147483648" r:id="rId4"/>
   </p:sldMasterIdLst>
   <p:notesMasterIdLst>
-    <p:notesMasterId r:id="rId14"/>
+    <p:notesMasterId r:id="rId15"/>
   </p:notesMasterIdLst>
   <p:sldIdLst>
     <p:sldId id="256" r:id="rId5"/>
@@ -13,22 +13,23 @@
     <p:sldId id="259" r:id="rId7"/>
     <p:sldId id="261" r:id="rId8"/>
     <p:sldId id="277" r:id="rId9"/>
-    <p:sldId id="275" r:id="rId10"/>
-    <p:sldId id="278" r:id="rId11"/>
-    <p:sldId id="269" r:id="rId12"/>
-    <p:sldId id="270" r:id="rId13"/>
+    <p:sldId id="279" r:id="rId10"/>
+    <p:sldId id="280" r:id="rId11"/>
+    <p:sldId id="275" r:id="rId12"/>
+    <p:sldId id="269" r:id="rId13"/>
+    <p:sldId id="270" r:id="rId14"/>
   </p:sldIdLst>
   <p:sldSz cx="18288000" cy="10287000"/>
   <p:notesSz cx="6858000" cy="9144000"/>
   <p:embeddedFontLst>
     <p:embeddedFont>
       <p:font typeface="Arial Unicode MS" panose="020B0604020202020204" pitchFamily="34" charset="-120"/>
-      <p:regular r:id="rId15"/>
+      <p:regular r:id="rId16"/>
     </p:embeddedFont>
     <p:embeddedFont>
       <p:font typeface="Noto Sans" panose="020B0502040504020204" pitchFamily="34" charset="0"/>
-      <p:regular r:id="rId16"/>
-      <p:italic r:id="rId17"/>
+      <p:regular r:id="rId17"/>
+      <p:italic r:id="rId18"/>
     </p:embeddedFont>
   </p:embeddedFontLst>
   <p:defaultTextStyle>
@@ -236,7 +237,7 @@
           <a:p>
             <a:fld id="{14CBD82C-B7A0-4D29-8FD1-D9E66D485A47}" type="datetimeFigureOut">
               <a:rPr lang="zh-TW" altLang="en-US" smtClean="0"/>
-              <a:t>2024/2/29</a:t>
+              <a:t>2024/3/1</a:t>
             </a:fld>
             <a:endParaRPr lang="zh-TW" altLang="en-US"/>
           </a:p>
@@ -717,7 +718,13 @@
   <p:cSld>
     <p:spTree>
       <p:nvGrpSpPr>
-        <p:cNvPr id="1" name=""/>
+        <p:cNvPr id="1" name="">
+          <a:extLst>
+            <a:ext uri="{FF2B5EF4-FFF2-40B4-BE49-F238E27FC236}">
+              <a16:creationId xmlns:a16="http://schemas.microsoft.com/office/drawing/2014/main" id="{E990E505-11F1-80BF-14FD-29243DD7463E}"/>
+            </a:ext>
+          </a:extLst>
+        </p:cNvPr>
         <p:cNvGrpSpPr/>
         <p:nvPr/>
       </p:nvGrpSpPr>
@@ -731,7 +738,13 @@
       </p:grpSpPr>
       <p:sp>
         <p:nvSpPr>
-          <p:cNvPr id="2" name="投影片影像版面配置區 1"/>
+          <p:cNvPr id="2" name="投影片影像版面配置區 1">
+            <a:extLst>
+              <a:ext uri="{FF2B5EF4-FFF2-40B4-BE49-F238E27FC236}">
+                <a16:creationId xmlns:a16="http://schemas.microsoft.com/office/drawing/2014/main" id="{EAAE9D63-AFB8-086B-F36F-6AAA9F77ABED}"/>
+              </a:ext>
+            </a:extLst>
+          </p:cNvPr>
           <p:cNvSpPr>
             <a:spLocks noGrp="1" noRot="1" noChangeAspect="1"/>
           </p:cNvSpPr>
@@ -743,7 +756,13 @@
       </p:sp>
       <p:sp>
         <p:nvSpPr>
-          <p:cNvPr id="3" name="備忘稿版面配置區 2"/>
+          <p:cNvPr id="3" name="備忘稿版面配置區 2">
+            <a:extLst>
+              <a:ext uri="{FF2B5EF4-FFF2-40B4-BE49-F238E27FC236}">
+                <a16:creationId xmlns:a16="http://schemas.microsoft.com/office/drawing/2014/main" id="{2FC3832D-CC60-EEFA-28F4-D011780F193D}"/>
+              </a:ext>
+            </a:extLst>
+          </p:cNvPr>
           <p:cNvSpPr>
             <a:spLocks noGrp="1"/>
           </p:cNvSpPr>
@@ -779,7 +798,13 @@
       </p:sp>
       <p:sp>
         <p:nvSpPr>
-          <p:cNvPr id="4" name="投影片編號版面配置區 3"/>
+          <p:cNvPr id="4" name="投影片編號版面配置區 3">
+            <a:extLst>
+              <a:ext uri="{FF2B5EF4-FFF2-40B4-BE49-F238E27FC236}">
+                <a16:creationId xmlns:a16="http://schemas.microsoft.com/office/drawing/2014/main" id="{3FCAAAAD-F5CB-3F9D-8F29-01CA93352C50}"/>
+              </a:ext>
+            </a:extLst>
+          </p:cNvPr>
           <p:cNvSpPr>
             <a:spLocks noGrp="1"/>
           </p:cNvSpPr>
@@ -803,7 +828,7 @@
     </p:spTree>
     <p:extLst>
       <p:ext uri="{BB962C8B-B14F-4D97-AF65-F5344CB8AC3E}">
-        <p14:creationId xmlns:p14="http://schemas.microsoft.com/office/powerpoint/2010/main" val="807431324"/>
+        <p14:creationId xmlns:p14="http://schemas.microsoft.com/office/powerpoint/2010/main" val="748254630"/>
       </p:ext>
     </p:extLst>
   </p:cSld>
@@ -821,7 +846,7 @@
         <p:cNvPr id="1" name="">
           <a:extLst>
             <a:ext uri="{FF2B5EF4-FFF2-40B4-BE49-F238E27FC236}">
-              <a16:creationId xmlns:a16="http://schemas.microsoft.com/office/drawing/2014/main" id="{6D8C9E79-7C73-4D2F-BE29-566FE27510DD}"/>
+              <a16:creationId xmlns:a16="http://schemas.microsoft.com/office/drawing/2014/main" id="{FC6CC8B7-0681-FD47-84DC-35D2013A3F56}"/>
             </a:ext>
           </a:extLst>
         </p:cNvPr>
@@ -841,7 +866,7 @@
           <p:cNvPr id="2" name="投影片影像版面配置區 1">
             <a:extLst>
               <a:ext uri="{FF2B5EF4-FFF2-40B4-BE49-F238E27FC236}">
-                <a16:creationId xmlns:a16="http://schemas.microsoft.com/office/drawing/2014/main" id="{0A1DCBE5-60EB-9612-204F-859374EF910B}"/>
+                <a16:creationId xmlns:a16="http://schemas.microsoft.com/office/drawing/2014/main" id="{3D914A10-49E0-D5B2-1242-CC09DAED6946}"/>
               </a:ext>
             </a:extLst>
           </p:cNvPr>
@@ -859,7 +884,7 @@
           <p:cNvPr id="3" name="備忘稿版面配置區 2">
             <a:extLst>
               <a:ext uri="{FF2B5EF4-FFF2-40B4-BE49-F238E27FC236}">
-                <a16:creationId xmlns:a16="http://schemas.microsoft.com/office/drawing/2014/main" id="{ECA34CF1-BEE8-D70F-8DD3-4A8A1FC3431E}"/>
+                <a16:creationId xmlns:a16="http://schemas.microsoft.com/office/drawing/2014/main" id="{BD7B5D55-9ECB-8DA9-AB7D-D3C75B185EC9}"/>
               </a:ext>
             </a:extLst>
           </p:cNvPr>
@@ -901,7 +926,7 @@
           <p:cNvPr id="4" name="投影片編號版面配置區 3">
             <a:extLst>
               <a:ext uri="{FF2B5EF4-FFF2-40B4-BE49-F238E27FC236}">
-                <a16:creationId xmlns:a16="http://schemas.microsoft.com/office/drawing/2014/main" id="{B52D2EE4-5F72-7092-A4DC-611EEDE790E3}"/>
+                <a16:creationId xmlns:a16="http://schemas.microsoft.com/office/drawing/2014/main" id="{0BC84DB5-7D7B-C8A8-DA13-5FE5F5DD04B8}"/>
               </a:ext>
             </a:extLst>
           </p:cNvPr>
@@ -928,7 +953,7 @@
     </p:spTree>
     <p:extLst>
       <p:ext uri="{BB962C8B-B14F-4D97-AF65-F5344CB8AC3E}">
-        <p14:creationId xmlns:p14="http://schemas.microsoft.com/office/powerpoint/2010/main" val="3525093445"/>
+        <p14:creationId xmlns:p14="http://schemas.microsoft.com/office/powerpoint/2010/main" val="83256747"/>
       </p:ext>
     </p:extLst>
   </p:cSld>
@@ -982,11 +1007,24 @@
           <a:bodyPr/>
           <a:lstStyle/>
           <a:p>
-            <a:r>
-              <a:rPr lang="en-US" altLang="zh-TW" dirty="0"/>
-              <a:t>Carbonation, sulfate attack</a:t>
-            </a:r>
-            <a:endParaRPr lang="zh-TW" altLang="en-US" dirty="0"/>
+            <a:pPr marL="0" marR="0" lvl="0" indent="0" algn="l" defTabSz="914400" rtl="0" eaLnBrk="1" fontAlgn="auto" latinLnBrk="0" hangingPunct="1">
+              <a:lnSpc>
+                <a:spcPct val="100000"/>
+              </a:lnSpc>
+              <a:spcBef>
+                <a:spcPts val="0"/>
+              </a:spcBef>
+              <a:spcAft>
+                <a:spcPts val="0"/>
+              </a:spcAft>
+              <a:buClrTx/>
+              <a:buSzTx/>
+              <a:buFontTx/>
+              <a:buNone/>
+              <a:tabLst/>
+              <a:defRPr/>
+            </a:pPr>
+            <a:endParaRPr lang="en-US" altLang="zh-TW" sz="1200" dirty="0"/>
           </a:p>
         </p:txBody>
       </p:sp>
@@ -1008,6 +1046,94 @@
             <a:fld id="{89E6D79F-2F2D-4B10-BEDC-B7C4A2EC6EDA}" type="slidenum">
               <a:rPr lang="zh-TW" altLang="en-US" smtClean="0"/>
               <a:t>7</a:t>
+            </a:fld>
+            <a:endParaRPr lang="zh-TW" altLang="en-US"/>
+          </a:p>
+        </p:txBody>
+      </p:sp>
+    </p:spTree>
+    <p:extLst>
+      <p:ext uri="{BB962C8B-B14F-4D97-AF65-F5344CB8AC3E}">
+        <p14:creationId xmlns:p14="http://schemas.microsoft.com/office/powerpoint/2010/main" val="807431324"/>
+      </p:ext>
+    </p:extLst>
+  </p:cSld>
+  <p:clrMapOvr>
+    <a:masterClrMapping/>
+  </p:clrMapOvr>
+</p:notes>
+</file>
+
+<file path=ppt/notesSlides/notesSlide6.xml><?xml version="1.0" encoding="utf-8"?>
+<p:notes xmlns:a="http://schemas.openxmlformats.org/drawingml/2006/main" xmlns:r="http://schemas.openxmlformats.org/officeDocument/2006/relationships" xmlns:p="http://schemas.openxmlformats.org/presentationml/2006/main">
+  <p:cSld>
+    <p:spTree>
+      <p:nvGrpSpPr>
+        <p:cNvPr id="1" name=""/>
+        <p:cNvGrpSpPr/>
+        <p:nvPr/>
+      </p:nvGrpSpPr>
+      <p:grpSpPr>
+        <a:xfrm>
+          <a:off x="0" y="0"/>
+          <a:ext cx="0" cy="0"/>
+          <a:chOff x="0" y="0"/>
+          <a:chExt cx="0" cy="0"/>
+        </a:xfrm>
+      </p:grpSpPr>
+      <p:sp>
+        <p:nvSpPr>
+          <p:cNvPr id="2" name="投影片影像版面配置區 1"/>
+          <p:cNvSpPr>
+            <a:spLocks noGrp="1" noRot="1" noChangeAspect="1"/>
+          </p:cNvSpPr>
+          <p:nvPr>
+            <p:ph type="sldImg"/>
+          </p:nvPr>
+        </p:nvSpPr>
+        <p:spPr/>
+      </p:sp>
+      <p:sp>
+        <p:nvSpPr>
+          <p:cNvPr id="3" name="備忘稿版面配置區 2"/>
+          <p:cNvSpPr>
+            <a:spLocks noGrp="1"/>
+          </p:cNvSpPr>
+          <p:nvPr>
+            <p:ph type="body" idx="1"/>
+          </p:nvPr>
+        </p:nvSpPr>
+        <p:spPr/>
+        <p:txBody>
+          <a:bodyPr/>
+          <a:lstStyle/>
+          <a:p>
+            <a:r>
+              <a:rPr lang="en-US" altLang="zh-TW" dirty="0"/>
+              <a:t>Carbonation, sulfate attack</a:t>
+            </a:r>
+            <a:endParaRPr lang="zh-TW" altLang="en-US" dirty="0"/>
+          </a:p>
+        </p:txBody>
+      </p:sp>
+      <p:sp>
+        <p:nvSpPr>
+          <p:cNvPr id="4" name="投影片編號版面配置區 3"/>
+          <p:cNvSpPr>
+            <a:spLocks noGrp="1"/>
+          </p:cNvSpPr>
+          <p:nvPr>
+            <p:ph type="sldNum" sz="quarter" idx="5"/>
+          </p:nvPr>
+        </p:nvSpPr>
+        <p:spPr/>
+        <p:txBody>
+          <a:bodyPr/>
+          <a:lstStyle/>
+          <a:p>
+            <a:fld id="{89E6D79F-2F2D-4B10-BEDC-B7C4A2EC6EDA}" type="slidenum">
+              <a:rPr lang="zh-TW" altLang="en-US" smtClean="0"/>
+              <a:t>8</a:t>
             </a:fld>
             <a:endParaRPr lang="zh-TW" altLang="en-US"/>
           </a:p>
@@ -1206,7 +1332,7 @@
             <a:fld id="{1D8BD707-D9CF-40AE-B4C6-C98DA3205C09}" type="datetimeFigureOut">
               <a:rPr lang="en-US" smtClean="0"/>
               <a:pPr/>
-              <a:t>2/29/2024</a:t>
+              <a:t>3/1/2024</a:t>
             </a:fld>
             <a:endParaRPr lang="en-US"/>
           </a:p>
@@ -1371,7 +1497,7 @@
             <a:fld id="{1D8BD707-D9CF-40AE-B4C6-C98DA3205C09}" type="datetimeFigureOut">
               <a:rPr lang="en-US" smtClean="0"/>
               <a:pPr/>
-              <a:t>2/29/2024</a:t>
+              <a:t>3/1/2024</a:t>
             </a:fld>
             <a:endParaRPr lang="en-US"/>
           </a:p>
@@ -1546,7 +1672,7 @@
             <a:fld id="{1D8BD707-D9CF-40AE-B4C6-C98DA3205C09}" type="datetimeFigureOut">
               <a:rPr lang="en-US" smtClean="0"/>
               <a:pPr/>
-              <a:t>2/29/2024</a:t>
+              <a:t>3/1/2024</a:t>
             </a:fld>
             <a:endParaRPr lang="en-US"/>
           </a:p>
@@ -1711,7 +1837,7 @@
             <a:fld id="{1D8BD707-D9CF-40AE-B4C6-C98DA3205C09}" type="datetimeFigureOut">
               <a:rPr lang="en-US" smtClean="0"/>
               <a:pPr/>
-              <a:t>2/29/2024</a:t>
+              <a:t>3/1/2024</a:t>
             </a:fld>
             <a:endParaRPr lang="en-US"/>
           </a:p>
@@ -1953,7 +2079,7 @@
             <a:fld id="{1D8BD707-D9CF-40AE-B4C6-C98DA3205C09}" type="datetimeFigureOut">
               <a:rPr lang="en-US" smtClean="0"/>
               <a:pPr/>
-              <a:t>2/29/2024</a:t>
+              <a:t>3/1/2024</a:t>
             </a:fld>
             <a:endParaRPr lang="en-US"/>
           </a:p>
@@ -2235,7 +2361,7 @@
             <a:fld id="{1D8BD707-D9CF-40AE-B4C6-C98DA3205C09}" type="datetimeFigureOut">
               <a:rPr lang="en-US" smtClean="0"/>
               <a:pPr/>
-              <a:t>2/29/2024</a:t>
+              <a:t>3/1/2024</a:t>
             </a:fld>
             <a:endParaRPr lang="en-US"/>
           </a:p>
@@ -2651,7 +2777,7 @@
             <a:fld id="{1D8BD707-D9CF-40AE-B4C6-C98DA3205C09}" type="datetimeFigureOut">
               <a:rPr lang="en-US" smtClean="0"/>
               <a:pPr/>
-              <a:t>2/29/2024</a:t>
+              <a:t>3/1/2024</a:t>
             </a:fld>
             <a:endParaRPr lang="en-US"/>
           </a:p>
@@ -2765,7 +2891,7 @@
             <a:fld id="{1D8BD707-D9CF-40AE-B4C6-C98DA3205C09}" type="datetimeFigureOut">
               <a:rPr lang="en-US" smtClean="0"/>
               <a:pPr/>
-              <a:t>2/29/2024</a:t>
+              <a:t>3/1/2024</a:t>
             </a:fld>
             <a:endParaRPr lang="en-US"/>
           </a:p>
@@ -2857,7 +2983,7 @@
             <a:fld id="{1D8BD707-D9CF-40AE-B4C6-C98DA3205C09}" type="datetimeFigureOut">
               <a:rPr lang="en-US" smtClean="0"/>
               <a:pPr/>
-              <a:t>2/29/2024</a:t>
+              <a:t>3/1/2024</a:t>
             </a:fld>
             <a:endParaRPr lang="en-US"/>
           </a:p>
@@ -3181,7 +3307,7 @@
             <a:fld id="{1D8BD707-D9CF-40AE-B4C6-C98DA3205C09}" type="datetimeFigureOut">
               <a:rPr lang="en-US" smtClean="0"/>
               <a:pPr/>
-              <a:t>2/29/2024</a:t>
+              <a:t>3/1/2024</a:t>
             </a:fld>
             <a:endParaRPr lang="en-US"/>
           </a:p>
@@ -3430,7 +3556,7 @@
             <a:fld id="{1D8BD707-D9CF-40AE-B4C6-C98DA3205C09}" type="datetimeFigureOut">
               <a:rPr lang="en-US" smtClean="0"/>
               <a:pPr/>
-              <a:t>2/29/2024</a:t>
+              <a:t>3/1/2024</a:t>
             </a:fld>
             <a:endParaRPr lang="en-US"/>
           </a:p>
@@ -3638,7 +3764,7 @@
             <a:fld id="{1D8BD707-D9CF-40AE-B4C6-C98DA3205C09}" type="datetimeFigureOut">
               <a:rPr lang="en-US" smtClean="0"/>
               <a:pPr/>
-              <a:t>2/29/2024</a:t>
+              <a:t>3/1/2024</a:t>
             </a:fld>
             <a:endParaRPr lang="en-US"/>
           </a:p>
@@ -4654,3866 +4780,7 @@
 </p:sld>
 </file>
 
-<file path=ppt/slides/slide2.xml><?xml version="1.0" encoding="utf-8"?>
-<p:sld xmlns:a="http://schemas.openxmlformats.org/drawingml/2006/main" xmlns:r="http://schemas.openxmlformats.org/officeDocument/2006/relationships" xmlns:p="http://schemas.openxmlformats.org/presentationml/2006/main">
-  <p:cSld>
-    <p:bg>
-      <p:bgPr>
-        <a:solidFill>
-          <a:srgbClr val="F6F3EB"/>
-        </a:solidFill>
-        <a:effectLst/>
-      </p:bgPr>
-    </p:bg>
-    <p:spTree>
-      <p:nvGrpSpPr>
-        <p:cNvPr id="1" name=""/>
-        <p:cNvGrpSpPr/>
-        <p:nvPr/>
-      </p:nvGrpSpPr>
-      <p:grpSpPr>
-        <a:xfrm>
-          <a:off x="0" y="0"/>
-          <a:ext cx="0" cy="0"/>
-          <a:chOff x="0" y="0"/>
-          <a:chExt cx="0" cy="0"/>
-        </a:xfrm>
-      </p:grpSpPr>
-      <p:sp>
-        <p:nvSpPr>
-          <p:cNvPr id="2" name="TextBox 2"/>
-          <p:cNvSpPr txBox="1"/>
-          <p:nvPr/>
-        </p:nvSpPr>
-        <p:spPr>
-          <a:xfrm>
-            <a:off x="2553980" y="866775"/>
-            <a:ext cx="13180039" cy="1392625"/>
-          </a:xfrm>
-          <a:prstGeom prst="rect">
-            <a:avLst/>
-          </a:prstGeom>
-        </p:spPr>
-        <p:txBody>
-          <a:bodyPr lIns="0" tIns="0" rIns="0" bIns="0" rtlCol="0" anchor="t">
-            <a:spAutoFit/>
-          </a:bodyPr>
-          <a:lstStyle/>
-          <a:p>
-            <a:pPr algn="ctr">
-              <a:lnSpc>
-                <a:spcPts val="11899"/>
-              </a:lnSpc>
-            </a:pPr>
-            <a:r>
-              <a:rPr lang="en-US" sz="8499" dirty="0">
-                <a:solidFill>
-                  <a:srgbClr val="000000"/>
-                </a:solidFill>
-                <a:latin typeface="+mj-lt"/>
-              </a:rPr>
-              <a:t>CONTENTS</a:t>
-            </a:r>
-          </a:p>
-        </p:txBody>
-      </p:sp>
-      <p:sp>
-        <p:nvSpPr>
-          <p:cNvPr id="4" name="TextBox 4"/>
-          <p:cNvSpPr txBox="1"/>
-          <p:nvPr/>
-        </p:nvSpPr>
-        <p:spPr>
-          <a:xfrm>
-            <a:off x="3810000" y="3266072"/>
-            <a:ext cx="4480960" cy="666849"/>
-          </a:xfrm>
-          <a:prstGeom prst="rect">
-            <a:avLst/>
-          </a:prstGeom>
-        </p:spPr>
-        <p:txBody>
-          <a:bodyPr lIns="0" tIns="0" rIns="0" bIns="0" rtlCol="0" anchor="t">
-            <a:spAutoFit/>
-          </a:bodyPr>
-          <a:lstStyle/>
-          <a:p>
-            <a:pPr marL="798829" lvl="1" indent="-399415">
-              <a:lnSpc>
-                <a:spcPts val="5179"/>
-              </a:lnSpc>
-              <a:buFont typeface="Arial"/>
-              <a:buChar char="•"/>
-            </a:pPr>
-            <a:r>
-              <a:rPr lang="en-US" sz="3699">
-                <a:solidFill>
-                  <a:srgbClr val="000000"/>
-                </a:solidFill>
-                <a:latin typeface="+mj-lt"/>
-              </a:rPr>
-              <a:t>Introduction</a:t>
-            </a:r>
-          </a:p>
-        </p:txBody>
-      </p:sp>
-      <p:sp>
-        <p:nvSpPr>
-          <p:cNvPr id="5" name="TextBox 5"/>
-          <p:cNvSpPr txBox="1"/>
-          <p:nvPr/>
-        </p:nvSpPr>
-        <p:spPr>
-          <a:xfrm>
-            <a:off x="3810000" y="4369407"/>
-            <a:ext cx="4480960" cy="629920"/>
-          </a:xfrm>
-          <a:prstGeom prst="rect">
-            <a:avLst/>
-          </a:prstGeom>
-        </p:spPr>
-        <p:txBody>
-          <a:bodyPr lIns="0" tIns="0" rIns="0" bIns="0" rtlCol="0" anchor="t">
-            <a:spAutoFit/>
-          </a:bodyPr>
-          <a:lstStyle/>
-          <a:p>
-            <a:pPr marL="798829" lvl="1" indent="-399415">
-              <a:lnSpc>
-                <a:spcPts val="5179"/>
-              </a:lnSpc>
-              <a:buFont typeface="Arial"/>
-              <a:buChar char="•"/>
-            </a:pPr>
-            <a:r>
-              <a:rPr lang="en-US" sz="3699" dirty="0">
-                <a:solidFill>
-                  <a:srgbClr val="000000"/>
-                </a:solidFill>
-                <a:latin typeface="+mj-lt"/>
-              </a:rPr>
-              <a:t>Goal statement</a:t>
-            </a:r>
-          </a:p>
-        </p:txBody>
-      </p:sp>
-      <p:sp>
-        <p:nvSpPr>
-          <p:cNvPr id="6" name="TextBox 6"/>
-          <p:cNvSpPr txBox="1"/>
-          <p:nvPr/>
-        </p:nvSpPr>
-        <p:spPr>
-          <a:xfrm>
-            <a:off x="3810000" y="5472742"/>
-            <a:ext cx="5241454" cy="1274964"/>
-          </a:xfrm>
-          <a:prstGeom prst="rect">
-            <a:avLst/>
-          </a:prstGeom>
-        </p:spPr>
-        <p:txBody>
-          <a:bodyPr lIns="0" tIns="0" rIns="0" bIns="0" rtlCol="0" anchor="t">
-            <a:spAutoFit/>
-          </a:bodyPr>
-          <a:lstStyle/>
-          <a:p>
-            <a:pPr marL="798829" lvl="1" indent="-399415">
-              <a:lnSpc>
-                <a:spcPts val="5179"/>
-              </a:lnSpc>
-              <a:buFont typeface="Arial"/>
-              <a:buChar char="•"/>
-            </a:pPr>
-            <a:r>
-              <a:rPr lang="en-US" sz="3699" dirty="0">
-                <a:solidFill>
-                  <a:srgbClr val="000000"/>
-                </a:solidFill>
-                <a:latin typeface="+mj-lt"/>
-              </a:rPr>
-              <a:t>Prototype demonstration</a:t>
-            </a:r>
-          </a:p>
-        </p:txBody>
-      </p:sp>
-      <p:sp>
-        <p:nvSpPr>
-          <p:cNvPr id="8" name="TextBox 8"/>
-          <p:cNvSpPr txBox="1"/>
-          <p:nvPr/>
-        </p:nvSpPr>
-        <p:spPr>
-          <a:xfrm>
-            <a:off x="8958990" y="3324806"/>
-            <a:ext cx="5519010" cy="608115"/>
-          </a:xfrm>
-          <a:prstGeom prst="rect">
-            <a:avLst/>
-          </a:prstGeom>
-        </p:spPr>
-        <p:txBody>
-          <a:bodyPr wrap="square" lIns="0" tIns="0" rIns="0" bIns="0" rtlCol="0" anchor="t">
-            <a:spAutoFit/>
-          </a:bodyPr>
-          <a:lstStyle/>
-          <a:p>
-            <a:pPr marL="798195" lvl="1" indent="-399415">
-              <a:lnSpc>
-                <a:spcPts val="5179"/>
-              </a:lnSpc>
-              <a:buFont typeface="Arial"/>
-              <a:buChar char="•"/>
-            </a:pPr>
-            <a:r>
-              <a:rPr lang="en-US" sz="3650" dirty="0">
-                <a:solidFill>
-                  <a:srgbClr val="000000"/>
-                </a:solidFill>
-                <a:latin typeface="+mj-lt"/>
-              </a:rPr>
-              <a:t>Challenge</a:t>
-            </a:r>
-          </a:p>
-        </p:txBody>
-      </p:sp>
-      <p:sp>
-        <p:nvSpPr>
-          <p:cNvPr id="16" name="AutoShape 16"/>
-          <p:cNvSpPr/>
-          <p:nvPr/>
-        </p:nvSpPr>
-        <p:spPr>
-          <a:xfrm>
-            <a:off x="-260599" y="9061267"/>
-            <a:ext cx="7105264" cy="19050"/>
-          </a:xfrm>
-          <a:prstGeom prst="line">
-            <a:avLst/>
-          </a:prstGeom>
-          <a:ln w="114300" cap="flat">
-            <a:solidFill>
-              <a:srgbClr val="9FC3D0"/>
-            </a:solidFill>
-            <a:prstDash val="solid"/>
-            <a:headEnd type="none" w="sm" len="sm"/>
-            <a:tailEnd type="none" w="sm" len="sm"/>
-          </a:ln>
-        </p:spPr>
-        <p:txBody>
-          <a:bodyPr/>
-          <a:lstStyle/>
-          <a:p>
-            <a:endParaRPr lang="zh-TW" altLang="en-US"/>
-          </a:p>
-        </p:txBody>
-      </p:sp>
-      <p:sp>
-        <p:nvSpPr>
-          <p:cNvPr id="17" name="AutoShape 17"/>
-          <p:cNvSpPr/>
-          <p:nvPr/>
-        </p:nvSpPr>
-        <p:spPr>
-          <a:xfrm>
-            <a:off x="11430169" y="9061267"/>
-            <a:ext cx="7105264" cy="19050"/>
-          </a:xfrm>
-          <a:prstGeom prst="line">
-            <a:avLst/>
-          </a:prstGeom>
-          <a:ln w="114300" cap="flat">
-            <a:solidFill>
-              <a:srgbClr val="9FC3D0"/>
-            </a:solidFill>
-            <a:prstDash val="solid"/>
-            <a:headEnd type="none" w="sm" len="sm"/>
-            <a:tailEnd type="none" w="sm" len="sm"/>
-          </a:ln>
-        </p:spPr>
-        <p:txBody>
-          <a:bodyPr/>
-          <a:lstStyle/>
-          <a:p>
-            <a:endParaRPr lang="zh-TW" altLang="en-US"/>
-          </a:p>
-        </p:txBody>
-      </p:sp>
-      <p:sp>
-        <p:nvSpPr>
-          <p:cNvPr id="23" name="Freeform 23"/>
-          <p:cNvSpPr/>
-          <p:nvPr/>
-        </p:nvSpPr>
-        <p:spPr>
-          <a:xfrm>
-            <a:off x="-2845001" y="434334"/>
-            <a:ext cx="7315200" cy="2477783"/>
-          </a:xfrm>
-          <a:custGeom>
-            <a:avLst/>
-            <a:gdLst/>
-            <a:ahLst/>
-            <a:cxnLst/>
-            <a:rect l="l" t="t" r="r" b="b"/>
-            <a:pathLst>
-              <a:path w="7315200" h="2477783">
-                <a:moveTo>
-                  <a:pt x="0" y="0"/>
-                </a:moveTo>
-                <a:lnTo>
-                  <a:pt x="7315200" y="0"/>
-                </a:lnTo>
-                <a:lnTo>
-                  <a:pt x="7315200" y="2477783"/>
-                </a:lnTo>
-                <a:lnTo>
-                  <a:pt x="0" y="2477783"/>
-                </a:lnTo>
-                <a:lnTo>
-                  <a:pt x="0" y="0"/>
-                </a:lnTo>
-                <a:close/>
-              </a:path>
-            </a:pathLst>
-          </a:custGeom>
-          <a:blipFill>
-            <a:blip r:embed="rId2">
-              <a:extLst>
-                <a:ext uri="{96DAC541-7B7A-43D3-8B79-37D633B846F1}">
-                  <asvg:svgBlip xmlns:asvg="http://schemas.microsoft.com/office/drawing/2016/SVG/main" r:embed="rId3"/>
-                </a:ext>
-              </a:extLst>
-            </a:blip>
-            <a:stretch>
-              <a:fillRect/>
-            </a:stretch>
-          </a:blipFill>
-        </p:spPr>
-        <p:txBody>
-          <a:bodyPr/>
-          <a:lstStyle/>
-          <a:p>
-            <a:endParaRPr lang="zh-TW" altLang="en-US"/>
-          </a:p>
-        </p:txBody>
-      </p:sp>
-      <p:sp>
-        <p:nvSpPr>
-          <p:cNvPr id="24" name="Freeform 24"/>
-          <p:cNvSpPr/>
-          <p:nvPr/>
-        </p:nvSpPr>
-        <p:spPr>
-          <a:xfrm>
-            <a:off x="13601700" y="6142060"/>
-            <a:ext cx="7315200" cy="2477783"/>
-          </a:xfrm>
-          <a:custGeom>
-            <a:avLst/>
-            <a:gdLst/>
-            <a:ahLst/>
-            <a:cxnLst/>
-            <a:rect l="l" t="t" r="r" b="b"/>
-            <a:pathLst>
-              <a:path w="7315200" h="2477783">
-                <a:moveTo>
-                  <a:pt x="0" y="0"/>
-                </a:moveTo>
-                <a:lnTo>
-                  <a:pt x="7315200" y="0"/>
-                </a:lnTo>
-                <a:lnTo>
-                  <a:pt x="7315200" y="2477783"/>
-                </a:lnTo>
-                <a:lnTo>
-                  <a:pt x="0" y="2477783"/>
-                </a:lnTo>
-                <a:lnTo>
-                  <a:pt x="0" y="0"/>
-                </a:lnTo>
-                <a:close/>
-              </a:path>
-            </a:pathLst>
-          </a:custGeom>
-          <a:blipFill>
-            <a:blip r:embed="rId2">
-              <a:extLst>
-                <a:ext uri="{96DAC541-7B7A-43D3-8B79-37D633B846F1}">
-                  <asvg:svgBlip xmlns:asvg="http://schemas.microsoft.com/office/drawing/2016/SVG/main" r:embed="rId3"/>
-                </a:ext>
-              </a:extLst>
-            </a:blip>
-            <a:stretch>
-              <a:fillRect/>
-            </a:stretch>
-          </a:blipFill>
-        </p:spPr>
-        <p:txBody>
-          <a:bodyPr/>
-          <a:lstStyle/>
-          <a:p>
-            <a:endParaRPr lang="zh-TW" altLang="en-US"/>
-          </a:p>
-        </p:txBody>
-      </p:sp>
-      <p:sp>
-        <p:nvSpPr>
-          <p:cNvPr id="3" name="TextBox 8">
-            <a:extLst>
-              <a:ext uri="{FF2B5EF4-FFF2-40B4-BE49-F238E27FC236}">
-                <a16:creationId xmlns:a16="http://schemas.microsoft.com/office/drawing/2014/main" id="{95CC316D-E45E-5021-B5CA-4D477294B366}"/>
-              </a:ext>
-            </a:extLst>
-          </p:cNvPr>
-          <p:cNvSpPr txBox="1"/>
-          <p:nvPr/>
-        </p:nvSpPr>
-        <p:spPr>
-          <a:xfrm>
-            <a:off x="8958990" y="4535385"/>
-            <a:ext cx="5519010" cy="608115"/>
-          </a:xfrm>
-          <a:prstGeom prst="rect">
-            <a:avLst/>
-          </a:prstGeom>
-        </p:spPr>
-        <p:txBody>
-          <a:bodyPr wrap="square" lIns="0" tIns="0" rIns="0" bIns="0" rtlCol="0" anchor="t">
-            <a:spAutoFit/>
-          </a:bodyPr>
-          <a:lstStyle/>
-          <a:p>
-            <a:pPr marL="798829" lvl="1" indent="-399415">
-              <a:lnSpc>
-                <a:spcPts val="5179"/>
-              </a:lnSpc>
-              <a:buFont typeface="Arial"/>
-              <a:buChar char="•"/>
-            </a:pPr>
-            <a:r>
-              <a:rPr lang="en-US" sz="3699" dirty="0">
-                <a:solidFill>
-                  <a:srgbClr val="000000"/>
-                </a:solidFill>
-                <a:latin typeface="+mj-lt"/>
-              </a:rPr>
-              <a:t>Risks</a:t>
-            </a:r>
-          </a:p>
-        </p:txBody>
-      </p:sp>
-    </p:spTree>
-  </p:cSld>
-  <p:clrMapOvr>
-    <a:masterClrMapping/>
-  </p:clrMapOvr>
-</p:sld>
-</file>
-
-<file path=ppt/slides/slide3.xml><?xml version="1.0" encoding="utf-8"?>
-<p:sld xmlns:a="http://schemas.openxmlformats.org/drawingml/2006/main" xmlns:r="http://schemas.openxmlformats.org/officeDocument/2006/relationships" xmlns:p="http://schemas.openxmlformats.org/presentationml/2006/main">
-  <p:cSld>
-    <p:bg>
-      <p:bgPr>
-        <a:solidFill>
-          <a:srgbClr val="F6F3EB"/>
-        </a:solidFill>
-        <a:effectLst/>
-      </p:bgPr>
-    </p:bg>
-    <p:spTree>
-      <p:nvGrpSpPr>
-        <p:cNvPr id="1" name=""/>
-        <p:cNvGrpSpPr/>
-        <p:nvPr/>
-      </p:nvGrpSpPr>
-      <p:grpSpPr>
-        <a:xfrm>
-          <a:off x="0" y="0"/>
-          <a:ext cx="0" cy="0"/>
-          <a:chOff x="0" y="0"/>
-          <a:chExt cx="0" cy="0"/>
-        </a:xfrm>
-      </p:grpSpPr>
-      <p:sp>
-        <p:nvSpPr>
-          <p:cNvPr id="3" name="AutoShape 3"/>
-          <p:cNvSpPr/>
-          <p:nvPr/>
-        </p:nvSpPr>
-        <p:spPr>
-          <a:xfrm>
-            <a:off x="-260599" y="9061267"/>
-            <a:ext cx="7105264" cy="19050"/>
-          </a:xfrm>
-          <a:prstGeom prst="line">
-            <a:avLst/>
-          </a:prstGeom>
-          <a:ln w="114300" cap="flat">
-            <a:solidFill>
-              <a:srgbClr val="9FC3D0"/>
-            </a:solidFill>
-            <a:prstDash val="solid"/>
-            <a:headEnd type="none" w="sm" len="sm"/>
-            <a:tailEnd type="none" w="sm" len="sm"/>
-          </a:ln>
-        </p:spPr>
-        <p:txBody>
-          <a:bodyPr/>
-          <a:lstStyle/>
-          <a:p>
-            <a:endParaRPr lang="zh-TW" altLang="en-US"/>
-          </a:p>
-        </p:txBody>
-      </p:sp>
-      <p:sp>
-        <p:nvSpPr>
-          <p:cNvPr id="4" name="AutoShape 4"/>
-          <p:cNvSpPr/>
-          <p:nvPr/>
-        </p:nvSpPr>
-        <p:spPr>
-          <a:xfrm>
-            <a:off x="11430169" y="9061267"/>
-            <a:ext cx="7105264" cy="19050"/>
-          </a:xfrm>
-          <a:prstGeom prst="line">
-            <a:avLst/>
-          </a:prstGeom>
-          <a:ln w="114300" cap="flat">
-            <a:solidFill>
-              <a:srgbClr val="9FC3D0"/>
-            </a:solidFill>
-            <a:prstDash val="solid"/>
-            <a:headEnd type="none" w="sm" len="sm"/>
-            <a:tailEnd type="none" w="sm" len="sm"/>
-          </a:ln>
-        </p:spPr>
-        <p:txBody>
-          <a:bodyPr/>
-          <a:lstStyle/>
-          <a:p>
-            <a:endParaRPr lang="zh-TW" altLang="en-US"/>
-          </a:p>
-        </p:txBody>
-      </p:sp>
-      <p:sp>
-        <p:nvSpPr>
-          <p:cNvPr id="5" name="Freeform 5"/>
-          <p:cNvSpPr/>
-          <p:nvPr/>
-        </p:nvSpPr>
-        <p:spPr>
-          <a:xfrm>
-            <a:off x="12982861" y="5933231"/>
-            <a:ext cx="7315200" cy="2477783"/>
-          </a:xfrm>
-          <a:custGeom>
-            <a:avLst/>
-            <a:gdLst/>
-            <a:ahLst/>
-            <a:cxnLst/>
-            <a:rect l="l" t="t" r="r" b="b"/>
-            <a:pathLst>
-              <a:path w="7315200" h="2477783">
-                <a:moveTo>
-                  <a:pt x="0" y="0"/>
-                </a:moveTo>
-                <a:lnTo>
-                  <a:pt x="7315200" y="0"/>
-                </a:lnTo>
-                <a:lnTo>
-                  <a:pt x="7315200" y="2477783"/>
-                </a:lnTo>
-                <a:lnTo>
-                  <a:pt x="0" y="2477783"/>
-                </a:lnTo>
-                <a:lnTo>
-                  <a:pt x="0" y="0"/>
-                </a:lnTo>
-                <a:close/>
-              </a:path>
-            </a:pathLst>
-          </a:custGeom>
-          <a:blipFill>
-            <a:blip r:embed="rId2">
-              <a:extLst>
-                <a:ext uri="{96DAC541-7B7A-43D3-8B79-37D633B846F1}">
-                  <asvg:svgBlip xmlns:asvg="http://schemas.microsoft.com/office/drawing/2016/SVG/main" r:embed="rId3"/>
-                </a:ext>
-              </a:extLst>
-            </a:blip>
-            <a:stretch>
-              <a:fillRect/>
-            </a:stretch>
-          </a:blipFill>
-        </p:spPr>
-        <p:txBody>
-          <a:bodyPr/>
-          <a:lstStyle/>
-          <a:p>
-            <a:endParaRPr lang="zh-TW" altLang="en-US"/>
-          </a:p>
-        </p:txBody>
-      </p:sp>
-      <p:sp>
-        <p:nvSpPr>
-          <p:cNvPr id="8" name="TextBox 8"/>
-          <p:cNvSpPr txBox="1"/>
-          <p:nvPr/>
-        </p:nvSpPr>
-        <p:spPr>
-          <a:xfrm>
-            <a:off x="2553980" y="866775"/>
-            <a:ext cx="13180039" cy="1337161"/>
-          </a:xfrm>
-          <a:prstGeom prst="rect">
-            <a:avLst/>
-          </a:prstGeom>
-        </p:spPr>
-        <p:txBody>
-          <a:bodyPr lIns="0" tIns="0" rIns="0" bIns="0" rtlCol="0" anchor="t">
-            <a:spAutoFit/>
-          </a:bodyPr>
-          <a:lstStyle/>
-          <a:p>
-            <a:pPr algn="ctr">
-              <a:lnSpc>
-                <a:spcPts val="11899"/>
-              </a:lnSpc>
-            </a:pPr>
-            <a:r>
-              <a:rPr lang="en-US" sz="6600" dirty="0">
-                <a:solidFill>
-                  <a:srgbClr val="000000"/>
-                </a:solidFill>
-                <a:latin typeface="+mj-lt"/>
-              </a:rPr>
-              <a:t>Introduction</a:t>
-            </a:r>
-          </a:p>
-        </p:txBody>
-      </p:sp>
-      <p:grpSp>
-        <p:nvGrpSpPr>
-          <p:cNvPr id="9" name="Group 9"/>
-          <p:cNvGrpSpPr/>
-          <p:nvPr/>
-        </p:nvGrpSpPr>
-        <p:grpSpPr>
-          <a:xfrm>
-            <a:off x="15859155" y="0"/>
-            <a:ext cx="1562612" cy="1673225"/>
-            <a:chOff x="0" y="0"/>
-            <a:chExt cx="2083482" cy="2230967"/>
-          </a:xfrm>
-        </p:grpSpPr>
-        <p:grpSp>
-          <p:nvGrpSpPr>
-            <p:cNvPr id="10" name="Group 10"/>
-            <p:cNvGrpSpPr/>
-            <p:nvPr/>
-          </p:nvGrpSpPr>
-          <p:grpSpPr>
-            <a:xfrm>
-              <a:off x="75599" y="0"/>
-              <a:ext cx="1932284" cy="2230967"/>
-              <a:chOff x="0" y="0"/>
-              <a:chExt cx="703982" cy="812800"/>
-            </a:xfrm>
-          </p:grpSpPr>
-          <p:sp>
-            <p:nvSpPr>
-              <p:cNvPr id="11" name="Freeform 11"/>
-              <p:cNvSpPr/>
-              <p:nvPr/>
-            </p:nvSpPr>
-            <p:spPr>
-              <a:xfrm>
-                <a:off x="0" y="0"/>
-                <a:ext cx="703982" cy="812800"/>
-              </a:xfrm>
-              <a:custGeom>
-                <a:avLst/>
-                <a:gdLst/>
-                <a:ahLst/>
-                <a:cxnLst/>
-                <a:rect l="l" t="t" r="r" b="b"/>
-                <a:pathLst>
-                  <a:path w="703982" h="812800">
-                    <a:moveTo>
-                      <a:pt x="234787" y="793731"/>
-                    </a:moveTo>
-                    <a:cubicBezTo>
-                      <a:pt x="270879" y="805245"/>
-                      <a:pt x="311910" y="812800"/>
-                      <a:pt x="352180" y="812800"/>
-                    </a:cubicBezTo>
-                    <a:cubicBezTo>
-                      <a:pt x="392452" y="812800"/>
-                      <a:pt x="431204" y="806323"/>
-                      <a:pt x="466915" y="794809"/>
-                    </a:cubicBezTo>
-                    <a:cubicBezTo>
-                      <a:pt x="467675" y="794450"/>
-                      <a:pt x="468435" y="794450"/>
-                      <a:pt x="469194" y="794090"/>
-                    </a:cubicBezTo>
-                    <a:cubicBezTo>
-                      <a:pt x="603304" y="748035"/>
-                      <a:pt x="702082" y="626421"/>
-                      <a:pt x="703982" y="484298"/>
-                    </a:cubicBezTo>
-                    <a:lnTo>
-                      <a:pt x="703982" y="0"/>
-                    </a:lnTo>
-                    <a:lnTo>
-                      <a:pt x="0" y="0"/>
-                    </a:lnTo>
-                    <a:lnTo>
-                      <a:pt x="0" y="483939"/>
-                    </a:lnTo>
-                    <a:cubicBezTo>
-                      <a:pt x="1900" y="627140"/>
-                      <a:pt x="99158" y="748755"/>
-                      <a:pt x="234787" y="793731"/>
-                    </a:cubicBezTo>
-                    <a:close/>
-                  </a:path>
-                </a:pathLst>
-              </a:custGeom>
-              <a:solidFill>
-                <a:srgbClr val="9FC3D0"/>
-              </a:solidFill>
-            </p:spPr>
-            <p:txBody>
-              <a:bodyPr/>
-              <a:lstStyle/>
-              <a:p>
-                <a:endParaRPr lang="zh-TW" altLang="en-US"/>
-              </a:p>
-            </p:txBody>
-          </p:sp>
-          <p:sp>
-            <p:nvSpPr>
-              <p:cNvPr id="12" name="TextBox 12"/>
-              <p:cNvSpPr txBox="1"/>
-              <p:nvPr/>
-            </p:nvSpPr>
-            <p:spPr>
-              <a:xfrm>
-                <a:off x="0" y="-47625"/>
-                <a:ext cx="703982" cy="733425"/>
-              </a:xfrm>
-              <a:prstGeom prst="rect">
-                <a:avLst/>
-              </a:prstGeom>
-            </p:spPr>
-            <p:txBody>
-              <a:bodyPr lIns="50800" tIns="50800" rIns="50800" bIns="50800" rtlCol="0" anchor="ctr"/>
-              <a:lstStyle/>
-              <a:p>
-                <a:pPr algn="ctr">
-                  <a:lnSpc>
-                    <a:spcPts val="2659"/>
-                  </a:lnSpc>
-                </a:pPr>
-                <a:endParaRPr>
-                  <a:latin typeface="+mj-lt"/>
-                </a:endParaRPr>
-              </a:p>
-            </p:txBody>
-          </p:sp>
-        </p:grpSp>
-        <p:sp>
-          <p:nvSpPr>
-            <p:cNvPr id="13" name="TextBox 13"/>
-            <p:cNvSpPr txBox="1"/>
-            <p:nvPr/>
-          </p:nvSpPr>
-          <p:spPr>
-            <a:xfrm>
-              <a:off x="0" y="437582"/>
-              <a:ext cx="2083482" cy="1241504"/>
-            </a:xfrm>
-            <a:prstGeom prst="rect">
-              <a:avLst/>
-            </a:prstGeom>
-          </p:spPr>
-          <p:txBody>
-            <a:bodyPr lIns="0" tIns="0" rIns="0" bIns="0" rtlCol="0" anchor="t">
-              <a:spAutoFit/>
-            </a:bodyPr>
-            <a:lstStyle/>
-            <a:p>
-              <a:pPr algn="ctr">
-                <a:lnSpc>
-                  <a:spcPts val="7805"/>
-                </a:lnSpc>
-              </a:pPr>
-              <a:r>
-                <a:rPr lang="en-US" sz="5575" dirty="0">
-                  <a:solidFill>
-                    <a:srgbClr val="000000"/>
-                  </a:solidFill>
-                  <a:latin typeface="+mj-lt"/>
-                </a:rPr>
-                <a:t>1</a:t>
-              </a:r>
-            </a:p>
-          </p:txBody>
-        </p:sp>
-      </p:grpSp>
-      <p:sp>
-        <p:nvSpPr>
-          <p:cNvPr id="14" name="Freeform 14"/>
-          <p:cNvSpPr/>
-          <p:nvPr/>
-        </p:nvSpPr>
-        <p:spPr>
-          <a:xfrm>
-            <a:off x="-3482681" y="-210192"/>
-            <a:ext cx="7315200" cy="2477783"/>
-          </a:xfrm>
-          <a:custGeom>
-            <a:avLst/>
-            <a:gdLst/>
-            <a:ahLst/>
-            <a:cxnLst/>
-            <a:rect l="l" t="t" r="r" b="b"/>
-            <a:pathLst>
-              <a:path w="7315200" h="2477783">
-                <a:moveTo>
-                  <a:pt x="0" y="0"/>
-                </a:moveTo>
-                <a:lnTo>
-                  <a:pt x="7315200" y="0"/>
-                </a:lnTo>
-                <a:lnTo>
-                  <a:pt x="7315200" y="2477784"/>
-                </a:lnTo>
-                <a:lnTo>
-                  <a:pt x="0" y="2477784"/>
-                </a:lnTo>
-                <a:lnTo>
-                  <a:pt x="0" y="0"/>
-                </a:lnTo>
-                <a:close/>
-              </a:path>
-            </a:pathLst>
-          </a:custGeom>
-          <a:blipFill>
-            <a:blip r:embed="rId2">
-              <a:extLst>
-                <a:ext uri="{96DAC541-7B7A-43D3-8B79-37D633B846F1}">
-                  <asvg:svgBlip xmlns:asvg="http://schemas.microsoft.com/office/drawing/2016/SVG/main" r:embed="rId3"/>
-                </a:ext>
-              </a:extLst>
-            </a:blip>
-            <a:stretch>
-              <a:fillRect/>
-            </a:stretch>
-          </a:blipFill>
-        </p:spPr>
-        <p:txBody>
-          <a:bodyPr/>
-          <a:lstStyle/>
-          <a:p>
-            <a:endParaRPr lang="zh-TW" altLang="en-US"/>
-          </a:p>
-        </p:txBody>
-      </p:sp>
-      <p:sp>
-        <p:nvSpPr>
-          <p:cNvPr id="15" name="TextBox 15"/>
-          <p:cNvSpPr txBox="1"/>
-          <p:nvPr/>
-        </p:nvSpPr>
-        <p:spPr>
-          <a:xfrm>
-            <a:off x="2057400" y="2882032"/>
-            <a:ext cx="14630400" cy="3715954"/>
-          </a:xfrm>
-          <a:prstGeom prst="rect">
-            <a:avLst/>
-          </a:prstGeom>
-        </p:spPr>
-        <p:txBody>
-          <a:bodyPr wrap="square" lIns="0" tIns="0" rIns="0" bIns="0" rtlCol="0" anchor="t">
-            <a:spAutoFit/>
-          </a:bodyPr>
-          <a:lstStyle/>
-          <a:p>
-            <a:pPr>
-              <a:lnSpc>
-                <a:spcPts val="5852"/>
-              </a:lnSpc>
-            </a:pPr>
-            <a:r>
-              <a:rPr lang="en-US" sz="4400" dirty="0">
-                <a:solidFill>
-                  <a:srgbClr val="000000"/>
-                </a:solidFill>
-                <a:latin typeface="+mj-lt"/>
-              </a:rPr>
-              <a:t>This project aims to develop a system that implements theories introduced by a United States laboratory</a:t>
-            </a:r>
-            <a:r>
-              <a:rPr lang="en-US" sz="2000" dirty="0">
-                <a:solidFill>
-                  <a:srgbClr val="000000"/>
-                </a:solidFill>
-                <a:latin typeface="+mj-lt"/>
-              </a:rPr>
-              <a:t>[1] </a:t>
-            </a:r>
-            <a:r>
-              <a:rPr lang="en-US" sz="4400" dirty="0">
-                <a:solidFill>
-                  <a:srgbClr val="000000"/>
-                </a:solidFill>
-                <a:latin typeface="+mj-lt"/>
-              </a:rPr>
-              <a:t>in 1992. Their work emphasized the importance of estimating remaining service life to enable property owners to plan for repairs or demolitions proactively. </a:t>
-            </a:r>
-          </a:p>
-        </p:txBody>
-      </p:sp>
-      <p:sp>
-        <p:nvSpPr>
-          <p:cNvPr id="2" name="文字方塊 1">
-            <a:extLst>
-              <a:ext uri="{FF2B5EF4-FFF2-40B4-BE49-F238E27FC236}">
-                <a16:creationId xmlns:a16="http://schemas.microsoft.com/office/drawing/2014/main" id="{5FBF43CC-8E47-E1FA-E802-9AFA5C049BC2}"/>
-              </a:ext>
-            </a:extLst>
-          </p:cNvPr>
-          <p:cNvSpPr txBox="1"/>
-          <p:nvPr/>
-        </p:nvSpPr>
-        <p:spPr>
-          <a:xfrm>
-            <a:off x="1699643" y="9315071"/>
-            <a:ext cx="16459200" cy="338554"/>
-          </a:xfrm>
-          <a:prstGeom prst="rect">
-            <a:avLst/>
-          </a:prstGeom>
-          <a:noFill/>
-        </p:spPr>
-        <p:txBody>
-          <a:bodyPr wrap="square">
-            <a:spAutoFit/>
-          </a:bodyPr>
-          <a:lstStyle/>
-          <a:p>
-            <a:r>
-              <a:rPr lang="en-US" altLang="zh-TW" sz="1600" b="0" i="0" dirty="0">
-                <a:effectLst/>
-                <a:latin typeface="+mj-lt"/>
-              </a:rPr>
-              <a:t>[1] Building and fire research laboratory. (1992). </a:t>
-            </a:r>
-            <a:r>
-              <a:rPr lang="en-US" altLang="zh-TW" sz="1600" b="0" i="1" dirty="0">
-                <a:effectLst/>
-                <a:latin typeface="+mj-lt"/>
-              </a:rPr>
-              <a:t>Methods for Predicting Remaining Life of Concrete in </a:t>
-            </a:r>
-            <a:r>
-              <a:rPr lang="en-US" altLang="zh-TW" sz="1600" b="0" i="1" dirty="0" err="1">
-                <a:effectLst/>
-                <a:latin typeface="+mj-lt"/>
-              </a:rPr>
-              <a:t>Structures</a:t>
-            </a:r>
-            <a:r>
-              <a:rPr lang="en-US" altLang="zh-TW" sz="1600" b="0" i="0" dirty="0" err="1">
-                <a:effectLst/>
-                <a:latin typeface="+mj-lt"/>
-              </a:rPr>
-              <a:t>.</a:t>
-            </a:r>
-            <a:r>
-              <a:rPr lang="en-US" altLang="zh-TW" sz="1600" b="0" i="0" dirty="0" err="1">
-                <a:solidFill>
-                  <a:srgbClr val="0000FF"/>
-                </a:solidFill>
-                <a:effectLst/>
-                <a:latin typeface="+mj-lt"/>
-                <a:hlinkClick r:id="rId4">
-                  <a:extLst>
-                    <a:ext uri="{A12FA001-AC4F-418D-AE19-62706E023703}">
-                      <ahyp:hlinkClr xmlns:ahyp="http://schemas.microsoft.com/office/drawing/2018/hyperlinkcolor" val="tx"/>
-                    </a:ext>
-                  </a:extLst>
-                </a:hlinkClick>
-              </a:rPr>
-              <a:t>https</a:t>
-            </a:r>
-            <a:r>
-              <a:rPr lang="en-US" altLang="zh-TW" sz="1600" b="0" i="0" dirty="0">
-                <a:solidFill>
-                  <a:srgbClr val="0000FF"/>
-                </a:solidFill>
-                <a:effectLst/>
-                <a:latin typeface="+mj-lt"/>
-                <a:hlinkClick r:id="rId4">
-                  <a:extLst>
-                    <a:ext uri="{A12FA001-AC4F-418D-AE19-62706E023703}">
-                      <ahyp:hlinkClr xmlns:ahyp="http://schemas.microsoft.com/office/drawing/2018/hyperlinkcolor" val="tx"/>
-                    </a:ext>
-                  </a:extLst>
-                </a:hlinkClick>
-              </a:rPr>
-              <a:t>://nvlpubs.nist.gov/nistpubs/Legacy/IR/nistir4954.</a:t>
-            </a:r>
-            <a:r>
-              <a:rPr lang="en-US" altLang="zh-TW" sz="1600" b="0" i="0" dirty="0">
-                <a:effectLst/>
-                <a:latin typeface="+mj-lt"/>
-                <a:hlinkClick r:id="rId4">
-                  <a:extLst>
-                    <a:ext uri="{A12FA001-AC4F-418D-AE19-62706E023703}">
-                      <ahyp:hlinkClr xmlns:ahyp="http://schemas.microsoft.com/office/drawing/2018/hyperlinkcolor" val="tx"/>
-                    </a:ext>
-                  </a:extLst>
-                </a:hlinkClick>
-              </a:rPr>
-              <a:t>pdf</a:t>
-            </a:r>
-            <a:endParaRPr lang="en-US" altLang="zh-TW" sz="1600" b="0" i="0" dirty="0">
-              <a:effectLst/>
-              <a:latin typeface="+mj-lt"/>
-            </a:endParaRPr>
-          </a:p>
-        </p:txBody>
-      </p:sp>
-    </p:spTree>
-  </p:cSld>
-  <p:clrMapOvr>
-    <a:masterClrMapping/>
-  </p:clrMapOvr>
-</p:sld>
-</file>
-
-<file path=ppt/slides/slide4.xml><?xml version="1.0" encoding="utf-8"?>
-<p:sld xmlns:a="http://schemas.openxmlformats.org/drawingml/2006/main" xmlns:r="http://schemas.openxmlformats.org/officeDocument/2006/relationships" xmlns:p="http://schemas.openxmlformats.org/presentationml/2006/main">
-  <p:cSld>
-    <p:bg>
-      <p:bgPr>
-        <a:solidFill>
-          <a:srgbClr val="F6F3EB"/>
-        </a:solidFill>
-        <a:effectLst/>
-      </p:bgPr>
-    </p:bg>
-    <p:spTree>
-      <p:nvGrpSpPr>
-        <p:cNvPr id="1" name=""/>
-        <p:cNvGrpSpPr/>
-        <p:nvPr/>
-      </p:nvGrpSpPr>
-      <p:grpSpPr>
-        <a:xfrm>
-          <a:off x="0" y="0"/>
-          <a:ext cx="0" cy="0"/>
-          <a:chOff x="0" y="0"/>
-          <a:chExt cx="0" cy="0"/>
-        </a:xfrm>
-      </p:grpSpPr>
-      <p:sp>
-        <p:nvSpPr>
-          <p:cNvPr id="2" name="TextBox 2"/>
-          <p:cNvSpPr txBox="1"/>
-          <p:nvPr/>
-        </p:nvSpPr>
-        <p:spPr>
-          <a:xfrm>
-            <a:off x="1028700" y="866775"/>
-            <a:ext cx="16230600" cy="1337161"/>
-          </a:xfrm>
-          <a:prstGeom prst="rect">
-            <a:avLst/>
-          </a:prstGeom>
-        </p:spPr>
-        <p:txBody>
-          <a:bodyPr lIns="0" tIns="0" rIns="0" bIns="0" rtlCol="0" anchor="t">
-            <a:spAutoFit/>
-          </a:bodyPr>
-          <a:lstStyle/>
-          <a:p>
-            <a:pPr algn="ctr">
-              <a:lnSpc>
-                <a:spcPts val="11899"/>
-              </a:lnSpc>
-            </a:pPr>
-            <a:r>
-              <a:rPr lang="en-US" sz="6600" dirty="0">
-                <a:solidFill>
-                  <a:srgbClr val="000000"/>
-                </a:solidFill>
-                <a:latin typeface="+mj-lt"/>
-              </a:rPr>
-              <a:t>Project Goal</a:t>
-            </a:r>
-          </a:p>
-        </p:txBody>
-      </p:sp>
-      <p:grpSp>
-        <p:nvGrpSpPr>
-          <p:cNvPr id="3" name="Group 3"/>
-          <p:cNvGrpSpPr/>
-          <p:nvPr/>
-        </p:nvGrpSpPr>
-        <p:grpSpPr>
-          <a:xfrm>
-            <a:off x="2209800" y="3033995"/>
-            <a:ext cx="15516465" cy="5162130"/>
-            <a:chOff x="0" y="-63120"/>
-            <a:chExt cx="20688620" cy="6882840"/>
-          </a:xfrm>
-        </p:grpSpPr>
-        <p:grpSp>
-          <p:nvGrpSpPr>
-            <p:cNvPr id="4" name="Group 4"/>
-            <p:cNvGrpSpPr/>
-            <p:nvPr/>
-          </p:nvGrpSpPr>
-          <p:grpSpPr>
-            <a:xfrm>
-              <a:off x="0" y="0"/>
-              <a:ext cx="1473815" cy="1473815"/>
-              <a:chOff x="0" y="0"/>
-              <a:chExt cx="812800" cy="812800"/>
-            </a:xfrm>
-          </p:grpSpPr>
-          <p:sp>
-            <p:nvSpPr>
-              <p:cNvPr id="5" name="Freeform 5"/>
-              <p:cNvSpPr/>
-              <p:nvPr/>
-            </p:nvSpPr>
-            <p:spPr>
-              <a:xfrm>
-                <a:off x="0" y="0"/>
-                <a:ext cx="812800" cy="812800"/>
-              </a:xfrm>
-              <a:custGeom>
-                <a:avLst/>
-                <a:gdLst/>
-                <a:ahLst/>
-                <a:cxnLst/>
-                <a:rect l="l" t="t" r="r" b="b"/>
-                <a:pathLst>
-                  <a:path w="812800" h="812800">
-                    <a:moveTo>
-                      <a:pt x="406400" y="0"/>
-                    </a:moveTo>
-                    <a:cubicBezTo>
-                      <a:pt x="181951" y="0"/>
-                      <a:pt x="0" y="181951"/>
-                      <a:pt x="0" y="406400"/>
-                    </a:cubicBezTo>
-                    <a:cubicBezTo>
-                      <a:pt x="0" y="630849"/>
-                      <a:pt x="181951" y="812800"/>
-                      <a:pt x="406400" y="812800"/>
-                    </a:cubicBezTo>
-                    <a:cubicBezTo>
-                      <a:pt x="630849" y="812800"/>
-                      <a:pt x="812800" y="630849"/>
-                      <a:pt x="812800" y="406400"/>
-                    </a:cubicBezTo>
-                    <a:cubicBezTo>
-                      <a:pt x="812800" y="181951"/>
-                      <a:pt x="630849" y="0"/>
-                      <a:pt x="406400" y="0"/>
-                    </a:cubicBezTo>
-                    <a:close/>
-                  </a:path>
-                </a:pathLst>
-              </a:custGeom>
-              <a:solidFill>
-                <a:srgbClr val="E9C7C6"/>
-              </a:solidFill>
-            </p:spPr>
-            <p:txBody>
-              <a:bodyPr/>
-              <a:lstStyle/>
-              <a:p>
-                <a:endParaRPr lang="zh-TW" altLang="en-US"/>
-              </a:p>
-            </p:txBody>
-          </p:sp>
-          <p:sp>
-            <p:nvSpPr>
-              <p:cNvPr id="6" name="TextBox 6"/>
-              <p:cNvSpPr txBox="1"/>
-              <p:nvPr/>
-            </p:nvSpPr>
-            <p:spPr>
-              <a:xfrm>
-                <a:off x="76200" y="38100"/>
-                <a:ext cx="660400" cy="698500"/>
-              </a:xfrm>
-              <a:prstGeom prst="rect">
-                <a:avLst/>
-              </a:prstGeom>
-            </p:spPr>
-            <p:txBody>
-              <a:bodyPr lIns="50800" tIns="50800" rIns="50800" bIns="50800" rtlCol="0" anchor="ctr"/>
-              <a:lstStyle/>
-              <a:p>
-                <a:pPr algn="ctr">
-                  <a:lnSpc>
-                    <a:spcPts val="2659"/>
-                  </a:lnSpc>
-                </a:pPr>
-                <a:endParaRPr>
-                  <a:latin typeface="+mj-lt"/>
-                </a:endParaRPr>
-              </a:p>
-            </p:txBody>
-          </p:sp>
-        </p:grpSp>
-        <p:sp>
-          <p:nvSpPr>
-            <p:cNvPr id="7" name="TextBox 7"/>
-            <p:cNvSpPr txBox="1"/>
-            <p:nvPr/>
-          </p:nvSpPr>
-          <p:spPr>
-            <a:xfrm>
-              <a:off x="0" y="130580"/>
-              <a:ext cx="1473815" cy="1196909"/>
-            </a:xfrm>
-            <a:prstGeom prst="rect">
-              <a:avLst/>
-            </a:prstGeom>
-          </p:spPr>
-          <p:txBody>
-            <a:bodyPr lIns="0" tIns="0" rIns="0" bIns="0" rtlCol="0" anchor="t">
-              <a:spAutoFit/>
-            </a:bodyPr>
-            <a:lstStyle/>
-            <a:p>
-              <a:pPr algn="ctr">
-                <a:lnSpc>
-                  <a:spcPts val="7048"/>
-                </a:lnSpc>
-              </a:pPr>
-              <a:r>
-                <a:rPr lang="en-US" sz="5034">
-                  <a:solidFill>
-                    <a:srgbClr val="000000"/>
-                  </a:solidFill>
-                  <a:latin typeface="+mj-lt"/>
-                </a:rPr>
-                <a:t>1</a:t>
-              </a:r>
-            </a:p>
-          </p:txBody>
-        </p:sp>
-        <p:sp>
-          <p:nvSpPr>
-            <p:cNvPr id="10" name="TextBox 10"/>
-            <p:cNvSpPr txBox="1"/>
-            <p:nvPr/>
-          </p:nvSpPr>
-          <p:spPr>
-            <a:xfrm>
-              <a:off x="138171" y="2811123"/>
-              <a:ext cx="1197475" cy="1266560"/>
-            </a:xfrm>
-            <a:prstGeom prst="rect">
-              <a:avLst/>
-            </a:prstGeom>
-          </p:spPr>
-          <p:txBody>
-            <a:bodyPr lIns="50800" tIns="50800" rIns="50800" bIns="50800" rtlCol="0" anchor="ctr"/>
-            <a:lstStyle/>
-            <a:p>
-              <a:pPr algn="ctr">
-                <a:lnSpc>
-                  <a:spcPts val="2659"/>
-                </a:lnSpc>
-              </a:pPr>
-              <a:endParaRPr>
-                <a:latin typeface="+mj-lt"/>
-              </a:endParaRPr>
-            </a:p>
-          </p:txBody>
-        </p:sp>
-        <p:sp>
-          <p:nvSpPr>
-            <p:cNvPr id="14" name="TextBox 14"/>
-            <p:cNvSpPr txBox="1"/>
-            <p:nvPr/>
-          </p:nvSpPr>
-          <p:spPr>
-            <a:xfrm>
-              <a:off x="138171" y="5553160"/>
-              <a:ext cx="1197475" cy="1266560"/>
-            </a:xfrm>
-            <a:prstGeom prst="rect">
-              <a:avLst/>
-            </a:prstGeom>
-          </p:spPr>
-          <p:txBody>
-            <a:bodyPr lIns="50800" tIns="50800" rIns="50800" bIns="50800" rtlCol="0" anchor="ctr"/>
-            <a:lstStyle/>
-            <a:p>
-              <a:pPr algn="ctr">
-                <a:lnSpc>
-                  <a:spcPts val="2659"/>
-                </a:lnSpc>
-              </a:pPr>
-              <a:endParaRPr>
-                <a:latin typeface="+mj-lt"/>
-              </a:endParaRPr>
-            </a:p>
-          </p:txBody>
-        </p:sp>
-        <p:sp>
-          <p:nvSpPr>
-            <p:cNvPr id="16" name="TextBox 16"/>
-            <p:cNvSpPr txBox="1"/>
-            <p:nvPr/>
-          </p:nvSpPr>
-          <p:spPr>
-            <a:xfrm>
-              <a:off x="1711697" y="-63120"/>
-              <a:ext cx="18976923" cy="3895340"/>
-            </a:xfrm>
-            <a:prstGeom prst="rect">
-              <a:avLst/>
-            </a:prstGeom>
-          </p:spPr>
-          <p:txBody>
-            <a:bodyPr lIns="0" tIns="0" rIns="0" bIns="0" rtlCol="0" anchor="t">
-              <a:spAutoFit/>
-            </a:bodyPr>
-            <a:lstStyle/>
-            <a:p>
-              <a:pPr>
-                <a:lnSpc>
-                  <a:spcPct val="150000"/>
-                </a:lnSpc>
-              </a:pPr>
-              <a:r>
-                <a:rPr lang="en-US" sz="4400" dirty="0">
-                  <a:solidFill>
-                    <a:srgbClr val="000000"/>
-                  </a:solidFill>
-                  <a:latin typeface="+mj-lt"/>
-                </a:rPr>
-                <a:t>This project aims to develop a program that implements the theories, with the goal of </a:t>
-              </a:r>
-              <a:r>
-                <a:rPr lang="en-US" sz="4400" dirty="0">
-                  <a:solidFill>
-                    <a:srgbClr val="FF0000"/>
-                  </a:solidFill>
-                  <a:latin typeface="+mj-lt"/>
-                </a:rPr>
-                <a:t>predicting the remaining service life of concrete</a:t>
-              </a:r>
-              <a:r>
-                <a:rPr lang="en-US" sz="4400" dirty="0">
-                  <a:solidFill>
-                    <a:srgbClr val="000000"/>
-                  </a:solidFill>
-                  <a:latin typeface="+mj-lt"/>
-                </a:rPr>
-                <a:t> structures.</a:t>
-              </a:r>
-            </a:p>
-          </p:txBody>
-        </p:sp>
-      </p:grpSp>
-      <p:sp>
-        <p:nvSpPr>
-          <p:cNvPr id="23" name="AutoShape 23"/>
-          <p:cNvSpPr/>
-          <p:nvPr/>
-        </p:nvSpPr>
-        <p:spPr>
-          <a:xfrm flipH="1" flipV="1">
-            <a:off x="1085850" y="7289441"/>
-            <a:ext cx="5403" cy="2997456"/>
-          </a:xfrm>
-          <a:prstGeom prst="line">
-            <a:avLst/>
-          </a:prstGeom>
-          <a:ln w="114300" cap="flat">
-            <a:solidFill>
-              <a:srgbClr val="9FC3D0"/>
-            </a:solidFill>
-            <a:prstDash val="solid"/>
-            <a:headEnd type="none" w="sm" len="sm"/>
-            <a:tailEnd type="none" w="sm" len="sm"/>
-          </a:ln>
-        </p:spPr>
-        <p:txBody>
-          <a:bodyPr/>
-          <a:lstStyle/>
-          <a:p>
-            <a:endParaRPr lang="zh-TW" altLang="en-US"/>
-          </a:p>
-        </p:txBody>
-      </p:sp>
-      <p:sp>
-        <p:nvSpPr>
-          <p:cNvPr id="24" name="AutoShape 24"/>
-          <p:cNvSpPr/>
-          <p:nvPr/>
-        </p:nvSpPr>
-        <p:spPr>
-          <a:xfrm flipV="1">
-            <a:off x="1085850" y="-104525"/>
-            <a:ext cx="4640" cy="8298836"/>
-          </a:xfrm>
-          <a:prstGeom prst="line">
-            <a:avLst/>
-          </a:prstGeom>
-          <a:ln w="114300" cap="flat">
-            <a:solidFill>
-              <a:srgbClr val="9FC3D0"/>
-            </a:solidFill>
-            <a:prstDash val="solid"/>
-            <a:headEnd type="none" w="sm" len="sm"/>
-            <a:tailEnd type="none" w="sm" len="sm"/>
-          </a:ln>
-        </p:spPr>
-        <p:txBody>
-          <a:bodyPr/>
-          <a:lstStyle/>
-          <a:p>
-            <a:endParaRPr lang="zh-TW" altLang="en-US"/>
-          </a:p>
-        </p:txBody>
-      </p:sp>
-      <p:grpSp>
-        <p:nvGrpSpPr>
-          <p:cNvPr id="25" name="Group 25"/>
-          <p:cNvGrpSpPr/>
-          <p:nvPr/>
-        </p:nvGrpSpPr>
-        <p:grpSpPr>
-          <a:xfrm>
-            <a:off x="15859155" y="0"/>
-            <a:ext cx="1562612" cy="1673225"/>
-            <a:chOff x="0" y="0"/>
-            <a:chExt cx="2083482" cy="2230967"/>
-          </a:xfrm>
-        </p:grpSpPr>
-        <p:grpSp>
-          <p:nvGrpSpPr>
-            <p:cNvPr id="26" name="Group 26"/>
-            <p:cNvGrpSpPr/>
-            <p:nvPr/>
-          </p:nvGrpSpPr>
-          <p:grpSpPr>
-            <a:xfrm>
-              <a:off x="75599" y="0"/>
-              <a:ext cx="1932284" cy="2230967"/>
-              <a:chOff x="0" y="0"/>
-              <a:chExt cx="703982" cy="812800"/>
-            </a:xfrm>
-          </p:grpSpPr>
-          <p:sp>
-            <p:nvSpPr>
-              <p:cNvPr id="27" name="Freeform 27"/>
-              <p:cNvSpPr/>
-              <p:nvPr/>
-            </p:nvSpPr>
-            <p:spPr>
-              <a:xfrm>
-                <a:off x="0" y="0"/>
-                <a:ext cx="703982" cy="812800"/>
-              </a:xfrm>
-              <a:custGeom>
-                <a:avLst/>
-                <a:gdLst/>
-                <a:ahLst/>
-                <a:cxnLst/>
-                <a:rect l="l" t="t" r="r" b="b"/>
-                <a:pathLst>
-                  <a:path w="703982" h="812800">
-                    <a:moveTo>
-                      <a:pt x="234787" y="793731"/>
-                    </a:moveTo>
-                    <a:cubicBezTo>
-                      <a:pt x="270879" y="805245"/>
-                      <a:pt x="311910" y="812800"/>
-                      <a:pt x="352180" y="812800"/>
-                    </a:cubicBezTo>
-                    <a:cubicBezTo>
-                      <a:pt x="392452" y="812800"/>
-                      <a:pt x="431204" y="806323"/>
-                      <a:pt x="466915" y="794809"/>
-                    </a:cubicBezTo>
-                    <a:cubicBezTo>
-                      <a:pt x="467675" y="794450"/>
-                      <a:pt x="468435" y="794450"/>
-                      <a:pt x="469194" y="794090"/>
-                    </a:cubicBezTo>
-                    <a:cubicBezTo>
-                      <a:pt x="603304" y="748035"/>
-                      <a:pt x="702082" y="626421"/>
-                      <a:pt x="703982" y="484298"/>
-                    </a:cubicBezTo>
-                    <a:lnTo>
-                      <a:pt x="703982" y="0"/>
-                    </a:lnTo>
-                    <a:lnTo>
-                      <a:pt x="0" y="0"/>
-                    </a:lnTo>
-                    <a:lnTo>
-                      <a:pt x="0" y="483939"/>
-                    </a:lnTo>
-                    <a:cubicBezTo>
-                      <a:pt x="1900" y="627140"/>
-                      <a:pt x="99158" y="748755"/>
-                      <a:pt x="234787" y="793731"/>
-                    </a:cubicBezTo>
-                    <a:close/>
-                  </a:path>
-                </a:pathLst>
-              </a:custGeom>
-              <a:solidFill>
-                <a:srgbClr val="9FC3D0"/>
-              </a:solidFill>
-            </p:spPr>
-            <p:txBody>
-              <a:bodyPr/>
-              <a:lstStyle/>
-              <a:p>
-                <a:endParaRPr lang="zh-TW" altLang="en-US"/>
-              </a:p>
-            </p:txBody>
-          </p:sp>
-          <p:sp>
-            <p:nvSpPr>
-              <p:cNvPr id="28" name="TextBox 28"/>
-              <p:cNvSpPr txBox="1"/>
-              <p:nvPr/>
-            </p:nvSpPr>
-            <p:spPr>
-              <a:xfrm>
-                <a:off x="0" y="-47625"/>
-                <a:ext cx="703982" cy="733425"/>
-              </a:xfrm>
-              <a:prstGeom prst="rect">
-                <a:avLst/>
-              </a:prstGeom>
-            </p:spPr>
-            <p:txBody>
-              <a:bodyPr lIns="50800" tIns="50800" rIns="50800" bIns="50800" rtlCol="0" anchor="ctr"/>
-              <a:lstStyle/>
-              <a:p>
-                <a:pPr algn="ctr">
-                  <a:lnSpc>
-                    <a:spcPts val="2659"/>
-                  </a:lnSpc>
-                </a:pPr>
-                <a:endParaRPr>
-                  <a:latin typeface="+mj-lt"/>
-                </a:endParaRPr>
-              </a:p>
-            </p:txBody>
-          </p:sp>
-        </p:grpSp>
-        <p:sp>
-          <p:nvSpPr>
-            <p:cNvPr id="29" name="TextBox 29"/>
-            <p:cNvSpPr txBox="1"/>
-            <p:nvPr/>
-          </p:nvSpPr>
-          <p:spPr>
-            <a:xfrm>
-              <a:off x="0" y="437581"/>
-              <a:ext cx="2083482" cy="1217256"/>
-            </a:xfrm>
-            <a:prstGeom prst="rect">
-              <a:avLst/>
-            </a:prstGeom>
-          </p:spPr>
-          <p:txBody>
-            <a:bodyPr lIns="0" tIns="0" rIns="0" bIns="0" rtlCol="0" anchor="t">
-              <a:spAutoFit/>
-            </a:bodyPr>
-            <a:lstStyle/>
-            <a:p>
-              <a:pPr algn="ctr">
-                <a:lnSpc>
-                  <a:spcPts val="7805"/>
-                </a:lnSpc>
-              </a:pPr>
-              <a:r>
-                <a:rPr lang="en-US" sz="5575" dirty="0">
-                  <a:solidFill>
-                    <a:srgbClr val="000000"/>
-                  </a:solidFill>
-                  <a:latin typeface="+mj-lt"/>
-                </a:rPr>
-                <a:t>2</a:t>
-              </a:r>
-            </a:p>
-          </p:txBody>
-        </p:sp>
-      </p:grpSp>
-      <p:sp>
-        <p:nvSpPr>
-          <p:cNvPr id="30" name="Freeform 30"/>
-          <p:cNvSpPr/>
-          <p:nvPr/>
-        </p:nvSpPr>
-        <p:spPr>
-          <a:xfrm>
-            <a:off x="12062189" y="7962900"/>
-            <a:ext cx="7315200" cy="2477783"/>
-          </a:xfrm>
-          <a:custGeom>
-            <a:avLst/>
-            <a:gdLst/>
-            <a:ahLst/>
-            <a:cxnLst/>
-            <a:rect l="l" t="t" r="r" b="b"/>
-            <a:pathLst>
-              <a:path w="7315200" h="2477783">
-                <a:moveTo>
-                  <a:pt x="0" y="0"/>
-                </a:moveTo>
-                <a:lnTo>
-                  <a:pt x="7315200" y="0"/>
-                </a:lnTo>
-                <a:lnTo>
-                  <a:pt x="7315200" y="2477784"/>
-                </a:lnTo>
-                <a:lnTo>
-                  <a:pt x="0" y="2477784"/>
-                </a:lnTo>
-                <a:lnTo>
-                  <a:pt x="0" y="0"/>
-                </a:lnTo>
-                <a:close/>
-              </a:path>
-            </a:pathLst>
-          </a:custGeom>
-          <a:blipFill>
-            <a:blip r:embed="rId2">
-              <a:extLst>
-                <a:ext uri="{96DAC541-7B7A-43D3-8B79-37D633B846F1}">
-                  <asvg:svgBlip xmlns:asvg="http://schemas.microsoft.com/office/drawing/2016/SVG/main" r:embed="rId3"/>
-                </a:ext>
-              </a:extLst>
-            </a:blip>
-            <a:stretch>
-              <a:fillRect/>
-            </a:stretch>
-          </a:blipFill>
-        </p:spPr>
-        <p:txBody>
-          <a:bodyPr/>
-          <a:lstStyle/>
-          <a:p>
-            <a:endParaRPr lang="zh-TW" altLang="en-US"/>
-          </a:p>
-        </p:txBody>
-      </p:sp>
-      <p:sp>
-        <p:nvSpPr>
-          <p:cNvPr id="31" name="Freeform 31"/>
-          <p:cNvSpPr/>
-          <p:nvPr/>
-        </p:nvSpPr>
-        <p:spPr>
-          <a:xfrm>
-            <a:off x="1564423" y="-1641171"/>
-            <a:ext cx="7315200" cy="2477783"/>
-          </a:xfrm>
-          <a:custGeom>
-            <a:avLst/>
-            <a:gdLst/>
-            <a:ahLst/>
-            <a:cxnLst/>
-            <a:rect l="l" t="t" r="r" b="b"/>
-            <a:pathLst>
-              <a:path w="7315200" h="2477783">
-                <a:moveTo>
-                  <a:pt x="0" y="0"/>
-                </a:moveTo>
-                <a:lnTo>
-                  <a:pt x="7315200" y="0"/>
-                </a:lnTo>
-                <a:lnTo>
-                  <a:pt x="7315200" y="2477784"/>
-                </a:lnTo>
-                <a:lnTo>
-                  <a:pt x="0" y="2477784"/>
-                </a:lnTo>
-                <a:lnTo>
-                  <a:pt x="0" y="0"/>
-                </a:lnTo>
-                <a:close/>
-              </a:path>
-            </a:pathLst>
-          </a:custGeom>
-          <a:blipFill>
-            <a:blip r:embed="rId2">
-              <a:extLst>
-                <a:ext uri="{96DAC541-7B7A-43D3-8B79-37D633B846F1}">
-                  <asvg:svgBlip xmlns:asvg="http://schemas.microsoft.com/office/drawing/2016/SVG/main" r:embed="rId3"/>
-                </a:ext>
-              </a:extLst>
-            </a:blip>
-            <a:stretch>
-              <a:fillRect/>
-            </a:stretch>
-          </a:blipFill>
-        </p:spPr>
-        <p:txBody>
-          <a:bodyPr/>
-          <a:lstStyle/>
-          <a:p>
-            <a:endParaRPr lang="zh-TW" altLang="en-US"/>
-          </a:p>
-        </p:txBody>
-      </p:sp>
-    </p:spTree>
-  </p:cSld>
-  <p:clrMapOvr>
-    <a:masterClrMapping/>
-  </p:clrMapOvr>
-</p:sld>
-</file>
-
-<file path=ppt/slides/slide5.xml><?xml version="1.0" encoding="utf-8"?>
-<p:sld xmlns:a="http://schemas.openxmlformats.org/drawingml/2006/main" xmlns:r="http://schemas.openxmlformats.org/officeDocument/2006/relationships" xmlns:p="http://schemas.openxmlformats.org/presentationml/2006/main">
-  <p:cSld>
-    <p:bg>
-      <p:bgPr>
-        <a:solidFill>
-          <a:srgbClr val="F6F3EB"/>
-        </a:solidFill>
-        <a:effectLst/>
-      </p:bgPr>
-    </p:bg>
-    <p:spTree>
-      <p:nvGrpSpPr>
-        <p:cNvPr id="1" name="">
-          <a:extLst>
-            <a:ext uri="{FF2B5EF4-FFF2-40B4-BE49-F238E27FC236}">
-              <a16:creationId xmlns:a16="http://schemas.microsoft.com/office/drawing/2014/main" id="{789FD521-BA62-CC81-62B4-1A4F557566B0}"/>
-            </a:ext>
-          </a:extLst>
-        </p:cNvPr>
-        <p:cNvGrpSpPr/>
-        <p:nvPr/>
-      </p:nvGrpSpPr>
-      <p:grpSpPr>
-        <a:xfrm>
-          <a:off x="0" y="0"/>
-          <a:ext cx="0" cy="0"/>
-          <a:chOff x="0" y="0"/>
-          <a:chExt cx="0" cy="0"/>
-        </a:xfrm>
-      </p:grpSpPr>
-      <p:sp>
-        <p:nvSpPr>
-          <p:cNvPr id="2" name="TextBox 2">
-            <a:extLst>
-              <a:ext uri="{FF2B5EF4-FFF2-40B4-BE49-F238E27FC236}">
-                <a16:creationId xmlns:a16="http://schemas.microsoft.com/office/drawing/2014/main" id="{645FB7D2-FEE3-D672-E354-2262CE357B04}"/>
-              </a:ext>
-            </a:extLst>
-          </p:cNvPr>
-          <p:cNvSpPr txBox="1"/>
-          <p:nvPr/>
-        </p:nvSpPr>
-        <p:spPr>
-          <a:xfrm>
-            <a:off x="3132953" y="76982"/>
-            <a:ext cx="12260018" cy="1378070"/>
-          </a:xfrm>
-          <a:prstGeom prst="rect">
-            <a:avLst/>
-          </a:prstGeom>
-        </p:spPr>
-        <p:txBody>
-          <a:bodyPr wrap="square" lIns="0" tIns="0" rIns="0" bIns="0" rtlCol="0" anchor="t">
-            <a:spAutoFit/>
-          </a:bodyPr>
-          <a:lstStyle/>
-          <a:p>
-            <a:pPr algn="ctr">
-              <a:lnSpc>
-                <a:spcPts val="11899"/>
-              </a:lnSpc>
-            </a:pPr>
-            <a:r>
-              <a:rPr lang="en-US" altLang="zh-TW" sz="6600" dirty="0">
-                <a:latin typeface="+mj-lt"/>
-                <a:ea typeface="微軟正黑體"/>
-              </a:rPr>
-              <a:t>Prototype demonstration</a:t>
-            </a:r>
-            <a:endParaRPr lang="zh-TW" altLang="en-US" sz="1400" dirty="0">
-              <a:latin typeface="+mj-lt"/>
-            </a:endParaRPr>
-          </a:p>
-        </p:txBody>
-      </p:sp>
-      <p:grpSp>
-        <p:nvGrpSpPr>
-          <p:cNvPr id="19" name="Group 19">
-            <a:extLst>
-              <a:ext uri="{FF2B5EF4-FFF2-40B4-BE49-F238E27FC236}">
-                <a16:creationId xmlns:a16="http://schemas.microsoft.com/office/drawing/2014/main" id="{0374B6AE-AAD0-243D-CB86-2EA0B09D8E21}"/>
-              </a:ext>
-            </a:extLst>
-          </p:cNvPr>
-          <p:cNvGrpSpPr/>
-          <p:nvPr/>
-        </p:nvGrpSpPr>
-        <p:grpSpPr>
-          <a:xfrm>
-            <a:off x="15859155" y="0"/>
-            <a:ext cx="1562612" cy="1673225"/>
-            <a:chOff x="0" y="0"/>
-            <a:chExt cx="2083482" cy="2230967"/>
-          </a:xfrm>
-        </p:grpSpPr>
-        <p:grpSp>
-          <p:nvGrpSpPr>
-            <p:cNvPr id="20" name="Group 20">
-              <a:extLst>
-                <a:ext uri="{FF2B5EF4-FFF2-40B4-BE49-F238E27FC236}">
-                  <a16:creationId xmlns:a16="http://schemas.microsoft.com/office/drawing/2014/main" id="{187DB6B5-B1C8-E2EF-AD34-13A74359BEF7}"/>
-                </a:ext>
-              </a:extLst>
-            </p:cNvPr>
-            <p:cNvGrpSpPr/>
-            <p:nvPr/>
-          </p:nvGrpSpPr>
-          <p:grpSpPr>
-            <a:xfrm>
-              <a:off x="75599" y="0"/>
-              <a:ext cx="1932284" cy="2230967"/>
-              <a:chOff x="0" y="0"/>
-              <a:chExt cx="703982" cy="812800"/>
-            </a:xfrm>
-          </p:grpSpPr>
-          <p:sp>
-            <p:nvSpPr>
-              <p:cNvPr id="21" name="Freeform 21">
-                <a:extLst>
-                  <a:ext uri="{FF2B5EF4-FFF2-40B4-BE49-F238E27FC236}">
-                    <a16:creationId xmlns:a16="http://schemas.microsoft.com/office/drawing/2014/main" id="{98E6A8B2-A03F-5D98-5512-BD343DC57EF6}"/>
-                  </a:ext>
-                </a:extLst>
-              </p:cNvPr>
-              <p:cNvSpPr/>
-              <p:nvPr/>
-            </p:nvSpPr>
-            <p:spPr>
-              <a:xfrm>
-                <a:off x="0" y="0"/>
-                <a:ext cx="703982" cy="812800"/>
-              </a:xfrm>
-              <a:custGeom>
-                <a:avLst/>
-                <a:gdLst/>
-                <a:ahLst/>
-                <a:cxnLst/>
-                <a:rect l="l" t="t" r="r" b="b"/>
-                <a:pathLst>
-                  <a:path w="703982" h="812800">
-                    <a:moveTo>
-                      <a:pt x="234787" y="793731"/>
-                    </a:moveTo>
-                    <a:cubicBezTo>
-                      <a:pt x="270879" y="805245"/>
-                      <a:pt x="311910" y="812800"/>
-                      <a:pt x="352180" y="812800"/>
-                    </a:cubicBezTo>
-                    <a:cubicBezTo>
-                      <a:pt x="392452" y="812800"/>
-                      <a:pt x="431204" y="806323"/>
-                      <a:pt x="466915" y="794809"/>
-                    </a:cubicBezTo>
-                    <a:cubicBezTo>
-                      <a:pt x="467675" y="794450"/>
-                      <a:pt x="468435" y="794450"/>
-                      <a:pt x="469194" y="794090"/>
-                    </a:cubicBezTo>
-                    <a:cubicBezTo>
-                      <a:pt x="603304" y="748035"/>
-                      <a:pt x="702082" y="626421"/>
-                      <a:pt x="703982" y="484298"/>
-                    </a:cubicBezTo>
-                    <a:lnTo>
-                      <a:pt x="703982" y="0"/>
-                    </a:lnTo>
-                    <a:lnTo>
-                      <a:pt x="0" y="0"/>
-                    </a:lnTo>
-                    <a:lnTo>
-                      <a:pt x="0" y="483939"/>
-                    </a:lnTo>
-                    <a:cubicBezTo>
-                      <a:pt x="1900" y="627140"/>
-                      <a:pt x="99158" y="748755"/>
-                      <a:pt x="234787" y="793731"/>
-                    </a:cubicBezTo>
-                    <a:close/>
-                  </a:path>
-                </a:pathLst>
-              </a:custGeom>
-              <a:solidFill>
-                <a:srgbClr val="9FC3D0"/>
-              </a:solidFill>
-            </p:spPr>
-            <p:txBody>
-              <a:bodyPr/>
-              <a:lstStyle/>
-              <a:p>
-                <a:endParaRPr lang="zh-TW" altLang="en-US">
-                  <a:latin typeface="+mj-lt"/>
-                </a:endParaRPr>
-              </a:p>
-            </p:txBody>
-          </p:sp>
-          <p:sp>
-            <p:nvSpPr>
-              <p:cNvPr id="22" name="TextBox 22">
-                <a:extLst>
-                  <a:ext uri="{FF2B5EF4-FFF2-40B4-BE49-F238E27FC236}">
-                    <a16:creationId xmlns:a16="http://schemas.microsoft.com/office/drawing/2014/main" id="{4C1B6D24-7D6C-51BE-AB0A-1937EBE5CDD1}"/>
-                  </a:ext>
-                </a:extLst>
-              </p:cNvPr>
-              <p:cNvSpPr txBox="1"/>
-              <p:nvPr/>
-            </p:nvSpPr>
-            <p:spPr>
-              <a:xfrm>
-                <a:off x="0" y="-47625"/>
-                <a:ext cx="703982" cy="733425"/>
-              </a:xfrm>
-              <a:prstGeom prst="rect">
-                <a:avLst/>
-              </a:prstGeom>
-            </p:spPr>
-            <p:txBody>
-              <a:bodyPr lIns="50800" tIns="50800" rIns="50800" bIns="50800" rtlCol="0" anchor="ctr"/>
-              <a:lstStyle/>
-              <a:p>
-                <a:pPr algn="ctr">
-                  <a:lnSpc>
-                    <a:spcPts val="2659"/>
-                  </a:lnSpc>
-                </a:pPr>
-                <a:endParaRPr>
-                  <a:latin typeface="+mj-lt"/>
-                </a:endParaRPr>
-              </a:p>
-            </p:txBody>
-          </p:sp>
-        </p:grpSp>
-        <p:sp>
-          <p:nvSpPr>
-            <p:cNvPr id="23" name="TextBox 23">
-              <a:extLst>
-                <a:ext uri="{FF2B5EF4-FFF2-40B4-BE49-F238E27FC236}">
-                  <a16:creationId xmlns:a16="http://schemas.microsoft.com/office/drawing/2014/main" id="{C0F8B08F-B755-D47B-3118-EF180FFD1605}"/>
-                </a:ext>
-              </a:extLst>
-            </p:cNvPr>
-            <p:cNvSpPr txBox="1"/>
-            <p:nvPr/>
-          </p:nvSpPr>
-          <p:spPr>
-            <a:xfrm>
-              <a:off x="0" y="437582"/>
-              <a:ext cx="2083482" cy="1241504"/>
-            </a:xfrm>
-            <a:prstGeom prst="rect">
-              <a:avLst/>
-            </a:prstGeom>
-          </p:spPr>
-          <p:txBody>
-            <a:bodyPr lIns="0" tIns="0" rIns="0" bIns="0" rtlCol="0" anchor="t">
-              <a:spAutoFit/>
-            </a:bodyPr>
-            <a:lstStyle/>
-            <a:p>
-              <a:pPr algn="ctr">
-                <a:lnSpc>
-                  <a:spcPts val="7805"/>
-                </a:lnSpc>
-              </a:pPr>
-              <a:r>
-                <a:rPr lang="en-US" sz="5550" dirty="0">
-                  <a:solidFill>
-                    <a:srgbClr val="000000"/>
-                  </a:solidFill>
-                  <a:latin typeface="+mj-lt"/>
-                  <a:ea typeface="Open Sans Bold"/>
-                  <a:cs typeface="Open Sans Bold"/>
-                </a:rPr>
-                <a:t>3</a:t>
-              </a:r>
-            </a:p>
-          </p:txBody>
-        </p:sp>
-      </p:grpSp>
-      <p:sp>
-        <p:nvSpPr>
-          <p:cNvPr id="24" name="Freeform 24">
-            <a:extLst>
-              <a:ext uri="{FF2B5EF4-FFF2-40B4-BE49-F238E27FC236}">
-                <a16:creationId xmlns:a16="http://schemas.microsoft.com/office/drawing/2014/main" id="{D970321B-1F5D-F05B-542A-810876EB6556}"/>
-              </a:ext>
-            </a:extLst>
-          </p:cNvPr>
-          <p:cNvSpPr/>
-          <p:nvPr/>
-        </p:nvSpPr>
-        <p:spPr>
-          <a:xfrm>
-            <a:off x="7512165" y="-1553858"/>
-            <a:ext cx="7315200" cy="2477783"/>
-          </a:xfrm>
-          <a:custGeom>
-            <a:avLst/>
-            <a:gdLst/>
-            <a:ahLst/>
-            <a:cxnLst/>
-            <a:rect l="l" t="t" r="r" b="b"/>
-            <a:pathLst>
-              <a:path w="7315200" h="2477783">
-                <a:moveTo>
-                  <a:pt x="0" y="0"/>
-                </a:moveTo>
-                <a:lnTo>
-                  <a:pt x="7315200" y="0"/>
-                </a:lnTo>
-                <a:lnTo>
-                  <a:pt x="7315200" y="2477783"/>
-                </a:lnTo>
-                <a:lnTo>
-                  <a:pt x="0" y="2477783"/>
-                </a:lnTo>
-                <a:lnTo>
-                  <a:pt x="0" y="0"/>
-                </a:lnTo>
-                <a:close/>
-              </a:path>
-            </a:pathLst>
-          </a:custGeom>
-          <a:blipFill>
-            <a:blip r:embed="rId3">
-              <a:extLst>
-                <a:ext uri="{96DAC541-7B7A-43D3-8B79-37D633B846F1}">
-                  <asvg:svgBlip xmlns:asvg="http://schemas.microsoft.com/office/drawing/2016/SVG/main" r:embed="rId4"/>
-                </a:ext>
-              </a:extLst>
-            </a:blip>
-            <a:stretch>
-              <a:fillRect/>
-            </a:stretch>
-          </a:blipFill>
-        </p:spPr>
-        <p:txBody>
-          <a:bodyPr/>
-          <a:lstStyle/>
-          <a:p>
-            <a:endParaRPr lang="zh-TW" altLang="en-US">
-              <a:latin typeface="+mj-lt"/>
-            </a:endParaRPr>
-          </a:p>
-        </p:txBody>
-      </p:sp>
-      <p:pic>
-        <p:nvPicPr>
-          <p:cNvPr id="3" name="圖片 2">
-            <a:extLst>
-              <a:ext uri="{FF2B5EF4-FFF2-40B4-BE49-F238E27FC236}">
-                <a16:creationId xmlns:a16="http://schemas.microsoft.com/office/drawing/2014/main" id="{CA36C1F9-3C7C-644D-9F52-E80DECC43145}"/>
-              </a:ext>
-            </a:extLst>
-          </p:cNvPr>
-          <p:cNvPicPr>
-            <a:picLocks noChangeAspect="1"/>
-          </p:cNvPicPr>
-          <p:nvPr/>
-        </p:nvPicPr>
-        <p:blipFill>
-          <a:blip r:embed="rId5"/>
-          <a:stretch>
-            <a:fillRect/>
-          </a:stretch>
-        </p:blipFill>
-        <p:spPr>
-          <a:xfrm>
-            <a:off x="200025" y="2424539"/>
-            <a:ext cx="17887950" cy="7572375"/>
-          </a:xfrm>
-          <a:prstGeom prst="rect">
-            <a:avLst/>
-          </a:prstGeom>
-        </p:spPr>
-      </p:pic>
-      <p:sp>
-        <p:nvSpPr>
-          <p:cNvPr id="4" name="TextBox 2">
-            <a:extLst>
-              <a:ext uri="{FF2B5EF4-FFF2-40B4-BE49-F238E27FC236}">
-                <a16:creationId xmlns:a16="http://schemas.microsoft.com/office/drawing/2014/main" id="{E15BFD06-25EE-6828-AA82-47E0D747994A}"/>
-              </a:ext>
-            </a:extLst>
-          </p:cNvPr>
-          <p:cNvSpPr txBox="1"/>
-          <p:nvPr/>
-        </p:nvSpPr>
-        <p:spPr>
-          <a:xfrm>
-            <a:off x="741516" y="1725511"/>
-            <a:ext cx="6770649" cy="538609"/>
-          </a:xfrm>
-          <a:prstGeom prst="rect">
-            <a:avLst/>
-          </a:prstGeom>
-        </p:spPr>
-        <p:txBody>
-          <a:bodyPr wrap="square" lIns="0" tIns="0" rIns="0" bIns="0" rtlCol="0" anchor="t">
-            <a:spAutoFit/>
-          </a:bodyPr>
-          <a:lstStyle/>
-          <a:p>
-            <a:pPr marL="571500" indent="-571500">
-              <a:buFont typeface="Arial" panose="020B0604020202020204" pitchFamily="34" charset="0"/>
-              <a:buChar char="•"/>
-            </a:pPr>
-            <a:r>
-              <a:rPr lang="en-US" altLang="zh-TW" sz="3500" dirty="0">
-                <a:latin typeface="+mj-lt"/>
-                <a:ea typeface="微軟正黑體"/>
-                <a:hlinkClick r:id="rId6"/>
-              </a:rPr>
-              <a:t>User Interface Prototype</a:t>
-            </a:r>
-            <a:endParaRPr lang="zh-TW" altLang="en-US" sz="3500" dirty="0">
-              <a:latin typeface="+mj-lt"/>
-            </a:endParaRPr>
-          </a:p>
-        </p:txBody>
-      </p:sp>
-    </p:spTree>
-    <p:extLst>
-      <p:ext uri="{BB962C8B-B14F-4D97-AF65-F5344CB8AC3E}">
-        <p14:creationId xmlns:p14="http://schemas.microsoft.com/office/powerpoint/2010/main" val="3629731920"/>
-      </p:ext>
-    </p:extLst>
-  </p:cSld>
-  <p:clrMapOvr>
-    <a:masterClrMapping/>
-  </p:clrMapOvr>
-</p:sld>
-</file>
-
-<file path=ppt/slides/slide6.xml><?xml version="1.0" encoding="utf-8"?>
-<p:sld xmlns:a="http://schemas.openxmlformats.org/drawingml/2006/main" xmlns:r="http://schemas.openxmlformats.org/officeDocument/2006/relationships" xmlns:p="http://schemas.openxmlformats.org/presentationml/2006/main">
-  <p:cSld>
-    <p:bg>
-      <p:bgPr>
-        <a:solidFill>
-          <a:srgbClr val="F6F3EB"/>
-        </a:solidFill>
-        <a:effectLst/>
-      </p:bgPr>
-    </p:bg>
-    <p:spTree>
-      <p:nvGrpSpPr>
-        <p:cNvPr id="1" name="">
-          <a:extLst>
-            <a:ext uri="{FF2B5EF4-FFF2-40B4-BE49-F238E27FC236}">
-              <a16:creationId xmlns:a16="http://schemas.microsoft.com/office/drawing/2014/main" id="{E5592382-B2B0-9502-E067-6DB792FC1410}"/>
-            </a:ext>
-          </a:extLst>
-        </p:cNvPr>
-        <p:cNvGrpSpPr/>
-        <p:nvPr/>
-      </p:nvGrpSpPr>
-      <p:grpSpPr>
-        <a:xfrm>
-          <a:off x="0" y="0"/>
-          <a:ext cx="0" cy="0"/>
-          <a:chOff x="0" y="0"/>
-          <a:chExt cx="0" cy="0"/>
-        </a:xfrm>
-      </p:grpSpPr>
-      <p:sp>
-        <p:nvSpPr>
-          <p:cNvPr id="2" name="TextBox 2">
-            <a:extLst>
-              <a:ext uri="{FF2B5EF4-FFF2-40B4-BE49-F238E27FC236}">
-                <a16:creationId xmlns:a16="http://schemas.microsoft.com/office/drawing/2014/main" id="{7760328A-4D80-1523-23D4-FE550352CE85}"/>
-              </a:ext>
-            </a:extLst>
-          </p:cNvPr>
-          <p:cNvSpPr txBox="1"/>
-          <p:nvPr/>
-        </p:nvSpPr>
-        <p:spPr>
-          <a:xfrm>
-            <a:off x="3403743" y="84346"/>
-            <a:ext cx="12260018" cy="1378070"/>
-          </a:xfrm>
-          <a:prstGeom prst="rect">
-            <a:avLst/>
-          </a:prstGeom>
-        </p:spPr>
-        <p:txBody>
-          <a:bodyPr wrap="square" lIns="0" tIns="0" rIns="0" bIns="0" rtlCol="0" anchor="t">
-            <a:spAutoFit/>
-          </a:bodyPr>
-          <a:lstStyle/>
-          <a:p>
-            <a:pPr algn="ctr">
-              <a:lnSpc>
-                <a:spcPts val="11899"/>
-              </a:lnSpc>
-            </a:pPr>
-            <a:r>
-              <a:rPr lang="en-US" altLang="zh-TW" sz="6600" dirty="0">
-                <a:solidFill>
-                  <a:srgbClr val="000000"/>
-                </a:solidFill>
-                <a:latin typeface="+mj-lt"/>
-              </a:rPr>
-              <a:t>Challenge</a:t>
-            </a:r>
-          </a:p>
-        </p:txBody>
-      </p:sp>
-      <p:sp>
-        <p:nvSpPr>
-          <p:cNvPr id="17" name="AutoShape 17">
-            <a:extLst>
-              <a:ext uri="{FF2B5EF4-FFF2-40B4-BE49-F238E27FC236}">
-                <a16:creationId xmlns:a16="http://schemas.microsoft.com/office/drawing/2014/main" id="{D42D97FC-43D3-6FA3-902C-E452C620A097}"/>
-              </a:ext>
-            </a:extLst>
-          </p:cNvPr>
-          <p:cNvSpPr/>
-          <p:nvPr/>
-        </p:nvSpPr>
-        <p:spPr>
-          <a:xfrm flipV="1">
-            <a:off x="1118904" y="-104423"/>
-            <a:ext cx="5404" cy="7686425"/>
-          </a:xfrm>
-          <a:prstGeom prst="line">
-            <a:avLst/>
-          </a:prstGeom>
-          <a:ln w="114300" cap="flat">
-            <a:solidFill>
-              <a:srgbClr val="9FC3D0"/>
-            </a:solidFill>
-            <a:prstDash val="solid"/>
-            <a:headEnd type="none" w="sm" len="sm"/>
-            <a:tailEnd type="none" w="sm" len="sm"/>
-          </a:ln>
-        </p:spPr>
-        <p:txBody>
-          <a:bodyPr/>
-          <a:lstStyle/>
-          <a:p>
-            <a:endParaRPr lang="zh-TW" altLang="en-US">
-              <a:latin typeface="+mj-lt"/>
-            </a:endParaRPr>
-          </a:p>
-        </p:txBody>
-      </p:sp>
-      <p:sp>
-        <p:nvSpPr>
-          <p:cNvPr id="18" name="AutoShape 18">
-            <a:extLst>
-              <a:ext uri="{FF2B5EF4-FFF2-40B4-BE49-F238E27FC236}">
-                <a16:creationId xmlns:a16="http://schemas.microsoft.com/office/drawing/2014/main" id="{1D0A7494-0BFE-0EEB-95DB-CB9DAC79E1A5}"/>
-              </a:ext>
-            </a:extLst>
-          </p:cNvPr>
-          <p:cNvSpPr/>
-          <p:nvPr/>
-        </p:nvSpPr>
-        <p:spPr>
-          <a:xfrm flipH="1" flipV="1">
-            <a:off x="1119668" y="7289544"/>
-            <a:ext cx="5403" cy="2997456"/>
-          </a:xfrm>
-          <a:prstGeom prst="line">
-            <a:avLst/>
-          </a:prstGeom>
-          <a:ln w="114300" cap="flat">
-            <a:solidFill>
-              <a:srgbClr val="9FC3D0"/>
-            </a:solidFill>
-            <a:prstDash val="solid"/>
-            <a:headEnd type="none" w="sm" len="sm"/>
-            <a:tailEnd type="none" w="sm" len="sm"/>
-          </a:ln>
-        </p:spPr>
-        <p:txBody>
-          <a:bodyPr/>
-          <a:lstStyle/>
-          <a:p>
-            <a:endParaRPr lang="zh-TW" altLang="en-US">
-              <a:latin typeface="+mj-lt"/>
-            </a:endParaRPr>
-          </a:p>
-        </p:txBody>
-      </p:sp>
-      <p:grpSp>
-        <p:nvGrpSpPr>
-          <p:cNvPr id="19" name="Group 19">
-            <a:extLst>
-              <a:ext uri="{FF2B5EF4-FFF2-40B4-BE49-F238E27FC236}">
-                <a16:creationId xmlns:a16="http://schemas.microsoft.com/office/drawing/2014/main" id="{CA50CD17-B4CA-C240-79EF-4E9C6DDA63AE}"/>
-              </a:ext>
-            </a:extLst>
-          </p:cNvPr>
-          <p:cNvGrpSpPr/>
-          <p:nvPr/>
-        </p:nvGrpSpPr>
-        <p:grpSpPr>
-          <a:xfrm>
-            <a:off x="15859155" y="0"/>
-            <a:ext cx="1562612" cy="1673225"/>
-            <a:chOff x="0" y="0"/>
-            <a:chExt cx="2083482" cy="2230967"/>
-          </a:xfrm>
-        </p:grpSpPr>
-        <p:grpSp>
-          <p:nvGrpSpPr>
-            <p:cNvPr id="20" name="Group 20">
-              <a:extLst>
-                <a:ext uri="{FF2B5EF4-FFF2-40B4-BE49-F238E27FC236}">
-                  <a16:creationId xmlns:a16="http://schemas.microsoft.com/office/drawing/2014/main" id="{2D1EA3AC-6B55-A4AB-C91E-4B4DC0D5BDB9}"/>
-                </a:ext>
-              </a:extLst>
-            </p:cNvPr>
-            <p:cNvGrpSpPr/>
-            <p:nvPr/>
-          </p:nvGrpSpPr>
-          <p:grpSpPr>
-            <a:xfrm>
-              <a:off x="75599" y="0"/>
-              <a:ext cx="1932284" cy="2230967"/>
-              <a:chOff x="0" y="0"/>
-              <a:chExt cx="703982" cy="812800"/>
-            </a:xfrm>
-          </p:grpSpPr>
-          <p:sp>
-            <p:nvSpPr>
-              <p:cNvPr id="21" name="Freeform 21">
-                <a:extLst>
-                  <a:ext uri="{FF2B5EF4-FFF2-40B4-BE49-F238E27FC236}">
-                    <a16:creationId xmlns:a16="http://schemas.microsoft.com/office/drawing/2014/main" id="{DF43E057-A097-2FFD-6D1A-6658787CEA97}"/>
-                  </a:ext>
-                </a:extLst>
-              </p:cNvPr>
-              <p:cNvSpPr/>
-              <p:nvPr/>
-            </p:nvSpPr>
-            <p:spPr>
-              <a:xfrm>
-                <a:off x="0" y="0"/>
-                <a:ext cx="703982" cy="812800"/>
-              </a:xfrm>
-              <a:custGeom>
-                <a:avLst/>
-                <a:gdLst/>
-                <a:ahLst/>
-                <a:cxnLst/>
-                <a:rect l="l" t="t" r="r" b="b"/>
-                <a:pathLst>
-                  <a:path w="703982" h="812800">
-                    <a:moveTo>
-                      <a:pt x="234787" y="793731"/>
-                    </a:moveTo>
-                    <a:cubicBezTo>
-                      <a:pt x="270879" y="805245"/>
-                      <a:pt x="311910" y="812800"/>
-                      <a:pt x="352180" y="812800"/>
-                    </a:cubicBezTo>
-                    <a:cubicBezTo>
-                      <a:pt x="392452" y="812800"/>
-                      <a:pt x="431204" y="806323"/>
-                      <a:pt x="466915" y="794809"/>
-                    </a:cubicBezTo>
-                    <a:cubicBezTo>
-                      <a:pt x="467675" y="794450"/>
-                      <a:pt x="468435" y="794450"/>
-                      <a:pt x="469194" y="794090"/>
-                    </a:cubicBezTo>
-                    <a:cubicBezTo>
-                      <a:pt x="603304" y="748035"/>
-                      <a:pt x="702082" y="626421"/>
-                      <a:pt x="703982" y="484298"/>
-                    </a:cubicBezTo>
-                    <a:lnTo>
-                      <a:pt x="703982" y="0"/>
-                    </a:lnTo>
-                    <a:lnTo>
-                      <a:pt x="0" y="0"/>
-                    </a:lnTo>
-                    <a:lnTo>
-                      <a:pt x="0" y="483939"/>
-                    </a:lnTo>
-                    <a:cubicBezTo>
-                      <a:pt x="1900" y="627140"/>
-                      <a:pt x="99158" y="748755"/>
-                      <a:pt x="234787" y="793731"/>
-                    </a:cubicBezTo>
-                    <a:close/>
-                  </a:path>
-                </a:pathLst>
-              </a:custGeom>
-              <a:solidFill>
-                <a:srgbClr val="9FC3D0"/>
-              </a:solidFill>
-            </p:spPr>
-            <p:txBody>
-              <a:bodyPr/>
-              <a:lstStyle/>
-              <a:p>
-                <a:endParaRPr lang="zh-TW" altLang="en-US">
-                  <a:latin typeface="+mj-lt"/>
-                </a:endParaRPr>
-              </a:p>
-            </p:txBody>
-          </p:sp>
-          <p:sp>
-            <p:nvSpPr>
-              <p:cNvPr id="22" name="TextBox 22">
-                <a:extLst>
-                  <a:ext uri="{FF2B5EF4-FFF2-40B4-BE49-F238E27FC236}">
-                    <a16:creationId xmlns:a16="http://schemas.microsoft.com/office/drawing/2014/main" id="{E17C4BBD-B8EB-10B8-85B6-CC28A7174D3A}"/>
-                  </a:ext>
-                </a:extLst>
-              </p:cNvPr>
-              <p:cNvSpPr txBox="1"/>
-              <p:nvPr/>
-            </p:nvSpPr>
-            <p:spPr>
-              <a:xfrm>
-                <a:off x="0" y="-47625"/>
-                <a:ext cx="703982" cy="733425"/>
-              </a:xfrm>
-              <a:prstGeom prst="rect">
-                <a:avLst/>
-              </a:prstGeom>
-            </p:spPr>
-            <p:txBody>
-              <a:bodyPr lIns="50800" tIns="50800" rIns="50800" bIns="50800" rtlCol="0" anchor="ctr"/>
-              <a:lstStyle/>
-              <a:p>
-                <a:pPr algn="ctr">
-                  <a:lnSpc>
-                    <a:spcPts val="2659"/>
-                  </a:lnSpc>
-                </a:pPr>
-                <a:endParaRPr>
-                  <a:latin typeface="+mj-lt"/>
-                </a:endParaRPr>
-              </a:p>
-            </p:txBody>
-          </p:sp>
-        </p:grpSp>
-        <p:sp>
-          <p:nvSpPr>
-            <p:cNvPr id="23" name="TextBox 23">
-              <a:extLst>
-                <a:ext uri="{FF2B5EF4-FFF2-40B4-BE49-F238E27FC236}">
-                  <a16:creationId xmlns:a16="http://schemas.microsoft.com/office/drawing/2014/main" id="{992D4833-882D-9E5B-2C45-CCFF91397244}"/>
-                </a:ext>
-              </a:extLst>
-            </p:cNvPr>
-            <p:cNvSpPr txBox="1"/>
-            <p:nvPr/>
-          </p:nvSpPr>
-          <p:spPr>
-            <a:xfrm>
-              <a:off x="0" y="437582"/>
-              <a:ext cx="2083482" cy="1241504"/>
-            </a:xfrm>
-            <a:prstGeom prst="rect">
-              <a:avLst/>
-            </a:prstGeom>
-          </p:spPr>
-          <p:txBody>
-            <a:bodyPr lIns="0" tIns="0" rIns="0" bIns="0" rtlCol="0" anchor="t">
-              <a:spAutoFit/>
-            </a:bodyPr>
-            <a:lstStyle/>
-            <a:p>
-              <a:pPr algn="ctr">
-                <a:lnSpc>
-                  <a:spcPts val="7805"/>
-                </a:lnSpc>
-              </a:pPr>
-              <a:r>
-                <a:rPr lang="en-US" sz="5550" dirty="0">
-                  <a:solidFill>
-                    <a:srgbClr val="000000"/>
-                  </a:solidFill>
-                  <a:latin typeface="+mj-lt"/>
-                  <a:ea typeface="Open Sans Bold"/>
-                  <a:cs typeface="Open Sans Bold"/>
-                </a:rPr>
-                <a:t>4</a:t>
-              </a:r>
-            </a:p>
-          </p:txBody>
-        </p:sp>
-      </p:grpSp>
-      <p:sp>
-        <p:nvSpPr>
-          <p:cNvPr id="24" name="Freeform 24">
-            <a:extLst>
-              <a:ext uri="{FF2B5EF4-FFF2-40B4-BE49-F238E27FC236}">
-                <a16:creationId xmlns:a16="http://schemas.microsoft.com/office/drawing/2014/main" id="{72D608D3-0293-9EB5-9ECD-812F88C84BCF}"/>
-              </a:ext>
-            </a:extLst>
-          </p:cNvPr>
-          <p:cNvSpPr/>
-          <p:nvPr/>
-        </p:nvSpPr>
-        <p:spPr>
-          <a:xfrm>
-            <a:off x="7512165" y="-1553858"/>
-            <a:ext cx="7315200" cy="2477783"/>
-          </a:xfrm>
-          <a:custGeom>
-            <a:avLst/>
-            <a:gdLst/>
-            <a:ahLst/>
-            <a:cxnLst/>
-            <a:rect l="l" t="t" r="r" b="b"/>
-            <a:pathLst>
-              <a:path w="7315200" h="2477783">
-                <a:moveTo>
-                  <a:pt x="0" y="0"/>
-                </a:moveTo>
-                <a:lnTo>
-                  <a:pt x="7315200" y="0"/>
-                </a:lnTo>
-                <a:lnTo>
-                  <a:pt x="7315200" y="2477783"/>
-                </a:lnTo>
-                <a:lnTo>
-                  <a:pt x="0" y="2477783"/>
-                </a:lnTo>
-                <a:lnTo>
-                  <a:pt x="0" y="0"/>
-                </a:lnTo>
-                <a:close/>
-              </a:path>
-            </a:pathLst>
-          </a:custGeom>
-          <a:blipFill>
-            <a:blip r:embed="rId3">
-              <a:extLst>
-                <a:ext uri="{96DAC541-7B7A-43D3-8B79-37D633B846F1}">
-                  <asvg:svgBlip xmlns:asvg="http://schemas.microsoft.com/office/drawing/2016/SVG/main" r:embed="rId4"/>
-                </a:ext>
-              </a:extLst>
-            </a:blip>
-            <a:stretch>
-              <a:fillRect/>
-            </a:stretch>
-          </a:blipFill>
-        </p:spPr>
-        <p:txBody>
-          <a:bodyPr/>
-          <a:lstStyle/>
-          <a:p>
-            <a:endParaRPr lang="zh-TW" altLang="en-US">
-              <a:latin typeface="+mj-lt"/>
-            </a:endParaRPr>
-          </a:p>
-        </p:txBody>
-      </p:sp>
-      <p:sp>
-        <p:nvSpPr>
-          <p:cNvPr id="25" name="Freeform 25">
-            <a:extLst>
-              <a:ext uri="{FF2B5EF4-FFF2-40B4-BE49-F238E27FC236}">
-                <a16:creationId xmlns:a16="http://schemas.microsoft.com/office/drawing/2014/main" id="{B53C25C7-6148-4CFB-352A-FBD8CF27243F}"/>
-              </a:ext>
-            </a:extLst>
-          </p:cNvPr>
-          <p:cNvSpPr/>
-          <p:nvPr/>
-        </p:nvSpPr>
-        <p:spPr>
-          <a:xfrm>
-            <a:off x="12011565" y="8750069"/>
-            <a:ext cx="7315200" cy="2477783"/>
-          </a:xfrm>
-          <a:custGeom>
-            <a:avLst/>
-            <a:gdLst/>
-            <a:ahLst/>
-            <a:cxnLst/>
-            <a:rect l="l" t="t" r="r" b="b"/>
-            <a:pathLst>
-              <a:path w="7315200" h="2477783">
-                <a:moveTo>
-                  <a:pt x="0" y="0"/>
-                </a:moveTo>
-                <a:lnTo>
-                  <a:pt x="7315200" y="0"/>
-                </a:lnTo>
-                <a:lnTo>
-                  <a:pt x="7315200" y="2477784"/>
-                </a:lnTo>
-                <a:lnTo>
-                  <a:pt x="0" y="2477784"/>
-                </a:lnTo>
-                <a:lnTo>
-                  <a:pt x="0" y="0"/>
-                </a:lnTo>
-                <a:close/>
-              </a:path>
-            </a:pathLst>
-          </a:custGeom>
-          <a:blipFill>
-            <a:blip r:embed="rId3">
-              <a:extLst>
-                <a:ext uri="{96DAC541-7B7A-43D3-8B79-37D633B846F1}">
-                  <asvg:svgBlip xmlns:asvg="http://schemas.microsoft.com/office/drawing/2016/SVG/main" r:embed="rId4"/>
-                </a:ext>
-              </a:extLst>
-            </a:blip>
-            <a:stretch>
-              <a:fillRect/>
-            </a:stretch>
-          </a:blipFill>
-        </p:spPr>
-        <p:txBody>
-          <a:bodyPr/>
-          <a:lstStyle/>
-          <a:p>
-            <a:endParaRPr lang="zh-TW" altLang="en-US">
-              <a:latin typeface="+mj-lt"/>
-            </a:endParaRPr>
-          </a:p>
-        </p:txBody>
-      </p:sp>
-      <p:sp>
-        <p:nvSpPr>
-          <p:cNvPr id="33" name="文字方塊 32">
-            <a:extLst>
-              <a:ext uri="{FF2B5EF4-FFF2-40B4-BE49-F238E27FC236}">
-                <a16:creationId xmlns:a16="http://schemas.microsoft.com/office/drawing/2014/main" id="{9666FDB9-CB52-0FFE-DC37-FA13D6E0B2EA}"/>
-              </a:ext>
-            </a:extLst>
-          </p:cNvPr>
-          <p:cNvSpPr txBox="1"/>
-          <p:nvPr/>
-        </p:nvSpPr>
-        <p:spPr>
-          <a:xfrm>
-            <a:off x="3108941" y="1790602"/>
-            <a:ext cx="13549662" cy="5829481"/>
-          </a:xfrm>
-          <a:prstGeom prst="rect">
-            <a:avLst/>
-          </a:prstGeom>
-          <a:noFill/>
-        </p:spPr>
-        <p:txBody>
-          <a:bodyPr wrap="square">
-            <a:spAutoFit/>
-          </a:bodyPr>
-          <a:lstStyle/>
-          <a:p>
-            <a:pPr marL="457200" indent="-457200">
-              <a:lnSpc>
-                <a:spcPct val="150000"/>
-              </a:lnSpc>
-              <a:buFont typeface="Arial" panose="020B0604020202020204" pitchFamily="34" charset="0"/>
-              <a:buChar char="•"/>
-            </a:pPr>
-            <a:r>
-              <a:rPr lang="en-US" altLang="zh-TW" sz="2800" dirty="0"/>
-              <a:t>Lack of Test Data: Among all the prediction methods, only the weather data method has real-life information available on the Canadian government website </a:t>
-            </a:r>
-            <a:r>
-              <a:rPr lang="en-US" altLang="zh-TW" dirty="0"/>
-              <a:t>[2]</a:t>
-            </a:r>
-            <a:r>
-              <a:rPr lang="en-US" altLang="zh-TW" sz="2800" dirty="0"/>
-              <a:t>. Other methods lack real-life data for testing.</a:t>
-            </a:r>
-          </a:p>
-          <a:p>
-            <a:pPr>
-              <a:lnSpc>
-                <a:spcPct val="150000"/>
-              </a:lnSpc>
-            </a:pPr>
-            <a:endParaRPr lang="en-US" altLang="zh-TW" sz="2800" dirty="0"/>
-          </a:p>
-          <a:p>
-            <a:pPr marL="457200" indent="-457200">
-              <a:lnSpc>
-                <a:spcPct val="150000"/>
-              </a:lnSpc>
-              <a:buFont typeface="Arial" panose="020B0604020202020204" pitchFamily="34" charset="0"/>
-              <a:buChar char="•"/>
-            </a:pPr>
-            <a:r>
-              <a:rPr lang="en-US" altLang="zh-TW" sz="2800" dirty="0"/>
-              <a:t>Lack of Ground-Truth Data: In the paper on predicting using chloride concentration and depth, there are no examples provided with actual numbers. Even after implementing the system according to the equations mentioned in the paper, we cannot guarantee 100% accuracy in the results.</a:t>
-            </a:r>
-          </a:p>
-          <a:p>
-            <a:pPr>
-              <a:lnSpc>
-                <a:spcPct val="150000"/>
-              </a:lnSpc>
-            </a:pPr>
-            <a:endParaRPr lang="en-US" altLang="zh-TW" sz="2800" dirty="0"/>
-          </a:p>
-        </p:txBody>
-      </p:sp>
-      <p:sp>
-        <p:nvSpPr>
-          <p:cNvPr id="3" name="文字方塊 2">
-            <a:extLst>
-              <a:ext uri="{FF2B5EF4-FFF2-40B4-BE49-F238E27FC236}">
-                <a16:creationId xmlns:a16="http://schemas.microsoft.com/office/drawing/2014/main" id="{FE364810-AE39-C056-7FAE-525CE3C28929}"/>
-              </a:ext>
-            </a:extLst>
-          </p:cNvPr>
-          <p:cNvSpPr txBox="1"/>
-          <p:nvPr/>
-        </p:nvSpPr>
-        <p:spPr>
-          <a:xfrm>
-            <a:off x="2590800" y="9163980"/>
-            <a:ext cx="15468690" cy="1077218"/>
-          </a:xfrm>
-          <a:prstGeom prst="rect">
-            <a:avLst/>
-          </a:prstGeom>
-          <a:noFill/>
-        </p:spPr>
-        <p:txBody>
-          <a:bodyPr wrap="square">
-            <a:spAutoFit/>
-          </a:bodyPr>
-          <a:lstStyle/>
-          <a:p>
-            <a:r>
-              <a:rPr lang="en-US" altLang="zh-TW" sz="1600" b="0" i="0" dirty="0">
-                <a:effectLst/>
-                <a:latin typeface="+mj-lt"/>
-              </a:rPr>
-              <a:t>[1] </a:t>
-            </a:r>
-            <a:r>
-              <a:rPr lang="en-US" altLang="zh-TW" sz="1600" b="0" i="1" dirty="0">
-                <a:solidFill>
-                  <a:srgbClr val="363636"/>
-                </a:solidFill>
-                <a:effectLst/>
-                <a:latin typeface="Noto Sans" panose="020B0502040504020204" pitchFamily="34" charset="0"/>
-              </a:rPr>
-              <a:t>Hourly Data Report for November 17, 2015</a:t>
-            </a:r>
-            <a:r>
-              <a:rPr lang="en-US" altLang="zh-TW" sz="1600" b="0" i="0" dirty="0">
-                <a:solidFill>
-                  <a:srgbClr val="363636"/>
-                </a:solidFill>
-                <a:effectLst/>
-                <a:latin typeface="Noto Sans" panose="020B0502040504020204" pitchFamily="34" charset="0"/>
-              </a:rPr>
-              <a:t>. (2015, November). Government of Canada.</a:t>
-            </a:r>
-            <a:r>
-              <a:rPr lang="zh-TW" altLang="en-US" sz="1600" b="0" i="0" dirty="0">
-                <a:solidFill>
-                  <a:srgbClr val="363636"/>
-                </a:solidFill>
-                <a:effectLst/>
-                <a:latin typeface="Noto Sans" panose="020B0502040504020204" pitchFamily="34" charset="0"/>
-              </a:rPr>
-              <a:t> </a:t>
-            </a:r>
-            <a:r>
-              <a:rPr lang="en-US" altLang="zh-TW" sz="1600" b="0" i="0" dirty="0">
-                <a:solidFill>
-                  <a:srgbClr val="363636"/>
-                </a:solidFill>
-                <a:effectLst/>
-                <a:latin typeface="Noto Sans" panose="020B0502040504020204" pitchFamily="34" charset="0"/>
-              </a:rPr>
-              <a:t>https://climate.weather.gc.ca/climate_data/hourly_data_e.html?hlyRange=2014-10-15%7C20151117&amp;dlyRange=%7C&amp;mlyRange=%7C&amp;StationID=52641&amp;Prov=ON&amp;urlExtension=_e.html&amp;searchType=stnName&amp;optLimit=yearRange&amp;StartYear=1840&amp;EndYear=2024&amp;selRowPerPage=25&amp;Line=0&amp;searchMethod=contains&amp;Month=11&amp;Day=17&amp;txtStationName=toronto&amp;timeframe=1&amp;Year=2015</a:t>
-            </a:r>
-            <a:endParaRPr lang="en-US" altLang="zh-TW" sz="1600" b="0" i="0" dirty="0">
-              <a:effectLst/>
-              <a:latin typeface="+mj-lt"/>
-            </a:endParaRPr>
-          </a:p>
-        </p:txBody>
-      </p:sp>
-    </p:spTree>
-    <p:extLst>
-      <p:ext uri="{BB962C8B-B14F-4D97-AF65-F5344CB8AC3E}">
-        <p14:creationId xmlns:p14="http://schemas.microsoft.com/office/powerpoint/2010/main" val="2339840427"/>
-      </p:ext>
-    </p:extLst>
-  </p:cSld>
-  <p:clrMapOvr>
-    <a:masterClrMapping/>
-  </p:clrMapOvr>
-</p:sld>
-</file>
-
-<file path=ppt/slides/slide7.xml><?xml version="1.0" encoding="utf-8"?>
-<p:sld xmlns:a="http://schemas.openxmlformats.org/drawingml/2006/main" xmlns:r="http://schemas.openxmlformats.org/officeDocument/2006/relationships" xmlns:p="http://schemas.openxmlformats.org/presentationml/2006/main">
-  <p:cSld>
-    <p:bg>
-      <p:bgPr>
-        <a:solidFill>
-          <a:srgbClr val="F6F3EB"/>
-        </a:solidFill>
-        <a:effectLst/>
-      </p:bgPr>
-    </p:bg>
-    <p:spTree>
-      <p:nvGrpSpPr>
-        <p:cNvPr id="1" name="">
-          <a:extLst>
-            <a:ext uri="{FF2B5EF4-FFF2-40B4-BE49-F238E27FC236}">
-              <a16:creationId xmlns:a16="http://schemas.microsoft.com/office/drawing/2014/main" id="{1FDD8014-6C45-4E44-252B-C4B0C547EDD4}"/>
-            </a:ext>
-          </a:extLst>
-        </p:cNvPr>
-        <p:cNvGrpSpPr/>
-        <p:nvPr/>
-      </p:nvGrpSpPr>
-      <p:grpSpPr>
-        <a:xfrm>
-          <a:off x="0" y="0"/>
-          <a:ext cx="0" cy="0"/>
-          <a:chOff x="0" y="0"/>
-          <a:chExt cx="0" cy="0"/>
-        </a:xfrm>
-      </p:grpSpPr>
-      <p:sp>
-        <p:nvSpPr>
-          <p:cNvPr id="2" name="TextBox 2">
-            <a:extLst>
-              <a:ext uri="{FF2B5EF4-FFF2-40B4-BE49-F238E27FC236}">
-                <a16:creationId xmlns:a16="http://schemas.microsoft.com/office/drawing/2014/main" id="{A2D24F46-081D-67C6-2582-8E57F69A0769}"/>
-              </a:ext>
-            </a:extLst>
-          </p:cNvPr>
-          <p:cNvSpPr txBox="1"/>
-          <p:nvPr/>
-        </p:nvSpPr>
-        <p:spPr>
-          <a:xfrm>
-            <a:off x="3403743" y="84346"/>
-            <a:ext cx="12260018" cy="1378070"/>
-          </a:xfrm>
-          <a:prstGeom prst="rect">
-            <a:avLst/>
-          </a:prstGeom>
-        </p:spPr>
-        <p:txBody>
-          <a:bodyPr wrap="square" lIns="0" tIns="0" rIns="0" bIns="0" rtlCol="0" anchor="t">
-            <a:spAutoFit/>
-          </a:bodyPr>
-          <a:lstStyle/>
-          <a:p>
-            <a:pPr algn="ctr">
-              <a:lnSpc>
-                <a:spcPts val="11899"/>
-              </a:lnSpc>
-            </a:pPr>
-            <a:r>
-              <a:rPr lang="en-US" altLang="zh-TW" sz="6600" dirty="0">
-                <a:solidFill>
-                  <a:srgbClr val="000000"/>
-                </a:solidFill>
-                <a:latin typeface="+mj-lt"/>
-              </a:rPr>
-              <a:t>Challenge</a:t>
-            </a:r>
-          </a:p>
-        </p:txBody>
-      </p:sp>
-      <p:sp>
-        <p:nvSpPr>
-          <p:cNvPr id="17" name="AutoShape 17">
-            <a:extLst>
-              <a:ext uri="{FF2B5EF4-FFF2-40B4-BE49-F238E27FC236}">
-                <a16:creationId xmlns:a16="http://schemas.microsoft.com/office/drawing/2014/main" id="{FB62459B-A7D9-D50C-90CC-031B3F0A4236}"/>
-              </a:ext>
-            </a:extLst>
-          </p:cNvPr>
-          <p:cNvSpPr/>
-          <p:nvPr/>
-        </p:nvSpPr>
-        <p:spPr>
-          <a:xfrm flipV="1">
-            <a:off x="1118904" y="-104423"/>
-            <a:ext cx="5404" cy="7686425"/>
-          </a:xfrm>
-          <a:prstGeom prst="line">
-            <a:avLst/>
-          </a:prstGeom>
-          <a:ln w="114300" cap="flat">
-            <a:solidFill>
-              <a:srgbClr val="9FC3D0"/>
-            </a:solidFill>
-            <a:prstDash val="solid"/>
-            <a:headEnd type="none" w="sm" len="sm"/>
-            <a:tailEnd type="none" w="sm" len="sm"/>
-          </a:ln>
-        </p:spPr>
-        <p:txBody>
-          <a:bodyPr/>
-          <a:lstStyle/>
-          <a:p>
-            <a:endParaRPr lang="zh-TW" altLang="en-US">
-              <a:latin typeface="+mj-lt"/>
-            </a:endParaRPr>
-          </a:p>
-        </p:txBody>
-      </p:sp>
-      <p:sp>
-        <p:nvSpPr>
-          <p:cNvPr id="18" name="AutoShape 18">
-            <a:extLst>
-              <a:ext uri="{FF2B5EF4-FFF2-40B4-BE49-F238E27FC236}">
-                <a16:creationId xmlns:a16="http://schemas.microsoft.com/office/drawing/2014/main" id="{4E106898-4FA9-2A95-3C7C-6BFE3A7F87F3}"/>
-              </a:ext>
-            </a:extLst>
-          </p:cNvPr>
-          <p:cNvSpPr/>
-          <p:nvPr/>
-        </p:nvSpPr>
-        <p:spPr>
-          <a:xfrm flipH="1" flipV="1">
-            <a:off x="1119668" y="7289544"/>
-            <a:ext cx="5403" cy="2997456"/>
-          </a:xfrm>
-          <a:prstGeom prst="line">
-            <a:avLst/>
-          </a:prstGeom>
-          <a:ln w="114300" cap="flat">
-            <a:solidFill>
-              <a:srgbClr val="9FC3D0"/>
-            </a:solidFill>
-            <a:prstDash val="solid"/>
-            <a:headEnd type="none" w="sm" len="sm"/>
-            <a:tailEnd type="none" w="sm" len="sm"/>
-          </a:ln>
-        </p:spPr>
-        <p:txBody>
-          <a:bodyPr/>
-          <a:lstStyle/>
-          <a:p>
-            <a:endParaRPr lang="zh-TW" altLang="en-US">
-              <a:latin typeface="+mj-lt"/>
-            </a:endParaRPr>
-          </a:p>
-        </p:txBody>
-      </p:sp>
-      <p:grpSp>
-        <p:nvGrpSpPr>
-          <p:cNvPr id="19" name="Group 19">
-            <a:extLst>
-              <a:ext uri="{FF2B5EF4-FFF2-40B4-BE49-F238E27FC236}">
-                <a16:creationId xmlns:a16="http://schemas.microsoft.com/office/drawing/2014/main" id="{B90E470A-A937-9EAD-F9A7-05923BA2D98F}"/>
-              </a:ext>
-            </a:extLst>
-          </p:cNvPr>
-          <p:cNvGrpSpPr/>
-          <p:nvPr/>
-        </p:nvGrpSpPr>
-        <p:grpSpPr>
-          <a:xfrm>
-            <a:off x="15859155" y="0"/>
-            <a:ext cx="1562612" cy="1673225"/>
-            <a:chOff x="0" y="0"/>
-            <a:chExt cx="2083482" cy="2230967"/>
-          </a:xfrm>
-        </p:grpSpPr>
-        <p:grpSp>
-          <p:nvGrpSpPr>
-            <p:cNvPr id="20" name="Group 20">
-              <a:extLst>
-                <a:ext uri="{FF2B5EF4-FFF2-40B4-BE49-F238E27FC236}">
-                  <a16:creationId xmlns:a16="http://schemas.microsoft.com/office/drawing/2014/main" id="{8D0CA88C-9985-14F1-3C19-44BE488AA773}"/>
-                </a:ext>
-              </a:extLst>
-            </p:cNvPr>
-            <p:cNvGrpSpPr/>
-            <p:nvPr/>
-          </p:nvGrpSpPr>
-          <p:grpSpPr>
-            <a:xfrm>
-              <a:off x="75599" y="0"/>
-              <a:ext cx="1932284" cy="2230967"/>
-              <a:chOff x="0" y="0"/>
-              <a:chExt cx="703982" cy="812800"/>
-            </a:xfrm>
-          </p:grpSpPr>
-          <p:sp>
-            <p:nvSpPr>
-              <p:cNvPr id="21" name="Freeform 21">
-                <a:extLst>
-                  <a:ext uri="{FF2B5EF4-FFF2-40B4-BE49-F238E27FC236}">
-                    <a16:creationId xmlns:a16="http://schemas.microsoft.com/office/drawing/2014/main" id="{A5BBC0B6-4E29-3C63-B6FF-CF63F335F132}"/>
-                  </a:ext>
-                </a:extLst>
-              </p:cNvPr>
-              <p:cNvSpPr/>
-              <p:nvPr/>
-            </p:nvSpPr>
-            <p:spPr>
-              <a:xfrm>
-                <a:off x="0" y="0"/>
-                <a:ext cx="703982" cy="812800"/>
-              </a:xfrm>
-              <a:custGeom>
-                <a:avLst/>
-                <a:gdLst/>
-                <a:ahLst/>
-                <a:cxnLst/>
-                <a:rect l="l" t="t" r="r" b="b"/>
-                <a:pathLst>
-                  <a:path w="703982" h="812800">
-                    <a:moveTo>
-                      <a:pt x="234787" y="793731"/>
-                    </a:moveTo>
-                    <a:cubicBezTo>
-                      <a:pt x="270879" y="805245"/>
-                      <a:pt x="311910" y="812800"/>
-                      <a:pt x="352180" y="812800"/>
-                    </a:cubicBezTo>
-                    <a:cubicBezTo>
-                      <a:pt x="392452" y="812800"/>
-                      <a:pt x="431204" y="806323"/>
-                      <a:pt x="466915" y="794809"/>
-                    </a:cubicBezTo>
-                    <a:cubicBezTo>
-                      <a:pt x="467675" y="794450"/>
-                      <a:pt x="468435" y="794450"/>
-                      <a:pt x="469194" y="794090"/>
-                    </a:cubicBezTo>
-                    <a:cubicBezTo>
-                      <a:pt x="603304" y="748035"/>
-                      <a:pt x="702082" y="626421"/>
-                      <a:pt x="703982" y="484298"/>
-                    </a:cubicBezTo>
-                    <a:lnTo>
-                      <a:pt x="703982" y="0"/>
-                    </a:lnTo>
-                    <a:lnTo>
-                      <a:pt x="0" y="0"/>
-                    </a:lnTo>
-                    <a:lnTo>
-                      <a:pt x="0" y="483939"/>
-                    </a:lnTo>
-                    <a:cubicBezTo>
-                      <a:pt x="1900" y="627140"/>
-                      <a:pt x="99158" y="748755"/>
-                      <a:pt x="234787" y="793731"/>
-                    </a:cubicBezTo>
-                    <a:close/>
-                  </a:path>
-                </a:pathLst>
-              </a:custGeom>
-              <a:solidFill>
-                <a:srgbClr val="9FC3D0"/>
-              </a:solidFill>
-            </p:spPr>
-            <p:txBody>
-              <a:bodyPr/>
-              <a:lstStyle/>
-              <a:p>
-                <a:endParaRPr lang="zh-TW" altLang="en-US">
-                  <a:latin typeface="+mj-lt"/>
-                </a:endParaRPr>
-              </a:p>
-            </p:txBody>
-          </p:sp>
-          <p:sp>
-            <p:nvSpPr>
-              <p:cNvPr id="22" name="TextBox 22">
-                <a:extLst>
-                  <a:ext uri="{FF2B5EF4-FFF2-40B4-BE49-F238E27FC236}">
-                    <a16:creationId xmlns:a16="http://schemas.microsoft.com/office/drawing/2014/main" id="{FBF8A083-A7BE-1E02-8BA8-E076C93A0E1A}"/>
-                  </a:ext>
-                </a:extLst>
-              </p:cNvPr>
-              <p:cNvSpPr txBox="1"/>
-              <p:nvPr/>
-            </p:nvSpPr>
-            <p:spPr>
-              <a:xfrm>
-                <a:off x="0" y="-47625"/>
-                <a:ext cx="703982" cy="733425"/>
-              </a:xfrm>
-              <a:prstGeom prst="rect">
-                <a:avLst/>
-              </a:prstGeom>
-            </p:spPr>
-            <p:txBody>
-              <a:bodyPr lIns="50800" tIns="50800" rIns="50800" bIns="50800" rtlCol="0" anchor="ctr"/>
-              <a:lstStyle/>
-              <a:p>
-                <a:pPr algn="ctr">
-                  <a:lnSpc>
-                    <a:spcPts val="2659"/>
-                  </a:lnSpc>
-                </a:pPr>
-                <a:endParaRPr>
-                  <a:latin typeface="+mj-lt"/>
-                </a:endParaRPr>
-              </a:p>
-            </p:txBody>
-          </p:sp>
-        </p:grpSp>
-        <p:sp>
-          <p:nvSpPr>
-            <p:cNvPr id="23" name="TextBox 23">
-              <a:extLst>
-                <a:ext uri="{FF2B5EF4-FFF2-40B4-BE49-F238E27FC236}">
-                  <a16:creationId xmlns:a16="http://schemas.microsoft.com/office/drawing/2014/main" id="{E7BEA601-6D4E-83FD-505E-F1BEF366C9E5}"/>
-                </a:ext>
-              </a:extLst>
-            </p:cNvPr>
-            <p:cNvSpPr txBox="1"/>
-            <p:nvPr/>
-          </p:nvSpPr>
-          <p:spPr>
-            <a:xfrm>
-              <a:off x="0" y="437582"/>
-              <a:ext cx="2083482" cy="1241504"/>
-            </a:xfrm>
-            <a:prstGeom prst="rect">
-              <a:avLst/>
-            </a:prstGeom>
-          </p:spPr>
-          <p:txBody>
-            <a:bodyPr lIns="0" tIns="0" rIns="0" bIns="0" rtlCol="0" anchor="t">
-              <a:spAutoFit/>
-            </a:bodyPr>
-            <a:lstStyle/>
-            <a:p>
-              <a:pPr algn="ctr">
-                <a:lnSpc>
-                  <a:spcPts val="7805"/>
-                </a:lnSpc>
-              </a:pPr>
-              <a:r>
-                <a:rPr lang="en-US" sz="5550" dirty="0">
-                  <a:solidFill>
-                    <a:srgbClr val="000000"/>
-                  </a:solidFill>
-                  <a:latin typeface="+mj-lt"/>
-                  <a:ea typeface="Open Sans Bold"/>
-                  <a:cs typeface="Open Sans Bold"/>
-                </a:rPr>
-                <a:t>4</a:t>
-              </a:r>
-            </a:p>
-          </p:txBody>
-        </p:sp>
-      </p:grpSp>
-      <p:sp>
-        <p:nvSpPr>
-          <p:cNvPr id="24" name="Freeform 24">
-            <a:extLst>
-              <a:ext uri="{FF2B5EF4-FFF2-40B4-BE49-F238E27FC236}">
-                <a16:creationId xmlns:a16="http://schemas.microsoft.com/office/drawing/2014/main" id="{204E76DE-91D2-5478-C2E2-DF51BEDADCC3}"/>
-              </a:ext>
-            </a:extLst>
-          </p:cNvPr>
-          <p:cNvSpPr/>
-          <p:nvPr/>
-        </p:nvSpPr>
-        <p:spPr>
-          <a:xfrm>
-            <a:off x="7512165" y="-1553858"/>
-            <a:ext cx="7315200" cy="2477783"/>
-          </a:xfrm>
-          <a:custGeom>
-            <a:avLst/>
-            <a:gdLst/>
-            <a:ahLst/>
-            <a:cxnLst/>
-            <a:rect l="l" t="t" r="r" b="b"/>
-            <a:pathLst>
-              <a:path w="7315200" h="2477783">
-                <a:moveTo>
-                  <a:pt x="0" y="0"/>
-                </a:moveTo>
-                <a:lnTo>
-                  <a:pt x="7315200" y="0"/>
-                </a:lnTo>
-                <a:lnTo>
-                  <a:pt x="7315200" y="2477783"/>
-                </a:lnTo>
-                <a:lnTo>
-                  <a:pt x="0" y="2477783"/>
-                </a:lnTo>
-                <a:lnTo>
-                  <a:pt x="0" y="0"/>
-                </a:lnTo>
-                <a:close/>
-              </a:path>
-            </a:pathLst>
-          </a:custGeom>
-          <a:blipFill>
-            <a:blip r:embed="rId3">
-              <a:extLst>
-                <a:ext uri="{96DAC541-7B7A-43D3-8B79-37D633B846F1}">
-                  <asvg:svgBlip xmlns:asvg="http://schemas.microsoft.com/office/drawing/2016/SVG/main" r:embed="rId4"/>
-                </a:ext>
-              </a:extLst>
-            </a:blip>
-            <a:stretch>
-              <a:fillRect/>
-            </a:stretch>
-          </a:blipFill>
-        </p:spPr>
-        <p:txBody>
-          <a:bodyPr/>
-          <a:lstStyle/>
-          <a:p>
-            <a:endParaRPr lang="zh-TW" altLang="en-US">
-              <a:latin typeface="+mj-lt"/>
-            </a:endParaRPr>
-          </a:p>
-        </p:txBody>
-      </p:sp>
-      <p:sp>
-        <p:nvSpPr>
-          <p:cNvPr id="25" name="Freeform 25">
-            <a:extLst>
-              <a:ext uri="{FF2B5EF4-FFF2-40B4-BE49-F238E27FC236}">
-                <a16:creationId xmlns:a16="http://schemas.microsoft.com/office/drawing/2014/main" id="{A94D404D-3F66-C25F-4A5F-E5FDD1E39E05}"/>
-              </a:ext>
-            </a:extLst>
-          </p:cNvPr>
-          <p:cNvSpPr/>
-          <p:nvPr/>
-        </p:nvSpPr>
-        <p:spPr>
-          <a:xfrm>
-            <a:off x="12011565" y="8750069"/>
-            <a:ext cx="7315200" cy="2477783"/>
-          </a:xfrm>
-          <a:custGeom>
-            <a:avLst/>
-            <a:gdLst/>
-            <a:ahLst/>
-            <a:cxnLst/>
-            <a:rect l="l" t="t" r="r" b="b"/>
-            <a:pathLst>
-              <a:path w="7315200" h="2477783">
-                <a:moveTo>
-                  <a:pt x="0" y="0"/>
-                </a:moveTo>
-                <a:lnTo>
-                  <a:pt x="7315200" y="0"/>
-                </a:lnTo>
-                <a:lnTo>
-                  <a:pt x="7315200" y="2477784"/>
-                </a:lnTo>
-                <a:lnTo>
-                  <a:pt x="0" y="2477784"/>
-                </a:lnTo>
-                <a:lnTo>
-                  <a:pt x="0" y="0"/>
-                </a:lnTo>
-                <a:close/>
-              </a:path>
-            </a:pathLst>
-          </a:custGeom>
-          <a:blipFill>
-            <a:blip r:embed="rId3">
-              <a:extLst>
-                <a:ext uri="{96DAC541-7B7A-43D3-8B79-37D633B846F1}">
-                  <asvg:svgBlip xmlns:asvg="http://schemas.microsoft.com/office/drawing/2016/SVG/main" r:embed="rId4"/>
-                </a:ext>
-              </a:extLst>
-            </a:blip>
-            <a:stretch>
-              <a:fillRect/>
-            </a:stretch>
-          </a:blipFill>
-        </p:spPr>
-        <p:txBody>
-          <a:bodyPr/>
-          <a:lstStyle/>
-          <a:p>
-            <a:endParaRPr lang="zh-TW" altLang="en-US">
-              <a:latin typeface="+mj-lt"/>
-            </a:endParaRPr>
-          </a:p>
-        </p:txBody>
-      </p:sp>
-      <p:sp>
-        <p:nvSpPr>
-          <p:cNvPr id="33" name="文字方塊 32">
-            <a:extLst>
-              <a:ext uri="{FF2B5EF4-FFF2-40B4-BE49-F238E27FC236}">
-                <a16:creationId xmlns:a16="http://schemas.microsoft.com/office/drawing/2014/main" id="{91A940AF-C804-44BB-A04F-4D884C6E3986}"/>
-              </a:ext>
-            </a:extLst>
-          </p:cNvPr>
-          <p:cNvSpPr txBox="1"/>
-          <p:nvPr/>
-        </p:nvSpPr>
-        <p:spPr>
-          <a:xfrm>
-            <a:off x="3108941" y="1790602"/>
-            <a:ext cx="13549662" cy="1951496"/>
-          </a:xfrm>
-          <a:prstGeom prst="rect">
-            <a:avLst/>
-          </a:prstGeom>
-          <a:noFill/>
-        </p:spPr>
-        <p:txBody>
-          <a:bodyPr wrap="square">
-            <a:spAutoFit/>
-          </a:bodyPr>
-          <a:lstStyle/>
-          <a:p>
-            <a:pPr marL="457200" indent="-457200">
-              <a:lnSpc>
-                <a:spcPct val="150000"/>
-              </a:lnSpc>
-              <a:buFont typeface="Arial" panose="020B0604020202020204" pitchFamily="34" charset="0"/>
-              <a:buChar char="•"/>
-            </a:pPr>
-            <a:r>
-              <a:rPr lang="en-US" altLang="zh-TW" sz="2800" dirty="0"/>
-              <a:t>Input Constraints: Establishing restrictions for the maximum and minimum data values is challenging. For instance, the "years of concrete usage" could extend to thousands of years in the case of historical sites.</a:t>
-            </a:r>
-          </a:p>
-        </p:txBody>
-      </p:sp>
-    </p:spTree>
-    <p:extLst>
-      <p:ext uri="{BB962C8B-B14F-4D97-AF65-F5344CB8AC3E}">
-        <p14:creationId xmlns:p14="http://schemas.microsoft.com/office/powerpoint/2010/main" val="3495028553"/>
-      </p:ext>
-    </p:extLst>
-  </p:cSld>
-  <p:clrMapOvr>
-    <a:masterClrMapping/>
-  </p:clrMapOvr>
-</p:sld>
-</file>
-
-<file path=ppt/slides/slide8.xml><?xml version="1.0" encoding="utf-8"?>
-<p:sld xmlns:a="http://schemas.openxmlformats.org/drawingml/2006/main" xmlns:r="http://schemas.openxmlformats.org/officeDocument/2006/relationships" xmlns:p="http://schemas.openxmlformats.org/presentationml/2006/main">
-  <p:cSld>
-    <p:bg>
-      <p:bgPr>
-        <a:solidFill>
-          <a:srgbClr val="F6F3EB"/>
-        </a:solidFill>
-        <a:effectLst/>
-      </p:bgPr>
-    </p:bg>
-    <p:spTree>
-      <p:nvGrpSpPr>
-        <p:cNvPr id="1" name=""/>
-        <p:cNvGrpSpPr/>
-        <p:nvPr/>
-      </p:nvGrpSpPr>
-      <p:grpSpPr>
-        <a:xfrm>
-          <a:off x="0" y="0"/>
-          <a:ext cx="0" cy="0"/>
-          <a:chOff x="0" y="0"/>
-          <a:chExt cx="0" cy="0"/>
-        </a:xfrm>
-      </p:grpSpPr>
-      <p:sp>
-        <p:nvSpPr>
-          <p:cNvPr id="4" name="TextBox 4"/>
-          <p:cNvSpPr txBox="1"/>
-          <p:nvPr/>
-        </p:nvSpPr>
-        <p:spPr>
-          <a:xfrm>
-            <a:off x="2057400" y="2540637"/>
-            <a:ext cx="14847341" cy="2557688"/>
-          </a:xfrm>
-          <a:prstGeom prst="rect">
-            <a:avLst/>
-          </a:prstGeom>
-        </p:spPr>
-        <p:txBody>
-          <a:bodyPr lIns="0" tIns="0" rIns="0" bIns="0" rtlCol="0" anchor="t">
-            <a:spAutoFit/>
-          </a:bodyPr>
-          <a:lstStyle/>
-          <a:p>
-            <a:pPr marL="571500" indent="-571500">
-              <a:lnSpc>
-                <a:spcPts val="5125"/>
-              </a:lnSpc>
-              <a:buFont typeface="Arial" panose="020B0604020202020204" pitchFamily="34" charset="0"/>
-              <a:buChar char="•"/>
-            </a:pPr>
-            <a:r>
-              <a:rPr lang="en-US" altLang="zh-TW" sz="3600" dirty="0">
-                <a:latin typeface="+mj-lt"/>
-              </a:rPr>
-              <a:t>Input quality: The system primarily handles calculations related to corrosion. The detection of carbonation, the thickness of concrete, and other input values come from external instruments. Therefore, the accuracy of these inputs cannot be verified.</a:t>
-            </a:r>
-            <a:endParaRPr lang="en-US" sz="3600" dirty="0">
-              <a:solidFill>
-                <a:srgbClr val="000000"/>
-              </a:solidFill>
-              <a:latin typeface="+mj-lt"/>
-            </a:endParaRPr>
-          </a:p>
-        </p:txBody>
-      </p:sp>
-      <p:sp>
-        <p:nvSpPr>
-          <p:cNvPr id="5" name="Freeform 5"/>
-          <p:cNvSpPr/>
-          <p:nvPr/>
-        </p:nvSpPr>
-        <p:spPr>
-          <a:xfrm>
-            <a:off x="13764167" y="6379649"/>
-            <a:ext cx="7315200" cy="2477783"/>
-          </a:xfrm>
-          <a:custGeom>
-            <a:avLst/>
-            <a:gdLst/>
-            <a:ahLst/>
-            <a:cxnLst/>
-            <a:rect l="l" t="t" r="r" b="b"/>
-            <a:pathLst>
-              <a:path w="7315200" h="2477783">
-                <a:moveTo>
-                  <a:pt x="0" y="0"/>
-                </a:moveTo>
-                <a:lnTo>
-                  <a:pt x="7315200" y="0"/>
-                </a:lnTo>
-                <a:lnTo>
-                  <a:pt x="7315200" y="2477783"/>
-                </a:lnTo>
-                <a:lnTo>
-                  <a:pt x="0" y="2477783"/>
-                </a:lnTo>
-                <a:lnTo>
-                  <a:pt x="0" y="0"/>
-                </a:lnTo>
-                <a:close/>
-              </a:path>
-            </a:pathLst>
-          </a:custGeom>
-          <a:blipFill>
-            <a:blip r:embed="rId3">
-              <a:extLst>
-                <a:ext uri="{96DAC541-7B7A-43D3-8B79-37D633B846F1}">
-                  <asvg:svgBlip xmlns:asvg="http://schemas.microsoft.com/office/drawing/2016/SVG/main" r:embed="rId4"/>
-                </a:ext>
-              </a:extLst>
-            </a:blip>
-            <a:stretch>
-              <a:fillRect/>
-            </a:stretch>
-          </a:blipFill>
-        </p:spPr>
-        <p:txBody>
-          <a:bodyPr/>
-          <a:lstStyle/>
-          <a:p>
-            <a:endParaRPr lang="zh-TW" altLang="en-US">
-              <a:latin typeface="+mj-lt"/>
-            </a:endParaRPr>
-          </a:p>
-        </p:txBody>
-      </p:sp>
-      <p:sp>
-        <p:nvSpPr>
-          <p:cNvPr id="7" name="TextBox 7"/>
-          <p:cNvSpPr txBox="1"/>
-          <p:nvPr/>
-        </p:nvSpPr>
-        <p:spPr>
-          <a:xfrm>
-            <a:off x="2411959" y="488124"/>
-            <a:ext cx="13464081" cy="1337161"/>
-          </a:xfrm>
-          <a:prstGeom prst="rect">
-            <a:avLst/>
-          </a:prstGeom>
-        </p:spPr>
-        <p:txBody>
-          <a:bodyPr lIns="0" tIns="0" rIns="0" bIns="0" rtlCol="0" anchor="t">
-            <a:spAutoFit/>
-          </a:bodyPr>
-          <a:lstStyle/>
-          <a:p>
-            <a:pPr algn="ctr">
-              <a:lnSpc>
-                <a:spcPts val="11899"/>
-              </a:lnSpc>
-            </a:pPr>
-            <a:r>
-              <a:rPr lang="en-US" sz="6600" dirty="0">
-                <a:solidFill>
-                  <a:srgbClr val="000000"/>
-                </a:solidFill>
-                <a:latin typeface="+mj-lt"/>
-              </a:rPr>
-              <a:t>Risks</a:t>
-            </a:r>
-          </a:p>
-        </p:txBody>
-      </p:sp>
-      <p:sp>
-        <p:nvSpPr>
-          <p:cNvPr id="15" name="AutoShape 15"/>
-          <p:cNvSpPr/>
-          <p:nvPr/>
-        </p:nvSpPr>
-        <p:spPr>
-          <a:xfrm>
-            <a:off x="-260599" y="9061267"/>
-            <a:ext cx="7105264" cy="19050"/>
-          </a:xfrm>
-          <a:prstGeom prst="line">
-            <a:avLst/>
-          </a:prstGeom>
-          <a:ln w="114300" cap="flat">
-            <a:solidFill>
-              <a:srgbClr val="9FC3D0"/>
-            </a:solidFill>
-            <a:prstDash val="solid"/>
-            <a:headEnd type="none" w="sm" len="sm"/>
-            <a:tailEnd type="none" w="sm" len="sm"/>
-          </a:ln>
-        </p:spPr>
-        <p:txBody>
-          <a:bodyPr/>
-          <a:lstStyle/>
-          <a:p>
-            <a:endParaRPr lang="zh-TW" altLang="en-US">
-              <a:latin typeface="+mj-lt"/>
-            </a:endParaRPr>
-          </a:p>
-        </p:txBody>
-      </p:sp>
-      <p:sp>
-        <p:nvSpPr>
-          <p:cNvPr id="16" name="AutoShape 16"/>
-          <p:cNvSpPr/>
-          <p:nvPr/>
-        </p:nvSpPr>
-        <p:spPr>
-          <a:xfrm>
-            <a:off x="11430169" y="9061267"/>
-            <a:ext cx="7105264" cy="19050"/>
-          </a:xfrm>
-          <a:prstGeom prst="line">
-            <a:avLst/>
-          </a:prstGeom>
-          <a:ln w="114300" cap="flat">
-            <a:solidFill>
-              <a:srgbClr val="9FC3D0"/>
-            </a:solidFill>
-            <a:prstDash val="solid"/>
-            <a:headEnd type="none" w="sm" len="sm"/>
-            <a:tailEnd type="none" w="sm" len="sm"/>
-          </a:ln>
-        </p:spPr>
-        <p:txBody>
-          <a:bodyPr/>
-          <a:lstStyle/>
-          <a:p>
-            <a:endParaRPr lang="zh-TW" altLang="en-US">
-              <a:latin typeface="+mj-lt"/>
-            </a:endParaRPr>
-          </a:p>
-        </p:txBody>
-      </p:sp>
-      <p:grpSp>
-        <p:nvGrpSpPr>
-          <p:cNvPr id="17" name="Group 17"/>
-          <p:cNvGrpSpPr/>
-          <p:nvPr/>
-        </p:nvGrpSpPr>
-        <p:grpSpPr>
-          <a:xfrm>
-            <a:off x="15859155" y="0"/>
-            <a:ext cx="1562612" cy="1673225"/>
-            <a:chOff x="0" y="0"/>
-            <a:chExt cx="2083482" cy="2230967"/>
-          </a:xfrm>
-        </p:grpSpPr>
-        <p:grpSp>
-          <p:nvGrpSpPr>
-            <p:cNvPr id="18" name="Group 18"/>
-            <p:cNvGrpSpPr/>
-            <p:nvPr/>
-          </p:nvGrpSpPr>
-          <p:grpSpPr>
-            <a:xfrm>
-              <a:off x="75599" y="0"/>
-              <a:ext cx="1932284" cy="2230967"/>
-              <a:chOff x="0" y="0"/>
-              <a:chExt cx="703982" cy="812800"/>
-            </a:xfrm>
-          </p:grpSpPr>
-          <p:sp>
-            <p:nvSpPr>
-              <p:cNvPr id="19" name="Freeform 19"/>
-              <p:cNvSpPr/>
-              <p:nvPr/>
-            </p:nvSpPr>
-            <p:spPr>
-              <a:xfrm>
-                <a:off x="0" y="0"/>
-                <a:ext cx="703982" cy="812800"/>
-              </a:xfrm>
-              <a:custGeom>
-                <a:avLst/>
-                <a:gdLst/>
-                <a:ahLst/>
-                <a:cxnLst/>
-                <a:rect l="l" t="t" r="r" b="b"/>
-                <a:pathLst>
-                  <a:path w="703982" h="812800">
-                    <a:moveTo>
-                      <a:pt x="234787" y="793731"/>
-                    </a:moveTo>
-                    <a:cubicBezTo>
-                      <a:pt x="270879" y="805245"/>
-                      <a:pt x="311910" y="812800"/>
-                      <a:pt x="352180" y="812800"/>
-                    </a:cubicBezTo>
-                    <a:cubicBezTo>
-                      <a:pt x="392452" y="812800"/>
-                      <a:pt x="431204" y="806323"/>
-                      <a:pt x="466915" y="794809"/>
-                    </a:cubicBezTo>
-                    <a:cubicBezTo>
-                      <a:pt x="467675" y="794450"/>
-                      <a:pt x="468435" y="794450"/>
-                      <a:pt x="469194" y="794090"/>
-                    </a:cubicBezTo>
-                    <a:cubicBezTo>
-                      <a:pt x="603304" y="748035"/>
-                      <a:pt x="702082" y="626421"/>
-                      <a:pt x="703982" y="484298"/>
-                    </a:cubicBezTo>
-                    <a:lnTo>
-                      <a:pt x="703982" y="0"/>
-                    </a:lnTo>
-                    <a:lnTo>
-                      <a:pt x="0" y="0"/>
-                    </a:lnTo>
-                    <a:lnTo>
-                      <a:pt x="0" y="483939"/>
-                    </a:lnTo>
-                    <a:cubicBezTo>
-                      <a:pt x="1900" y="627140"/>
-                      <a:pt x="99158" y="748755"/>
-                      <a:pt x="234787" y="793731"/>
-                    </a:cubicBezTo>
-                    <a:close/>
-                  </a:path>
-                </a:pathLst>
-              </a:custGeom>
-              <a:solidFill>
-                <a:srgbClr val="9FC3D0"/>
-              </a:solidFill>
-            </p:spPr>
-            <p:txBody>
-              <a:bodyPr/>
-              <a:lstStyle/>
-              <a:p>
-                <a:endParaRPr lang="zh-TW" altLang="en-US">
-                  <a:latin typeface="+mj-lt"/>
-                </a:endParaRPr>
-              </a:p>
-            </p:txBody>
-          </p:sp>
-          <p:sp>
-            <p:nvSpPr>
-              <p:cNvPr id="20" name="TextBox 20"/>
-              <p:cNvSpPr txBox="1"/>
-              <p:nvPr/>
-            </p:nvSpPr>
-            <p:spPr>
-              <a:xfrm>
-                <a:off x="0" y="-47625"/>
-                <a:ext cx="703982" cy="733425"/>
-              </a:xfrm>
-              <a:prstGeom prst="rect">
-                <a:avLst/>
-              </a:prstGeom>
-            </p:spPr>
-            <p:txBody>
-              <a:bodyPr lIns="50800" tIns="50800" rIns="50800" bIns="50800" rtlCol="0" anchor="ctr"/>
-              <a:lstStyle/>
-              <a:p>
-                <a:pPr algn="ctr">
-                  <a:lnSpc>
-                    <a:spcPts val="2659"/>
-                  </a:lnSpc>
-                </a:pPr>
-                <a:endParaRPr>
-                  <a:latin typeface="+mj-lt"/>
-                </a:endParaRPr>
-              </a:p>
-            </p:txBody>
-          </p:sp>
-        </p:grpSp>
-        <p:sp>
-          <p:nvSpPr>
-            <p:cNvPr id="21" name="TextBox 21"/>
-            <p:cNvSpPr txBox="1"/>
-            <p:nvPr/>
-          </p:nvSpPr>
-          <p:spPr>
-            <a:xfrm>
-              <a:off x="0" y="437582"/>
-              <a:ext cx="2083482" cy="1241504"/>
-            </a:xfrm>
-            <a:prstGeom prst="rect">
-              <a:avLst/>
-            </a:prstGeom>
-          </p:spPr>
-          <p:txBody>
-            <a:bodyPr lIns="0" tIns="0" rIns="0" bIns="0" rtlCol="0" anchor="t">
-              <a:spAutoFit/>
-            </a:bodyPr>
-            <a:lstStyle/>
-            <a:p>
-              <a:pPr algn="ctr">
-                <a:lnSpc>
-                  <a:spcPts val="7805"/>
-                </a:lnSpc>
-              </a:pPr>
-              <a:r>
-                <a:rPr lang="en-US" sz="5550" dirty="0">
-                  <a:solidFill>
-                    <a:srgbClr val="000000"/>
-                  </a:solidFill>
-                  <a:latin typeface="+mj-lt"/>
-                  <a:cs typeface="Arial"/>
-                </a:rPr>
-                <a:t>5</a:t>
-              </a:r>
-            </a:p>
-          </p:txBody>
-        </p:sp>
-      </p:grpSp>
-      <p:sp>
-        <p:nvSpPr>
-          <p:cNvPr id="22" name="Freeform 22"/>
-          <p:cNvSpPr/>
-          <p:nvPr/>
-        </p:nvSpPr>
-        <p:spPr>
-          <a:xfrm>
-            <a:off x="-3657600" y="-402279"/>
-            <a:ext cx="7315200" cy="2477783"/>
-          </a:xfrm>
-          <a:custGeom>
-            <a:avLst/>
-            <a:gdLst/>
-            <a:ahLst/>
-            <a:cxnLst/>
-            <a:rect l="l" t="t" r="r" b="b"/>
-            <a:pathLst>
-              <a:path w="7315200" h="2477783">
-                <a:moveTo>
-                  <a:pt x="0" y="0"/>
-                </a:moveTo>
-                <a:lnTo>
-                  <a:pt x="7315200" y="0"/>
-                </a:lnTo>
-                <a:lnTo>
-                  <a:pt x="7315200" y="2477783"/>
-                </a:lnTo>
-                <a:lnTo>
-                  <a:pt x="0" y="2477783"/>
-                </a:lnTo>
-                <a:lnTo>
-                  <a:pt x="0" y="0"/>
-                </a:lnTo>
-                <a:close/>
-              </a:path>
-            </a:pathLst>
-          </a:custGeom>
-          <a:blipFill>
-            <a:blip r:embed="rId3">
-              <a:extLst>
-                <a:ext uri="{96DAC541-7B7A-43D3-8B79-37D633B846F1}">
-                  <asvg:svgBlip xmlns:asvg="http://schemas.microsoft.com/office/drawing/2016/SVG/main" r:embed="rId4"/>
-                </a:ext>
-              </a:extLst>
-            </a:blip>
-            <a:stretch>
-              <a:fillRect/>
-            </a:stretch>
-          </a:blipFill>
-        </p:spPr>
-        <p:txBody>
-          <a:bodyPr/>
-          <a:lstStyle/>
-          <a:p>
-            <a:endParaRPr lang="zh-TW" altLang="en-US">
-              <a:latin typeface="+mj-lt"/>
-            </a:endParaRPr>
-          </a:p>
-        </p:txBody>
-      </p:sp>
-    </p:spTree>
-  </p:cSld>
-  <p:clrMapOvr>
-    <a:masterClrMapping/>
-  </p:clrMapOvr>
-</p:sld>
-</file>
-
-<file path=ppt/slides/slide9.xml><?xml version="1.0" encoding="utf-8"?>
+<file path=ppt/slides/slide10.xml><?xml version="1.0" encoding="utf-8"?>
 <p:sld xmlns:a="http://schemas.openxmlformats.org/drawingml/2006/main" xmlns:r="http://schemas.openxmlformats.org/officeDocument/2006/relationships" xmlns:p="http://schemas.openxmlformats.org/presentationml/2006/main">
   <p:cSld>
     <p:bg>
@@ -8978,6 +5245,4230 @@
           <a:lstStyle/>
           <a:p>
             <a:endParaRPr lang="zh-TW" altLang="en-US"/>
+          </a:p>
+        </p:txBody>
+      </p:sp>
+    </p:spTree>
+  </p:cSld>
+  <p:clrMapOvr>
+    <a:masterClrMapping/>
+  </p:clrMapOvr>
+</p:sld>
+</file>
+
+<file path=ppt/slides/slide2.xml><?xml version="1.0" encoding="utf-8"?>
+<p:sld xmlns:a="http://schemas.openxmlformats.org/drawingml/2006/main" xmlns:r="http://schemas.openxmlformats.org/officeDocument/2006/relationships" xmlns:p="http://schemas.openxmlformats.org/presentationml/2006/main">
+  <p:cSld>
+    <p:bg>
+      <p:bgPr>
+        <a:solidFill>
+          <a:srgbClr val="F6F3EB"/>
+        </a:solidFill>
+        <a:effectLst/>
+      </p:bgPr>
+    </p:bg>
+    <p:spTree>
+      <p:nvGrpSpPr>
+        <p:cNvPr id="1" name=""/>
+        <p:cNvGrpSpPr/>
+        <p:nvPr/>
+      </p:nvGrpSpPr>
+      <p:grpSpPr>
+        <a:xfrm>
+          <a:off x="0" y="0"/>
+          <a:ext cx="0" cy="0"/>
+          <a:chOff x="0" y="0"/>
+          <a:chExt cx="0" cy="0"/>
+        </a:xfrm>
+      </p:grpSpPr>
+      <p:sp>
+        <p:nvSpPr>
+          <p:cNvPr id="2" name="TextBox 2"/>
+          <p:cNvSpPr txBox="1"/>
+          <p:nvPr/>
+        </p:nvSpPr>
+        <p:spPr>
+          <a:xfrm>
+            <a:off x="2553980" y="866775"/>
+            <a:ext cx="13180039" cy="1392625"/>
+          </a:xfrm>
+          <a:prstGeom prst="rect">
+            <a:avLst/>
+          </a:prstGeom>
+        </p:spPr>
+        <p:txBody>
+          <a:bodyPr lIns="0" tIns="0" rIns="0" bIns="0" rtlCol="0" anchor="t">
+            <a:spAutoFit/>
+          </a:bodyPr>
+          <a:lstStyle/>
+          <a:p>
+            <a:pPr algn="ctr">
+              <a:lnSpc>
+                <a:spcPts val="11899"/>
+              </a:lnSpc>
+            </a:pPr>
+            <a:r>
+              <a:rPr lang="en-US" sz="8499" dirty="0">
+                <a:solidFill>
+                  <a:srgbClr val="000000"/>
+                </a:solidFill>
+                <a:latin typeface="+mj-lt"/>
+              </a:rPr>
+              <a:t>CONTENTS</a:t>
+            </a:r>
+          </a:p>
+        </p:txBody>
+      </p:sp>
+      <p:sp>
+        <p:nvSpPr>
+          <p:cNvPr id="4" name="TextBox 4"/>
+          <p:cNvSpPr txBox="1"/>
+          <p:nvPr/>
+        </p:nvSpPr>
+        <p:spPr>
+          <a:xfrm>
+            <a:off x="3810000" y="3266072"/>
+            <a:ext cx="4480960" cy="666849"/>
+          </a:xfrm>
+          <a:prstGeom prst="rect">
+            <a:avLst/>
+          </a:prstGeom>
+        </p:spPr>
+        <p:txBody>
+          <a:bodyPr lIns="0" tIns="0" rIns="0" bIns="0" rtlCol="0" anchor="t">
+            <a:spAutoFit/>
+          </a:bodyPr>
+          <a:lstStyle/>
+          <a:p>
+            <a:pPr marL="798829" lvl="1" indent="-399415">
+              <a:lnSpc>
+                <a:spcPts val="5179"/>
+              </a:lnSpc>
+              <a:buFont typeface="Arial"/>
+              <a:buChar char="•"/>
+            </a:pPr>
+            <a:r>
+              <a:rPr lang="en-US" sz="3699">
+                <a:solidFill>
+                  <a:srgbClr val="000000"/>
+                </a:solidFill>
+                <a:latin typeface="+mj-lt"/>
+              </a:rPr>
+              <a:t>Introduction</a:t>
+            </a:r>
+          </a:p>
+        </p:txBody>
+      </p:sp>
+      <p:sp>
+        <p:nvSpPr>
+          <p:cNvPr id="5" name="TextBox 5"/>
+          <p:cNvSpPr txBox="1"/>
+          <p:nvPr/>
+        </p:nvSpPr>
+        <p:spPr>
+          <a:xfrm>
+            <a:off x="3810000" y="4369407"/>
+            <a:ext cx="4480960" cy="629920"/>
+          </a:xfrm>
+          <a:prstGeom prst="rect">
+            <a:avLst/>
+          </a:prstGeom>
+        </p:spPr>
+        <p:txBody>
+          <a:bodyPr lIns="0" tIns="0" rIns="0" bIns="0" rtlCol="0" anchor="t">
+            <a:spAutoFit/>
+          </a:bodyPr>
+          <a:lstStyle/>
+          <a:p>
+            <a:pPr marL="798829" lvl="1" indent="-399415">
+              <a:lnSpc>
+                <a:spcPts val="5179"/>
+              </a:lnSpc>
+              <a:buFont typeface="Arial"/>
+              <a:buChar char="•"/>
+            </a:pPr>
+            <a:r>
+              <a:rPr lang="en-US" sz="3699" dirty="0">
+                <a:solidFill>
+                  <a:srgbClr val="000000"/>
+                </a:solidFill>
+                <a:latin typeface="+mj-lt"/>
+              </a:rPr>
+              <a:t>Goal statement</a:t>
+            </a:r>
+          </a:p>
+        </p:txBody>
+      </p:sp>
+      <p:sp>
+        <p:nvSpPr>
+          <p:cNvPr id="6" name="TextBox 6"/>
+          <p:cNvSpPr txBox="1"/>
+          <p:nvPr/>
+        </p:nvSpPr>
+        <p:spPr>
+          <a:xfrm>
+            <a:off x="3810000" y="5472742"/>
+            <a:ext cx="6324600" cy="608115"/>
+          </a:xfrm>
+          <a:prstGeom prst="rect">
+            <a:avLst/>
+          </a:prstGeom>
+        </p:spPr>
+        <p:txBody>
+          <a:bodyPr wrap="square" lIns="0" tIns="0" rIns="0" bIns="0" rtlCol="0" anchor="t">
+            <a:spAutoFit/>
+          </a:bodyPr>
+          <a:lstStyle/>
+          <a:p>
+            <a:pPr marL="798829" lvl="1" indent="-399415">
+              <a:lnSpc>
+                <a:spcPts val="5179"/>
+              </a:lnSpc>
+              <a:buFont typeface="Arial"/>
+              <a:buChar char="•"/>
+            </a:pPr>
+            <a:r>
+              <a:rPr lang="en-US" sz="3699" dirty="0">
+                <a:solidFill>
+                  <a:srgbClr val="000000"/>
+                </a:solidFill>
+                <a:latin typeface="+mj-lt"/>
+              </a:rPr>
+              <a:t>Prototype demonstration</a:t>
+            </a:r>
+          </a:p>
+        </p:txBody>
+      </p:sp>
+      <p:sp>
+        <p:nvSpPr>
+          <p:cNvPr id="8" name="TextBox 8"/>
+          <p:cNvSpPr txBox="1"/>
+          <p:nvPr/>
+        </p:nvSpPr>
+        <p:spPr>
+          <a:xfrm>
+            <a:off x="10254390" y="3324806"/>
+            <a:ext cx="5519010" cy="606705"/>
+          </a:xfrm>
+          <a:prstGeom prst="rect">
+            <a:avLst/>
+          </a:prstGeom>
+        </p:spPr>
+        <p:txBody>
+          <a:bodyPr wrap="square" lIns="0" tIns="0" rIns="0" bIns="0" rtlCol="0" anchor="t">
+            <a:spAutoFit/>
+          </a:bodyPr>
+          <a:lstStyle/>
+          <a:p>
+            <a:pPr marL="798195" lvl="1" indent="-399415">
+              <a:lnSpc>
+                <a:spcPts val="5179"/>
+              </a:lnSpc>
+              <a:buFont typeface="Arial"/>
+              <a:buChar char="•"/>
+            </a:pPr>
+            <a:r>
+              <a:rPr lang="en-US" sz="3650" dirty="0">
+                <a:solidFill>
+                  <a:srgbClr val="000000"/>
+                </a:solidFill>
+                <a:latin typeface="+mj-lt"/>
+              </a:rPr>
+              <a:t>Code </a:t>
+            </a:r>
+            <a:r>
+              <a:rPr lang="en-US" altLang="zh-TW" sz="3600" dirty="0">
+                <a:solidFill>
+                  <a:srgbClr val="000000"/>
+                </a:solidFill>
+                <a:latin typeface="+mj-lt"/>
+              </a:rPr>
+              <a:t>demonstration</a:t>
+            </a:r>
+            <a:endParaRPr lang="en-US" sz="3650" dirty="0">
+              <a:solidFill>
+                <a:srgbClr val="000000"/>
+              </a:solidFill>
+              <a:latin typeface="+mj-lt"/>
+            </a:endParaRPr>
+          </a:p>
+        </p:txBody>
+      </p:sp>
+      <p:sp>
+        <p:nvSpPr>
+          <p:cNvPr id="16" name="AutoShape 16"/>
+          <p:cNvSpPr/>
+          <p:nvPr/>
+        </p:nvSpPr>
+        <p:spPr>
+          <a:xfrm>
+            <a:off x="-260599" y="9061267"/>
+            <a:ext cx="7105264" cy="19050"/>
+          </a:xfrm>
+          <a:prstGeom prst="line">
+            <a:avLst/>
+          </a:prstGeom>
+          <a:ln w="114300" cap="flat">
+            <a:solidFill>
+              <a:srgbClr val="9FC3D0"/>
+            </a:solidFill>
+            <a:prstDash val="solid"/>
+            <a:headEnd type="none" w="sm" len="sm"/>
+            <a:tailEnd type="none" w="sm" len="sm"/>
+          </a:ln>
+        </p:spPr>
+        <p:txBody>
+          <a:bodyPr/>
+          <a:lstStyle/>
+          <a:p>
+            <a:endParaRPr lang="zh-TW" altLang="en-US"/>
+          </a:p>
+        </p:txBody>
+      </p:sp>
+      <p:sp>
+        <p:nvSpPr>
+          <p:cNvPr id="17" name="AutoShape 17"/>
+          <p:cNvSpPr/>
+          <p:nvPr/>
+        </p:nvSpPr>
+        <p:spPr>
+          <a:xfrm>
+            <a:off x="11430169" y="9061267"/>
+            <a:ext cx="7105264" cy="19050"/>
+          </a:xfrm>
+          <a:prstGeom prst="line">
+            <a:avLst/>
+          </a:prstGeom>
+          <a:ln w="114300" cap="flat">
+            <a:solidFill>
+              <a:srgbClr val="9FC3D0"/>
+            </a:solidFill>
+            <a:prstDash val="solid"/>
+            <a:headEnd type="none" w="sm" len="sm"/>
+            <a:tailEnd type="none" w="sm" len="sm"/>
+          </a:ln>
+        </p:spPr>
+        <p:txBody>
+          <a:bodyPr/>
+          <a:lstStyle/>
+          <a:p>
+            <a:endParaRPr lang="zh-TW" altLang="en-US"/>
+          </a:p>
+        </p:txBody>
+      </p:sp>
+      <p:sp>
+        <p:nvSpPr>
+          <p:cNvPr id="23" name="Freeform 23"/>
+          <p:cNvSpPr/>
+          <p:nvPr/>
+        </p:nvSpPr>
+        <p:spPr>
+          <a:xfrm>
+            <a:off x="-2845001" y="434334"/>
+            <a:ext cx="7315200" cy="2477783"/>
+          </a:xfrm>
+          <a:custGeom>
+            <a:avLst/>
+            <a:gdLst/>
+            <a:ahLst/>
+            <a:cxnLst/>
+            <a:rect l="l" t="t" r="r" b="b"/>
+            <a:pathLst>
+              <a:path w="7315200" h="2477783">
+                <a:moveTo>
+                  <a:pt x="0" y="0"/>
+                </a:moveTo>
+                <a:lnTo>
+                  <a:pt x="7315200" y="0"/>
+                </a:lnTo>
+                <a:lnTo>
+                  <a:pt x="7315200" y="2477783"/>
+                </a:lnTo>
+                <a:lnTo>
+                  <a:pt x="0" y="2477783"/>
+                </a:lnTo>
+                <a:lnTo>
+                  <a:pt x="0" y="0"/>
+                </a:lnTo>
+                <a:close/>
+              </a:path>
+            </a:pathLst>
+          </a:custGeom>
+          <a:blipFill>
+            <a:blip r:embed="rId2">
+              <a:extLst>
+                <a:ext uri="{96DAC541-7B7A-43D3-8B79-37D633B846F1}">
+                  <asvg:svgBlip xmlns:asvg="http://schemas.microsoft.com/office/drawing/2016/SVG/main" r:embed="rId3"/>
+                </a:ext>
+              </a:extLst>
+            </a:blip>
+            <a:stretch>
+              <a:fillRect/>
+            </a:stretch>
+          </a:blipFill>
+        </p:spPr>
+        <p:txBody>
+          <a:bodyPr/>
+          <a:lstStyle/>
+          <a:p>
+            <a:endParaRPr lang="zh-TW" altLang="en-US"/>
+          </a:p>
+        </p:txBody>
+      </p:sp>
+      <p:sp>
+        <p:nvSpPr>
+          <p:cNvPr id="24" name="Freeform 24"/>
+          <p:cNvSpPr/>
+          <p:nvPr/>
+        </p:nvSpPr>
+        <p:spPr>
+          <a:xfrm>
+            <a:off x="13601700" y="6142060"/>
+            <a:ext cx="7315200" cy="2477783"/>
+          </a:xfrm>
+          <a:custGeom>
+            <a:avLst/>
+            <a:gdLst/>
+            <a:ahLst/>
+            <a:cxnLst/>
+            <a:rect l="l" t="t" r="r" b="b"/>
+            <a:pathLst>
+              <a:path w="7315200" h="2477783">
+                <a:moveTo>
+                  <a:pt x="0" y="0"/>
+                </a:moveTo>
+                <a:lnTo>
+                  <a:pt x="7315200" y="0"/>
+                </a:lnTo>
+                <a:lnTo>
+                  <a:pt x="7315200" y="2477783"/>
+                </a:lnTo>
+                <a:lnTo>
+                  <a:pt x="0" y="2477783"/>
+                </a:lnTo>
+                <a:lnTo>
+                  <a:pt x="0" y="0"/>
+                </a:lnTo>
+                <a:close/>
+              </a:path>
+            </a:pathLst>
+          </a:custGeom>
+          <a:blipFill>
+            <a:blip r:embed="rId2">
+              <a:extLst>
+                <a:ext uri="{96DAC541-7B7A-43D3-8B79-37D633B846F1}">
+                  <asvg:svgBlip xmlns:asvg="http://schemas.microsoft.com/office/drawing/2016/SVG/main" r:embed="rId3"/>
+                </a:ext>
+              </a:extLst>
+            </a:blip>
+            <a:stretch>
+              <a:fillRect/>
+            </a:stretch>
+          </a:blipFill>
+        </p:spPr>
+        <p:txBody>
+          <a:bodyPr/>
+          <a:lstStyle/>
+          <a:p>
+            <a:endParaRPr lang="zh-TW" altLang="en-US"/>
+          </a:p>
+        </p:txBody>
+      </p:sp>
+      <p:sp>
+        <p:nvSpPr>
+          <p:cNvPr id="3" name="TextBox 8">
+            <a:extLst>
+              <a:ext uri="{FF2B5EF4-FFF2-40B4-BE49-F238E27FC236}">
+                <a16:creationId xmlns:a16="http://schemas.microsoft.com/office/drawing/2014/main" id="{95CC316D-E45E-5021-B5CA-4D477294B366}"/>
+              </a:ext>
+            </a:extLst>
+          </p:cNvPr>
+          <p:cNvSpPr txBox="1"/>
+          <p:nvPr/>
+        </p:nvSpPr>
+        <p:spPr>
+          <a:xfrm>
+            <a:off x="10254390" y="4535385"/>
+            <a:ext cx="5519010" cy="608115"/>
+          </a:xfrm>
+          <a:prstGeom prst="rect">
+            <a:avLst/>
+          </a:prstGeom>
+        </p:spPr>
+        <p:txBody>
+          <a:bodyPr wrap="square" lIns="0" tIns="0" rIns="0" bIns="0" rtlCol="0" anchor="t">
+            <a:spAutoFit/>
+          </a:bodyPr>
+          <a:lstStyle/>
+          <a:p>
+            <a:pPr marL="798829" lvl="1" indent="-399415">
+              <a:lnSpc>
+                <a:spcPts val="5179"/>
+              </a:lnSpc>
+              <a:buFont typeface="Arial"/>
+              <a:buChar char="•"/>
+            </a:pPr>
+            <a:r>
+              <a:rPr lang="en-US" sz="3699" dirty="0">
+                <a:solidFill>
+                  <a:srgbClr val="000000"/>
+                </a:solidFill>
+                <a:latin typeface="+mj-lt"/>
+              </a:rPr>
+              <a:t>Risks</a:t>
+            </a:r>
+          </a:p>
+        </p:txBody>
+      </p:sp>
+    </p:spTree>
+  </p:cSld>
+  <p:clrMapOvr>
+    <a:masterClrMapping/>
+  </p:clrMapOvr>
+</p:sld>
+</file>
+
+<file path=ppt/slides/slide3.xml><?xml version="1.0" encoding="utf-8"?>
+<p:sld xmlns:a="http://schemas.openxmlformats.org/drawingml/2006/main" xmlns:r="http://schemas.openxmlformats.org/officeDocument/2006/relationships" xmlns:p="http://schemas.openxmlformats.org/presentationml/2006/main">
+  <p:cSld>
+    <p:bg>
+      <p:bgPr>
+        <a:solidFill>
+          <a:srgbClr val="F6F3EB"/>
+        </a:solidFill>
+        <a:effectLst/>
+      </p:bgPr>
+    </p:bg>
+    <p:spTree>
+      <p:nvGrpSpPr>
+        <p:cNvPr id="1" name=""/>
+        <p:cNvGrpSpPr/>
+        <p:nvPr/>
+      </p:nvGrpSpPr>
+      <p:grpSpPr>
+        <a:xfrm>
+          <a:off x="0" y="0"/>
+          <a:ext cx="0" cy="0"/>
+          <a:chOff x="0" y="0"/>
+          <a:chExt cx="0" cy="0"/>
+        </a:xfrm>
+      </p:grpSpPr>
+      <p:sp>
+        <p:nvSpPr>
+          <p:cNvPr id="3" name="AutoShape 3"/>
+          <p:cNvSpPr/>
+          <p:nvPr/>
+        </p:nvSpPr>
+        <p:spPr>
+          <a:xfrm>
+            <a:off x="-260599" y="9061267"/>
+            <a:ext cx="7105264" cy="19050"/>
+          </a:xfrm>
+          <a:prstGeom prst="line">
+            <a:avLst/>
+          </a:prstGeom>
+          <a:ln w="114300" cap="flat">
+            <a:solidFill>
+              <a:srgbClr val="9FC3D0"/>
+            </a:solidFill>
+            <a:prstDash val="solid"/>
+            <a:headEnd type="none" w="sm" len="sm"/>
+            <a:tailEnd type="none" w="sm" len="sm"/>
+          </a:ln>
+        </p:spPr>
+        <p:txBody>
+          <a:bodyPr/>
+          <a:lstStyle/>
+          <a:p>
+            <a:endParaRPr lang="zh-TW" altLang="en-US"/>
+          </a:p>
+        </p:txBody>
+      </p:sp>
+      <p:sp>
+        <p:nvSpPr>
+          <p:cNvPr id="4" name="AutoShape 4"/>
+          <p:cNvSpPr/>
+          <p:nvPr/>
+        </p:nvSpPr>
+        <p:spPr>
+          <a:xfrm>
+            <a:off x="11430169" y="9061267"/>
+            <a:ext cx="7105264" cy="19050"/>
+          </a:xfrm>
+          <a:prstGeom prst="line">
+            <a:avLst/>
+          </a:prstGeom>
+          <a:ln w="114300" cap="flat">
+            <a:solidFill>
+              <a:srgbClr val="9FC3D0"/>
+            </a:solidFill>
+            <a:prstDash val="solid"/>
+            <a:headEnd type="none" w="sm" len="sm"/>
+            <a:tailEnd type="none" w="sm" len="sm"/>
+          </a:ln>
+        </p:spPr>
+        <p:txBody>
+          <a:bodyPr/>
+          <a:lstStyle/>
+          <a:p>
+            <a:endParaRPr lang="zh-TW" altLang="en-US"/>
+          </a:p>
+        </p:txBody>
+      </p:sp>
+      <p:sp>
+        <p:nvSpPr>
+          <p:cNvPr id="5" name="Freeform 5"/>
+          <p:cNvSpPr/>
+          <p:nvPr/>
+        </p:nvSpPr>
+        <p:spPr>
+          <a:xfrm>
+            <a:off x="12982861" y="5933231"/>
+            <a:ext cx="7315200" cy="2477783"/>
+          </a:xfrm>
+          <a:custGeom>
+            <a:avLst/>
+            <a:gdLst/>
+            <a:ahLst/>
+            <a:cxnLst/>
+            <a:rect l="l" t="t" r="r" b="b"/>
+            <a:pathLst>
+              <a:path w="7315200" h="2477783">
+                <a:moveTo>
+                  <a:pt x="0" y="0"/>
+                </a:moveTo>
+                <a:lnTo>
+                  <a:pt x="7315200" y="0"/>
+                </a:lnTo>
+                <a:lnTo>
+                  <a:pt x="7315200" y="2477783"/>
+                </a:lnTo>
+                <a:lnTo>
+                  <a:pt x="0" y="2477783"/>
+                </a:lnTo>
+                <a:lnTo>
+                  <a:pt x="0" y="0"/>
+                </a:lnTo>
+                <a:close/>
+              </a:path>
+            </a:pathLst>
+          </a:custGeom>
+          <a:blipFill>
+            <a:blip r:embed="rId2">
+              <a:extLst>
+                <a:ext uri="{96DAC541-7B7A-43D3-8B79-37D633B846F1}">
+                  <asvg:svgBlip xmlns:asvg="http://schemas.microsoft.com/office/drawing/2016/SVG/main" r:embed="rId3"/>
+                </a:ext>
+              </a:extLst>
+            </a:blip>
+            <a:stretch>
+              <a:fillRect/>
+            </a:stretch>
+          </a:blipFill>
+        </p:spPr>
+        <p:txBody>
+          <a:bodyPr/>
+          <a:lstStyle/>
+          <a:p>
+            <a:endParaRPr lang="zh-TW" altLang="en-US"/>
+          </a:p>
+        </p:txBody>
+      </p:sp>
+      <p:sp>
+        <p:nvSpPr>
+          <p:cNvPr id="8" name="TextBox 8"/>
+          <p:cNvSpPr txBox="1"/>
+          <p:nvPr/>
+        </p:nvSpPr>
+        <p:spPr>
+          <a:xfrm>
+            <a:off x="2553980" y="866775"/>
+            <a:ext cx="13180039" cy="1337161"/>
+          </a:xfrm>
+          <a:prstGeom prst="rect">
+            <a:avLst/>
+          </a:prstGeom>
+        </p:spPr>
+        <p:txBody>
+          <a:bodyPr lIns="0" tIns="0" rIns="0" bIns="0" rtlCol="0" anchor="t">
+            <a:spAutoFit/>
+          </a:bodyPr>
+          <a:lstStyle/>
+          <a:p>
+            <a:pPr algn="ctr">
+              <a:lnSpc>
+                <a:spcPts val="11899"/>
+              </a:lnSpc>
+            </a:pPr>
+            <a:r>
+              <a:rPr lang="en-US" sz="6600" dirty="0">
+                <a:solidFill>
+                  <a:srgbClr val="000000"/>
+                </a:solidFill>
+                <a:latin typeface="+mj-lt"/>
+              </a:rPr>
+              <a:t>Introduction</a:t>
+            </a:r>
+          </a:p>
+        </p:txBody>
+      </p:sp>
+      <p:grpSp>
+        <p:nvGrpSpPr>
+          <p:cNvPr id="9" name="Group 9"/>
+          <p:cNvGrpSpPr/>
+          <p:nvPr/>
+        </p:nvGrpSpPr>
+        <p:grpSpPr>
+          <a:xfrm>
+            <a:off x="15859155" y="0"/>
+            <a:ext cx="1562612" cy="1673225"/>
+            <a:chOff x="0" y="0"/>
+            <a:chExt cx="2083482" cy="2230967"/>
+          </a:xfrm>
+        </p:grpSpPr>
+        <p:grpSp>
+          <p:nvGrpSpPr>
+            <p:cNvPr id="10" name="Group 10"/>
+            <p:cNvGrpSpPr/>
+            <p:nvPr/>
+          </p:nvGrpSpPr>
+          <p:grpSpPr>
+            <a:xfrm>
+              <a:off x="75599" y="0"/>
+              <a:ext cx="1932284" cy="2230967"/>
+              <a:chOff x="0" y="0"/>
+              <a:chExt cx="703982" cy="812800"/>
+            </a:xfrm>
+          </p:grpSpPr>
+          <p:sp>
+            <p:nvSpPr>
+              <p:cNvPr id="11" name="Freeform 11"/>
+              <p:cNvSpPr/>
+              <p:nvPr/>
+            </p:nvSpPr>
+            <p:spPr>
+              <a:xfrm>
+                <a:off x="0" y="0"/>
+                <a:ext cx="703982" cy="812800"/>
+              </a:xfrm>
+              <a:custGeom>
+                <a:avLst/>
+                <a:gdLst/>
+                <a:ahLst/>
+                <a:cxnLst/>
+                <a:rect l="l" t="t" r="r" b="b"/>
+                <a:pathLst>
+                  <a:path w="703982" h="812800">
+                    <a:moveTo>
+                      <a:pt x="234787" y="793731"/>
+                    </a:moveTo>
+                    <a:cubicBezTo>
+                      <a:pt x="270879" y="805245"/>
+                      <a:pt x="311910" y="812800"/>
+                      <a:pt x="352180" y="812800"/>
+                    </a:cubicBezTo>
+                    <a:cubicBezTo>
+                      <a:pt x="392452" y="812800"/>
+                      <a:pt x="431204" y="806323"/>
+                      <a:pt x="466915" y="794809"/>
+                    </a:cubicBezTo>
+                    <a:cubicBezTo>
+                      <a:pt x="467675" y="794450"/>
+                      <a:pt x="468435" y="794450"/>
+                      <a:pt x="469194" y="794090"/>
+                    </a:cubicBezTo>
+                    <a:cubicBezTo>
+                      <a:pt x="603304" y="748035"/>
+                      <a:pt x="702082" y="626421"/>
+                      <a:pt x="703982" y="484298"/>
+                    </a:cubicBezTo>
+                    <a:lnTo>
+                      <a:pt x="703982" y="0"/>
+                    </a:lnTo>
+                    <a:lnTo>
+                      <a:pt x="0" y="0"/>
+                    </a:lnTo>
+                    <a:lnTo>
+                      <a:pt x="0" y="483939"/>
+                    </a:lnTo>
+                    <a:cubicBezTo>
+                      <a:pt x="1900" y="627140"/>
+                      <a:pt x="99158" y="748755"/>
+                      <a:pt x="234787" y="793731"/>
+                    </a:cubicBezTo>
+                    <a:close/>
+                  </a:path>
+                </a:pathLst>
+              </a:custGeom>
+              <a:solidFill>
+                <a:srgbClr val="9FC3D0"/>
+              </a:solidFill>
+            </p:spPr>
+            <p:txBody>
+              <a:bodyPr/>
+              <a:lstStyle/>
+              <a:p>
+                <a:endParaRPr lang="zh-TW" altLang="en-US"/>
+              </a:p>
+            </p:txBody>
+          </p:sp>
+          <p:sp>
+            <p:nvSpPr>
+              <p:cNvPr id="12" name="TextBox 12"/>
+              <p:cNvSpPr txBox="1"/>
+              <p:nvPr/>
+            </p:nvSpPr>
+            <p:spPr>
+              <a:xfrm>
+                <a:off x="0" y="-47625"/>
+                <a:ext cx="703982" cy="733425"/>
+              </a:xfrm>
+              <a:prstGeom prst="rect">
+                <a:avLst/>
+              </a:prstGeom>
+            </p:spPr>
+            <p:txBody>
+              <a:bodyPr lIns="50800" tIns="50800" rIns="50800" bIns="50800" rtlCol="0" anchor="ctr"/>
+              <a:lstStyle/>
+              <a:p>
+                <a:pPr algn="ctr">
+                  <a:lnSpc>
+                    <a:spcPts val="2659"/>
+                  </a:lnSpc>
+                </a:pPr>
+                <a:endParaRPr>
+                  <a:latin typeface="+mj-lt"/>
+                </a:endParaRPr>
+              </a:p>
+            </p:txBody>
+          </p:sp>
+        </p:grpSp>
+        <p:sp>
+          <p:nvSpPr>
+            <p:cNvPr id="13" name="TextBox 13"/>
+            <p:cNvSpPr txBox="1"/>
+            <p:nvPr/>
+          </p:nvSpPr>
+          <p:spPr>
+            <a:xfrm>
+              <a:off x="0" y="437582"/>
+              <a:ext cx="2083482" cy="1241504"/>
+            </a:xfrm>
+            <a:prstGeom prst="rect">
+              <a:avLst/>
+            </a:prstGeom>
+          </p:spPr>
+          <p:txBody>
+            <a:bodyPr lIns="0" tIns="0" rIns="0" bIns="0" rtlCol="0" anchor="t">
+              <a:spAutoFit/>
+            </a:bodyPr>
+            <a:lstStyle/>
+            <a:p>
+              <a:pPr algn="ctr">
+                <a:lnSpc>
+                  <a:spcPts val="7805"/>
+                </a:lnSpc>
+              </a:pPr>
+              <a:r>
+                <a:rPr lang="en-US" sz="5575" dirty="0">
+                  <a:solidFill>
+                    <a:srgbClr val="000000"/>
+                  </a:solidFill>
+                  <a:latin typeface="+mj-lt"/>
+                </a:rPr>
+                <a:t>1</a:t>
+              </a:r>
+            </a:p>
+          </p:txBody>
+        </p:sp>
+      </p:grpSp>
+      <p:sp>
+        <p:nvSpPr>
+          <p:cNvPr id="14" name="Freeform 14"/>
+          <p:cNvSpPr/>
+          <p:nvPr/>
+        </p:nvSpPr>
+        <p:spPr>
+          <a:xfrm>
+            <a:off x="-3482681" y="-210192"/>
+            <a:ext cx="7315200" cy="2477783"/>
+          </a:xfrm>
+          <a:custGeom>
+            <a:avLst/>
+            <a:gdLst/>
+            <a:ahLst/>
+            <a:cxnLst/>
+            <a:rect l="l" t="t" r="r" b="b"/>
+            <a:pathLst>
+              <a:path w="7315200" h="2477783">
+                <a:moveTo>
+                  <a:pt x="0" y="0"/>
+                </a:moveTo>
+                <a:lnTo>
+                  <a:pt x="7315200" y="0"/>
+                </a:lnTo>
+                <a:lnTo>
+                  <a:pt x="7315200" y="2477784"/>
+                </a:lnTo>
+                <a:lnTo>
+                  <a:pt x="0" y="2477784"/>
+                </a:lnTo>
+                <a:lnTo>
+                  <a:pt x="0" y="0"/>
+                </a:lnTo>
+                <a:close/>
+              </a:path>
+            </a:pathLst>
+          </a:custGeom>
+          <a:blipFill>
+            <a:blip r:embed="rId2">
+              <a:extLst>
+                <a:ext uri="{96DAC541-7B7A-43D3-8B79-37D633B846F1}">
+                  <asvg:svgBlip xmlns:asvg="http://schemas.microsoft.com/office/drawing/2016/SVG/main" r:embed="rId3"/>
+                </a:ext>
+              </a:extLst>
+            </a:blip>
+            <a:stretch>
+              <a:fillRect/>
+            </a:stretch>
+          </a:blipFill>
+        </p:spPr>
+        <p:txBody>
+          <a:bodyPr/>
+          <a:lstStyle/>
+          <a:p>
+            <a:endParaRPr lang="zh-TW" altLang="en-US"/>
+          </a:p>
+        </p:txBody>
+      </p:sp>
+      <p:sp>
+        <p:nvSpPr>
+          <p:cNvPr id="15" name="TextBox 15"/>
+          <p:cNvSpPr txBox="1"/>
+          <p:nvPr/>
+        </p:nvSpPr>
+        <p:spPr>
+          <a:xfrm>
+            <a:off x="2057400" y="2882032"/>
+            <a:ext cx="14630400" cy="3715954"/>
+          </a:xfrm>
+          <a:prstGeom prst="rect">
+            <a:avLst/>
+          </a:prstGeom>
+        </p:spPr>
+        <p:txBody>
+          <a:bodyPr wrap="square" lIns="0" tIns="0" rIns="0" bIns="0" rtlCol="0" anchor="t">
+            <a:spAutoFit/>
+          </a:bodyPr>
+          <a:lstStyle/>
+          <a:p>
+            <a:pPr>
+              <a:lnSpc>
+                <a:spcPts val="5852"/>
+              </a:lnSpc>
+            </a:pPr>
+            <a:r>
+              <a:rPr lang="en-US" sz="4400" dirty="0">
+                <a:solidFill>
+                  <a:srgbClr val="000000"/>
+                </a:solidFill>
+                <a:latin typeface="+mj-lt"/>
+              </a:rPr>
+              <a:t>This project aims to develop a system that implements theories introduced by a United States laboratory</a:t>
+            </a:r>
+            <a:r>
+              <a:rPr lang="en-US" sz="2000" dirty="0">
+                <a:solidFill>
+                  <a:srgbClr val="000000"/>
+                </a:solidFill>
+                <a:latin typeface="+mj-lt"/>
+              </a:rPr>
+              <a:t>[1] </a:t>
+            </a:r>
+            <a:r>
+              <a:rPr lang="en-US" sz="4400" dirty="0">
+                <a:solidFill>
+                  <a:srgbClr val="000000"/>
+                </a:solidFill>
+                <a:latin typeface="+mj-lt"/>
+              </a:rPr>
+              <a:t>in 1992. Their work emphasized the importance of estimating remaining service life to enable property owners to plan for repairs or demolitions proactively. </a:t>
+            </a:r>
+          </a:p>
+        </p:txBody>
+      </p:sp>
+      <p:sp>
+        <p:nvSpPr>
+          <p:cNvPr id="2" name="文字方塊 1">
+            <a:extLst>
+              <a:ext uri="{FF2B5EF4-FFF2-40B4-BE49-F238E27FC236}">
+                <a16:creationId xmlns:a16="http://schemas.microsoft.com/office/drawing/2014/main" id="{5FBF43CC-8E47-E1FA-E802-9AFA5C049BC2}"/>
+              </a:ext>
+            </a:extLst>
+          </p:cNvPr>
+          <p:cNvSpPr txBox="1"/>
+          <p:nvPr/>
+        </p:nvSpPr>
+        <p:spPr>
+          <a:xfrm>
+            <a:off x="1699643" y="9315071"/>
+            <a:ext cx="16459200" cy="338554"/>
+          </a:xfrm>
+          <a:prstGeom prst="rect">
+            <a:avLst/>
+          </a:prstGeom>
+          <a:noFill/>
+        </p:spPr>
+        <p:txBody>
+          <a:bodyPr wrap="square">
+            <a:spAutoFit/>
+          </a:bodyPr>
+          <a:lstStyle/>
+          <a:p>
+            <a:r>
+              <a:rPr lang="en-US" altLang="zh-TW" sz="1600" b="0" i="0" dirty="0">
+                <a:effectLst/>
+                <a:latin typeface="+mj-lt"/>
+              </a:rPr>
+              <a:t>[1] Building and fire research laboratory. (1992). </a:t>
+            </a:r>
+            <a:r>
+              <a:rPr lang="en-US" altLang="zh-TW" sz="1600" b="0" i="1" dirty="0">
+                <a:effectLst/>
+                <a:latin typeface="+mj-lt"/>
+              </a:rPr>
+              <a:t>Methods for Predicting Remaining Life of Concrete in </a:t>
+            </a:r>
+            <a:r>
+              <a:rPr lang="en-US" altLang="zh-TW" sz="1600" b="0" i="1" dirty="0" err="1">
+                <a:effectLst/>
+                <a:latin typeface="+mj-lt"/>
+              </a:rPr>
+              <a:t>Structures</a:t>
+            </a:r>
+            <a:r>
+              <a:rPr lang="en-US" altLang="zh-TW" sz="1600" b="0" i="0" dirty="0" err="1">
+                <a:effectLst/>
+                <a:latin typeface="+mj-lt"/>
+              </a:rPr>
+              <a:t>.</a:t>
+            </a:r>
+            <a:r>
+              <a:rPr lang="en-US" altLang="zh-TW" sz="1600" b="0" i="0" dirty="0" err="1">
+                <a:solidFill>
+                  <a:srgbClr val="0000FF"/>
+                </a:solidFill>
+                <a:effectLst/>
+                <a:latin typeface="+mj-lt"/>
+                <a:hlinkClick r:id="rId4">
+                  <a:extLst>
+                    <a:ext uri="{A12FA001-AC4F-418D-AE19-62706E023703}">
+                      <ahyp:hlinkClr xmlns:ahyp="http://schemas.microsoft.com/office/drawing/2018/hyperlinkcolor" val="tx"/>
+                    </a:ext>
+                  </a:extLst>
+                </a:hlinkClick>
+              </a:rPr>
+              <a:t>https</a:t>
+            </a:r>
+            <a:r>
+              <a:rPr lang="en-US" altLang="zh-TW" sz="1600" b="0" i="0" dirty="0">
+                <a:solidFill>
+                  <a:srgbClr val="0000FF"/>
+                </a:solidFill>
+                <a:effectLst/>
+                <a:latin typeface="+mj-lt"/>
+                <a:hlinkClick r:id="rId4">
+                  <a:extLst>
+                    <a:ext uri="{A12FA001-AC4F-418D-AE19-62706E023703}">
+                      <ahyp:hlinkClr xmlns:ahyp="http://schemas.microsoft.com/office/drawing/2018/hyperlinkcolor" val="tx"/>
+                    </a:ext>
+                  </a:extLst>
+                </a:hlinkClick>
+              </a:rPr>
+              <a:t>://nvlpubs.nist.gov/nistpubs/Legacy/IR/nistir4954.</a:t>
+            </a:r>
+            <a:r>
+              <a:rPr lang="en-US" altLang="zh-TW" sz="1600" b="0" i="0" dirty="0">
+                <a:effectLst/>
+                <a:latin typeface="+mj-lt"/>
+                <a:hlinkClick r:id="rId4">
+                  <a:extLst>
+                    <a:ext uri="{A12FA001-AC4F-418D-AE19-62706E023703}">
+                      <ahyp:hlinkClr xmlns:ahyp="http://schemas.microsoft.com/office/drawing/2018/hyperlinkcolor" val="tx"/>
+                    </a:ext>
+                  </a:extLst>
+                </a:hlinkClick>
+              </a:rPr>
+              <a:t>pdf</a:t>
+            </a:r>
+            <a:endParaRPr lang="en-US" altLang="zh-TW" sz="1600" b="0" i="0" dirty="0">
+              <a:effectLst/>
+              <a:latin typeface="+mj-lt"/>
+            </a:endParaRPr>
+          </a:p>
+        </p:txBody>
+      </p:sp>
+    </p:spTree>
+  </p:cSld>
+  <p:clrMapOvr>
+    <a:masterClrMapping/>
+  </p:clrMapOvr>
+</p:sld>
+</file>
+
+<file path=ppt/slides/slide4.xml><?xml version="1.0" encoding="utf-8"?>
+<p:sld xmlns:a="http://schemas.openxmlformats.org/drawingml/2006/main" xmlns:r="http://schemas.openxmlformats.org/officeDocument/2006/relationships" xmlns:p="http://schemas.openxmlformats.org/presentationml/2006/main">
+  <p:cSld>
+    <p:bg>
+      <p:bgPr>
+        <a:solidFill>
+          <a:srgbClr val="F6F3EB"/>
+        </a:solidFill>
+        <a:effectLst/>
+      </p:bgPr>
+    </p:bg>
+    <p:spTree>
+      <p:nvGrpSpPr>
+        <p:cNvPr id="1" name=""/>
+        <p:cNvGrpSpPr/>
+        <p:nvPr/>
+      </p:nvGrpSpPr>
+      <p:grpSpPr>
+        <a:xfrm>
+          <a:off x="0" y="0"/>
+          <a:ext cx="0" cy="0"/>
+          <a:chOff x="0" y="0"/>
+          <a:chExt cx="0" cy="0"/>
+        </a:xfrm>
+      </p:grpSpPr>
+      <p:sp>
+        <p:nvSpPr>
+          <p:cNvPr id="2" name="TextBox 2"/>
+          <p:cNvSpPr txBox="1"/>
+          <p:nvPr/>
+        </p:nvSpPr>
+        <p:spPr>
+          <a:xfrm>
+            <a:off x="1028700" y="866775"/>
+            <a:ext cx="16230600" cy="1337161"/>
+          </a:xfrm>
+          <a:prstGeom prst="rect">
+            <a:avLst/>
+          </a:prstGeom>
+        </p:spPr>
+        <p:txBody>
+          <a:bodyPr lIns="0" tIns="0" rIns="0" bIns="0" rtlCol="0" anchor="t">
+            <a:spAutoFit/>
+          </a:bodyPr>
+          <a:lstStyle/>
+          <a:p>
+            <a:pPr algn="ctr">
+              <a:lnSpc>
+                <a:spcPts val="11899"/>
+              </a:lnSpc>
+            </a:pPr>
+            <a:r>
+              <a:rPr lang="en-US" sz="6600" dirty="0">
+                <a:solidFill>
+                  <a:srgbClr val="000000"/>
+                </a:solidFill>
+                <a:latin typeface="+mj-lt"/>
+              </a:rPr>
+              <a:t>Project Goal</a:t>
+            </a:r>
+          </a:p>
+        </p:txBody>
+      </p:sp>
+      <p:grpSp>
+        <p:nvGrpSpPr>
+          <p:cNvPr id="3" name="Group 3"/>
+          <p:cNvGrpSpPr/>
+          <p:nvPr/>
+        </p:nvGrpSpPr>
+        <p:grpSpPr>
+          <a:xfrm>
+            <a:off x="2209800" y="3033995"/>
+            <a:ext cx="15516465" cy="5162130"/>
+            <a:chOff x="0" y="-63120"/>
+            <a:chExt cx="20688620" cy="6882840"/>
+          </a:xfrm>
+        </p:grpSpPr>
+        <p:grpSp>
+          <p:nvGrpSpPr>
+            <p:cNvPr id="4" name="Group 4"/>
+            <p:cNvGrpSpPr/>
+            <p:nvPr/>
+          </p:nvGrpSpPr>
+          <p:grpSpPr>
+            <a:xfrm>
+              <a:off x="0" y="0"/>
+              <a:ext cx="1473815" cy="1473815"/>
+              <a:chOff x="0" y="0"/>
+              <a:chExt cx="812800" cy="812800"/>
+            </a:xfrm>
+          </p:grpSpPr>
+          <p:sp>
+            <p:nvSpPr>
+              <p:cNvPr id="5" name="Freeform 5"/>
+              <p:cNvSpPr/>
+              <p:nvPr/>
+            </p:nvSpPr>
+            <p:spPr>
+              <a:xfrm>
+                <a:off x="0" y="0"/>
+                <a:ext cx="812800" cy="812800"/>
+              </a:xfrm>
+              <a:custGeom>
+                <a:avLst/>
+                <a:gdLst/>
+                <a:ahLst/>
+                <a:cxnLst/>
+                <a:rect l="l" t="t" r="r" b="b"/>
+                <a:pathLst>
+                  <a:path w="812800" h="812800">
+                    <a:moveTo>
+                      <a:pt x="406400" y="0"/>
+                    </a:moveTo>
+                    <a:cubicBezTo>
+                      <a:pt x="181951" y="0"/>
+                      <a:pt x="0" y="181951"/>
+                      <a:pt x="0" y="406400"/>
+                    </a:cubicBezTo>
+                    <a:cubicBezTo>
+                      <a:pt x="0" y="630849"/>
+                      <a:pt x="181951" y="812800"/>
+                      <a:pt x="406400" y="812800"/>
+                    </a:cubicBezTo>
+                    <a:cubicBezTo>
+                      <a:pt x="630849" y="812800"/>
+                      <a:pt x="812800" y="630849"/>
+                      <a:pt x="812800" y="406400"/>
+                    </a:cubicBezTo>
+                    <a:cubicBezTo>
+                      <a:pt x="812800" y="181951"/>
+                      <a:pt x="630849" y="0"/>
+                      <a:pt x="406400" y="0"/>
+                    </a:cubicBezTo>
+                    <a:close/>
+                  </a:path>
+                </a:pathLst>
+              </a:custGeom>
+              <a:solidFill>
+                <a:srgbClr val="E9C7C6"/>
+              </a:solidFill>
+            </p:spPr>
+            <p:txBody>
+              <a:bodyPr/>
+              <a:lstStyle/>
+              <a:p>
+                <a:endParaRPr lang="zh-TW" altLang="en-US"/>
+              </a:p>
+            </p:txBody>
+          </p:sp>
+          <p:sp>
+            <p:nvSpPr>
+              <p:cNvPr id="6" name="TextBox 6"/>
+              <p:cNvSpPr txBox="1"/>
+              <p:nvPr/>
+            </p:nvSpPr>
+            <p:spPr>
+              <a:xfrm>
+                <a:off x="76200" y="38100"/>
+                <a:ext cx="660400" cy="698500"/>
+              </a:xfrm>
+              <a:prstGeom prst="rect">
+                <a:avLst/>
+              </a:prstGeom>
+            </p:spPr>
+            <p:txBody>
+              <a:bodyPr lIns="50800" tIns="50800" rIns="50800" bIns="50800" rtlCol="0" anchor="ctr"/>
+              <a:lstStyle/>
+              <a:p>
+                <a:pPr algn="ctr">
+                  <a:lnSpc>
+                    <a:spcPts val="2659"/>
+                  </a:lnSpc>
+                </a:pPr>
+                <a:endParaRPr>
+                  <a:latin typeface="+mj-lt"/>
+                </a:endParaRPr>
+              </a:p>
+            </p:txBody>
+          </p:sp>
+        </p:grpSp>
+        <p:sp>
+          <p:nvSpPr>
+            <p:cNvPr id="7" name="TextBox 7"/>
+            <p:cNvSpPr txBox="1"/>
+            <p:nvPr/>
+          </p:nvSpPr>
+          <p:spPr>
+            <a:xfrm>
+              <a:off x="0" y="130580"/>
+              <a:ext cx="1473815" cy="1196909"/>
+            </a:xfrm>
+            <a:prstGeom prst="rect">
+              <a:avLst/>
+            </a:prstGeom>
+          </p:spPr>
+          <p:txBody>
+            <a:bodyPr lIns="0" tIns="0" rIns="0" bIns="0" rtlCol="0" anchor="t">
+              <a:spAutoFit/>
+            </a:bodyPr>
+            <a:lstStyle/>
+            <a:p>
+              <a:pPr algn="ctr">
+                <a:lnSpc>
+                  <a:spcPts val="7048"/>
+                </a:lnSpc>
+              </a:pPr>
+              <a:r>
+                <a:rPr lang="en-US" sz="5034">
+                  <a:solidFill>
+                    <a:srgbClr val="000000"/>
+                  </a:solidFill>
+                  <a:latin typeface="+mj-lt"/>
+                </a:rPr>
+                <a:t>1</a:t>
+              </a:r>
+            </a:p>
+          </p:txBody>
+        </p:sp>
+        <p:sp>
+          <p:nvSpPr>
+            <p:cNvPr id="10" name="TextBox 10"/>
+            <p:cNvSpPr txBox="1"/>
+            <p:nvPr/>
+          </p:nvSpPr>
+          <p:spPr>
+            <a:xfrm>
+              <a:off x="138171" y="2811123"/>
+              <a:ext cx="1197475" cy="1266560"/>
+            </a:xfrm>
+            <a:prstGeom prst="rect">
+              <a:avLst/>
+            </a:prstGeom>
+          </p:spPr>
+          <p:txBody>
+            <a:bodyPr lIns="50800" tIns="50800" rIns="50800" bIns="50800" rtlCol="0" anchor="ctr"/>
+            <a:lstStyle/>
+            <a:p>
+              <a:pPr algn="ctr">
+                <a:lnSpc>
+                  <a:spcPts val="2659"/>
+                </a:lnSpc>
+              </a:pPr>
+              <a:endParaRPr>
+                <a:latin typeface="+mj-lt"/>
+              </a:endParaRPr>
+            </a:p>
+          </p:txBody>
+        </p:sp>
+        <p:sp>
+          <p:nvSpPr>
+            <p:cNvPr id="14" name="TextBox 14"/>
+            <p:cNvSpPr txBox="1"/>
+            <p:nvPr/>
+          </p:nvSpPr>
+          <p:spPr>
+            <a:xfrm>
+              <a:off x="138171" y="5553160"/>
+              <a:ext cx="1197475" cy="1266560"/>
+            </a:xfrm>
+            <a:prstGeom prst="rect">
+              <a:avLst/>
+            </a:prstGeom>
+          </p:spPr>
+          <p:txBody>
+            <a:bodyPr lIns="50800" tIns="50800" rIns="50800" bIns="50800" rtlCol="0" anchor="ctr"/>
+            <a:lstStyle/>
+            <a:p>
+              <a:pPr algn="ctr">
+                <a:lnSpc>
+                  <a:spcPts val="2659"/>
+                </a:lnSpc>
+              </a:pPr>
+              <a:endParaRPr>
+                <a:latin typeface="+mj-lt"/>
+              </a:endParaRPr>
+            </a:p>
+          </p:txBody>
+        </p:sp>
+        <p:sp>
+          <p:nvSpPr>
+            <p:cNvPr id="16" name="TextBox 16"/>
+            <p:cNvSpPr txBox="1"/>
+            <p:nvPr/>
+          </p:nvSpPr>
+          <p:spPr>
+            <a:xfrm>
+              <a:off x="1711697" y="-63120"/>
+              <a:ext cx="18976923" cy="3895340"/>
+            </a:xfrm>
+            <a:prstGeom prst="rect">
+              <a:avLst/>
+            </a:prstGeom>
+          </p:spPr>
+          <p:txBody>
+            <a:bodyPr lIns="0" tIns="0" rIns="0" bIns="0" rtlCol="0" anchor="t">
+              <a:spAutoFit/>
+            </a:bodyPr>
+            <a:lstStyle/>
+            <a:p>
+              <a:pPr>
+                <a:lnSpc>
+                  <a:spcPct val="150000"/>
+                </a:lnSpc>
+              </a:pPr>
+              <a:r>
+                <a:rPr lang="en-US" sz="4400" dirty="0">
+                  <a:solidFill>
+                    <a:srgbClr val="000000"/>
+                  </a:solidFill>
+                  <a:latin typeface="+mj-lt"/>
+                </a:rPr>
+                <a:t>This project aims to develop a program that implements the theories, with the goal of </a:t>
+              </a:r>
+              <a:r>
+                <a:rPr lang="en-US" sz="4400" dirty="0">
+                  <a:solidFill>
+                    <a:srgbClr val="FF0000"/>
+                  </a:solidFill>
+                  <a:latin typeface="+mj-lt"/>
+                </a:rPr>
+                <a:t>predicting the remaining service life of concrete</a:t>
+              </a:r>
+              <a:r>
+                <a:rPr lang="en-US" sz="4400" dirty="0">
+                  <a:solidFill>
+                    <a:srgbClr val="000000"/>
+                  </a:solidFill>
+                  <a:latin typeface="+mj-lt"/>
+                </a:rPr>
+                <a:t> structures.</a:t>
+              </a:r>
+            </a:p>
+          </p:txBody>
+        </p:sp>
+      </p:grpSp>
+      <p:sp>
+        <p:nvSpPr>
+          <p:cNvPr id="23" name="AutoShape 23"/>
+          <p:cNvSpPr/>
+          <p:nvPr/>
+        </p:nvSpPr>
+        <p:spPr>
+          <a:xfrm flipH="1" flipV="1">
+            <a:off x="1085850" y="7289441"/>
+            <a:ext cx="5403" cy="2997456"/>
+          </a:xfrm>
+          <a:prstGeom prst="line">
+            <a:avLst/>
+          </a:prstGeom>
+          <a:ln w="114300" cap="flat">
+            <a:solidFill>
+              <a:srgbClr val="9FC3D0"/>
+            </a:solidFill>
+            <a:prstDash val="solid"/>
+            <a:headEnd type="none" w="sm" len="sm"/>
+            <a:tailEnd type="none" w="sm" len="sm"/>
+          </a:ln>
+        </p:spPr>
+        <p:txBody>
+          <a:bodyPr/>
+          <a:lstStyle/>
+          <a:p>
+            <a:endParaRPr lang="zh-TW" altLang="en-US"/>
+          </a:p>
+        </p:txBody>
+      </p:sp>
+      <p:sp>
+        <p:nvSpPr>
+          <p:cNvPr id="24" name="AutoShape 24"/>
+          <p:cNvSpPr/>
+          <p:nvPr/>
+        </p:nvSpPr>
+        <p:spPr>
+          <a:xfrm flipV="1">
+            <a:off x="1085850" y="-104525"/>
+            <a:ext cx="4640" cy="8298836"/>
+          </a:xfrm>
+          <a:prstGeom prst="line">
+            <a:avLst/>
+          </a:prstGeom>
+          <a:ln w="114300" cap="flat">
+            <a:solidFill>
+              <a:srgbClr val="9FC3D0"/>
+            </a:solidFill>
+            <a:prstDash val="solid"/>
+            <a:headEnd type="none" w="sm" len="sm"/>
+            <a:tailEnd type="none" w="sm" len="sm"/>
+          </a:ln>
+        </p:spPr>
+        <p:txBody>
+          <a:bodyPr/>
+          <a:lstStyle/>
+          <a:p>
+            <a:endParaRPr lang="zh-TW" altLang="en-US"/>
+          </a:p>
+        </p:txBody>
+      </p:sp>
+      <p:grpSp>
+        <p:nvGrpSpPr>
+          <p:cNvPr id="25" name="Group 25"/>
+          <p:cNvGrpSpPr/>
+          <p:nvPr/>
+        </p:nvGrpSpPr>
+        <p:grpSpPr>
+          <a:xfrm>
+            <a:off x="15859155" y="0"/>
+            <a:ext cx="1562612" cy="1673225"/>
+            <a:chOff x="0" y="0"/>
+            <a:chExt cx="2083482" cy="2230967"/>
+          </a:xfrm>
+        </p:grpSpPr>
+        <p:grpSp>
+          <p:nvGrpSpPr>
+            <p:cNvPr id="26" name="Group 26"/>
+            <p:cNvGrpSpPr/>
+            <p:nvPr/>
+          </p:nvGrpSpPr>
+          <p:grpSpPr>
+            <a:xfrm>
+              <a:off x="75599" y="0"/>
+              <a:ext cx="1932284" cy="2230967"/>
+              <a:chOff x="0" y="0"/>
+              <a:chExt cx="703982" cy="812800"/>
+            </a:xfrm>
+          </p:grpSpPr>
+          <p:sp>
+            <p:nvSpPr>
+              <p:cNvPr id="27" name="Freeform 27"/>
+              <p:cNvSpPr/>
+              <p:nvPr/>
+            </p:nvSpPr>
+            <p:spPr>
+              <a:xfrm>
+                <a:off x="0" y="0"/>
+                <a:ext cx="703982" cy="812800"/>
+              </a:xfrm>
+              <a:custGeom>
+                <a:avLst/>
+                <a:gdLst/>
+                <a:ahLst/>
+                <a:cxnLst/>
+                <a:rect l="l" t="t" r="r" b="b"/>
+                <a:pathLst>
+                  <a:path w="703982" h="812800">
+                    <a:moveTo>
+                      <a:pt x="234787" y="793731"/>
+                    </a:moveTo>
+                    <a:cubicBezTo>
+                      <a:pt x="270879" y="805245"/>
+                      <a:pt x="311910" y="812800"/>
+                      <a:pt x="352180" y="812800"/>
+                    </a:cubicBezTo>
+                    <a:cubicBezTo>
+                      <a:pt x="392452" y="812800"/>
+                      <a:pt x="431204" y="806323"/>
+                      <a:pt x="466915" y="794809"/>
+                    </a:cubicBezTo>
+                    <a:cubicBezTo>
+                      <a:pt x="467675" y="794450"/>
+                      <a:pt x="468435" y="794450"/>
+                      <a:pt x="469194" y="794090"/>
+                    </a:cubicBezTo>
+                    <a:cubicBezTo>
+                      <a:pt x="603304" y="748035"/>
+                      <a:pt x="702082" y="626421"/>
+                      <a:pt x="703982" y="484298"/>
+                    </a:cubicBezTo>
+                    <a:lnTo>
+                      <a:pt x="703982" y="0"/>
+                    </a:lnTo>
+                    <a:lnTo>
+                      <a:pt x="0" y="0"/>
+                    </a:lnTo>
+                    <a:lnTo>
+                      <a:pt x="0" y="483939"/>
+                    </a:lnTo>
+                    <a:cubicBezTo>
+                      <a:pt x="1900" y="627140"/>
+                      <a:pt x="99158" y="748755"/>
+                      <a:pt x="234787" y="793731"/>
+                    </a:cubicBezTo>
+                    <a:close/>
+                  </a:path>
+                </a:pathLst>
+              </a:custGeom>
+              <a:solidFill>
+                <a:srgbClr val="9FC3D0"/>
+              </a:solidFill>
+            </p:spPr>
+            <p:txBody>
+              <a:bodyPr/>
+              <a:lstStyle/>
+              <a:p>
+                <a:endParaRPr lang="zh-TW" altLang="en-US"/>
+              </a:p>
+            </p:txBody>
+          </p:sp>
+          <p:sp>
+            <p:nvSpPr>
+              <p:cNvPr id="28" name="TextBox 28"/>
+              <p:cNvSpPr txBox="1"/>
+              <p:nvPr/>
+            </p:nvSpPr>
+            <p:spPr>
+              <a:xfrm>
+                <a:off x="0" y="-47625"/>
+                <a:ext cx="703982" cy="733425"/>
+              </a:xfrm>
+              <a:prstGeom prst="rect">
+                <a:avLst/>
+              </a:prstGeom>
+            </p:spPr>
+            <p:txBody>
+              <a:bodyPr lIns="50800" tIns="50800" rIns="50800" bIns="50800" rtlCol="0" anchor="ctr"/>
+              <a:lstStyle/>
+              <a:p>
+                <a:pPr algn="ctr">
+                  <a:lnSpc>
+                    <a:spcPts val="2659"/>
+                  </a:lnSpc>
+                </a:pPr>
+                <a:endParaRPr>
+                  <a:latin typeface="+mj-lt"/>
+                </a:endParaRPr>
+              </a:p>
+            </p:txBody>
+          </p:sp>
+        </p:grpSp>
+        <p:sp>
+          <p:nvSpPr>
+            <p:cNvPr id="29" name="TextBox 29"/>
+            <p:cNvSpPr txBox="1"/>
+            <p:nvPr/>
+          </p:nvSpPr>
+          <p:spPr>
+            <a:xfrm>
+              <a:off x="0" y="437581"/>
+              <a:ext cx="2083482" cy="1217256"/>
+            </a:xfrm>
+            <a:prstGeom prst="rect">
+              <a:avLst/>
+            </a:prstGeom>
+          </p:spPr>
+          <p:txBody>
+            <a:bodyPr lIns="0" tIns="0" rIns="0" bIns="0" rtlCol="0" anchor="t">
+              <a:spAutoFit/>
+            </a:bodyPr>
+            <a:lstStyle/>
+            <a:p>
+              <a:pPr algn="ctr">
+                <a:lnSpc>
+                  <a:spcPts val="7805"/>
+                </a:lnSpc>
+              </a:pPr>
+              <a:r>
+                <a:rPr lang="en-US" sz="5575" dirty="0">
+                  <a:solidFill>
+                    <a:srgbClr val="000000"/>
+                  </a:solidFill>
+                  <a:latin typeface="+mj-lt"/>
+                </a:rPr>
+                <a:t>2</a:t>
+              </a:r>
+            </a:p>
+          </p:txBody>
+        </p:sp>
+      </p:grpSp>
+      <p:sp>
+        <p:nvSpPr>
+          <p:cNvPr id="30" name="Freeform 30"/>
+          <p:cNvSpPr/>
+          <p:nvPr/>
+        </p:nvSpPr>
+        <p:spPr>
+          <a:xfrm>
+            <a:off x="12062189" y="7962900"/>
+            <a:ext cx="7315200" cy="2477783"/>
+          </a:xfrm>
+          <a:custGeom>
+            <a:avLst/>
+            <a:gdLst/>
+            <a:ahLst/>
+            <a:cxnLst/>
+            <a:rect l="l" t="t" r="r" b="b"/>
+            <a:pathLst>
+              <a:path w="7315200" h="2477783">
+                <a:moveTo>
+                  <a:pt x="0" y="0"/>
+                </a:moveTo>
+                <a:lnTo>
+                  <a:pt x="7315200" y="0"/>
+                </a:lnTo>
+                <a:lnTo>
+                  <a:pt x="7315200" y="2477784"/>
+                </a:lnTo>
+                <a:lnTo>
+                  <a:pt x="0" y="2477784"/>
+                </a:lnTo>
+                <a:lnTo>
+                  <a:pt x="0" y="0"/>
+                </a:lnTo>
+                <a:close/>
+              </a:path>
+            </a:pathLst>
+          </a:custGeom>
+          <a:blipFill>
+            <a:blip r:embed="rId2">
+              <a:extLst>
+                <a:ext uri="{96DAC541-7B7A-43D3-8B79-37D633B846F1}">
+                  <asvg:svgBlip xmlns:asvg="http://schemas.microsoft.com/office/drawing/2016/SVG/main" r:embed="rId3"/>
+                </a:ext>
+              </a:extLst>
+            </a:blip>
+            <a:stretch>
+              <a:fillRect/>
+            </a:stretch>
+          </a:blipFill>
+        </p:spPr>
+        <p:txBody>
+          <a:bodyPr/>
+          <a:lstStyle/>
+          <a:p>
+            <a:endParaRPr lang="zh-TW" altLang="en-US"/>
+          </a:p>
+        </p:txBody>
+      </p:sp>
+      <p:sp>
+        <p:nvSpPr>
+          <p:cNvPr id="31" name="Freeform 31"/>
+          <p:cNvSpPr/>
+          <p:nvPr/>
+        </p:nvSpPr>
+        <p:spPr>
+          <a:xfrm>
+            <a:off x="1564423" y="-1641171"/>
+            <a:ext cx="7315200" cy="2477783"/>
+          </a:xfrm>
+          <a:custGeom>
+            <a:avLst/>
+            <a:gdLst/>
+            <a:ahLst/>
+            <a:cxnLst/>
+            <a:rect l="l" t="t" r="r" b="b"/>
+            <a:pathLst>
+              <a:path w="7315200" h="2477783">
+                <a:moveTo>
+                  <a:pt x="0" y="0"/>
+                </a:moveTo>
+                <a:lnTo>
+                  <a:pt x="7315200" y="0"/>
+                </a:lnTo>
+                <a:lnTo>
+                  <a:pt x="7315200" y="2477784"/>
+                </a:lnTo>
+                <a:lnTo>
+                  <a:pt x="0" y="2477784"/>
+                </a:lnTo>
+                <a:lnTo>
+                  <a:pt x="0" y="0"/>
+                </a:lnTo>
+                <a:close/>
+              </a:path>
+            </a:pathLst>
+          </a:custGeom>
+          <a:blipFill>
+            <a:blip r:embed="rId2">
+              <a:extLst>
+                <a:ext uri="{96DAC541-7B7A-43D3-8B79-37D633B846F1}">
+                  <asvg:svgBlip xmlns:asvg="http://schemas.microsoft.com/office/drawing/2016/SVG/main" r:embed="rId3"/>
+                </a:ext>
+              </a:extLst>
+            </a:blip>
+            <a:stretch>
+              <a:fillRect/>
+            </a:stretch>
+          </a:blipFill>
+        </p:spPr>
+        <p:txBody>
+          <a:bodyPr/>
+          <a:lstStyle/>
+          <a:p>
+            <a:endParaRPr lang="zh-TW" altLang="en-US"/>
+          </a:p>
+        </p:txBody>
+      </p:sp>
+    </p:spTree>
+  </p:cSld>
+  <p:clrMapOvr>
+    <a:masterClrMapping/>
+  </p:clrMapOvr>
+</p:sld>
+</file>
+
+<file path=ppt/slides/slide5.xml><?xml version="1.0" encoding="utf-8"?>
+<p:sld xmlns:a="http://schemas.openxmlformats.org/drawingml/2006/main" xmlns:r="http://schemas.openxmlformats.org/officeDocument/2006/relationships" xmlns:p="http://schemas.openxmlformats.org/presentationml/2006/main">
+  <p:cSld>
+    <p:bg>
+      <p:bgPr>
+        <a:solidFill>
+          <a:srgbClr val="F6F3EB"/>
+        </a:solidFill>
+        <a:effectLst/>
+      </p:bgPr>
+    </p:bg>
+    <p:spTree>
+      <p:nvGrpSpPr>
+        <p:cNvPr id="1" name="">
+          <a:extLst>
+            <a:ext uri="{FF2B5EF4-FFF2-40B4-BE49-F238E27FC236}">
+              <a16:creationId xmlns:a16="http://schemas.microsoft.com/office/drawing/2014/main" id="{789FD521-BA62-CC81-62B4-1A4F557566B0}"/>
+            </a:ext>
+          </a:extLst>
+        </p:cNvPr>
+        <p:cNvGrpSpPr/>
+        <p:nvPr/>
+      </p:nvGrpSpPr>
+      <p:grpSpPr>
+        <a:xfrm>
+          <a:off x="0" y="0"/>
+          <a:ext cx="0" cy="0"/>
+          <a:chOff x="0" y="0"/>
+          <a:chExt cx="0" cy="0"/>
+        </a:xfrm>
+      </p:grpSpPr>
+      <p:sp>
+        <p:nvSpPr>
+          <p:cNvPr id="2" name="TextBox 2">
+            <a:extLst>
+              <a:ext uri="{FF2B5EF4-FFF2-40B4-BE49-F238E27FC236}">
+                <a16:creationId xmlns:a16="http://schemas.microsoft.com/office/drawing/2014/main" id="{645FB7D2-FEE3-D672-E354-2262CE357B04}"/>
+              </a:ext>
+            </a:extLst>
+          </p:cNvPr>
+          <p:cNvSpPr txBox="1"/>
+          <p:nvPr/>
+        </p:nvSpPr>
+        <p:spPr>
+          <a:xfrm>
+            <a:off x="3132953" y="76982"/>
+            <a:ext cx="12260018" cy="1378070"/>
+          </a:xfrm>
+          <a:prstGeom prst="rect">
+            <a:avLst/>
+          </a:prstGeom>
+        </p:spPr>
+        <p:txBody>
+          <a:bodyPr wrap="square" lIns="0" tIns="0" rIns="0" bIns="0" rtlCol="0" anchor="t">
+            <a:spAutoFit/>
+          </a:bodyPr>
+          <a:lstStyle/>
+          <a:p>
+            <a:pPr algn="ctr">
+              <a:lnSpc>
+                <a:spcPts val="11899"/>
+              </a:lnSpc>
+            </a:pPr>
+            <a:r>
+              <a:rPr lang="en-US" altLang="zh-TW" sz="6600" dirty="0">
+                <a:latin typeface="+mj-lt"/>
+                <a:ea typeface="微軟正黑體"/>
+              </a:rPr>
+              <a:t>Prototype demonstration</a:t>
+            </a:r>
+            <a:endParaRPr lang="zh-TW" altLang="en-US" sz="1400" dirty="0">
+              <a:latin typeface="+mj-lt"/>
+            </a:endParaRPr>
+          </a:p>
+        </p:txBody>
+      </p:sp>
+      <p:grpSp>
+        <p:nvGrpSpPr>
+          <p:cNvPr id="19" name="Group 19">
+            <a:extLst>
+              <a:ext uri="{FF2B5EF4-FFF2-40B4-BE49-F238E27FC236}">
+                <a16:creationId xmlns:a16="http://schemas.microsoft.com/office/drawing/2014/main" id="{0374B6AE-AAD0-243D-CB86-2EA0B09D8E21}"/>
+              </a:ext>
+            </a:extLst>
+          </p:cNvPr>
+          <p:cNvGrpSpPr/>
+          <p:nvPr/>
+        </p:nvGrpSpPr>
+        <p:grpSpPr>
+          <a:xfrm>
+            <a:off x="15859155" y="0"/>
+            <a:ext cx="1562612" cy="1673225"/>
+            <a:chOff x="0" y="0"/>
+            <a:chExt cx="2083482" cy="2230967"/>
+          </a:xfrm>
+        </p:grpSpPr>
+        <p:grpSp>
+          <p:nvGrpSpPr>
+            <p:cNvPr id="20" name="Group 20">
+              <a:extLst>
+                <a:ext uri="{FF2B5EF4-FFF2-40B4-BE49-F238E27FC236}">
+                  <a16:creationId xmlns:a16="http://schemas.microsoft.com/office/drawing/2014/main" id="{187DB6B5-B1C8-E2EF-AD34-13A74359BEF7}"/>
+                </a:ext>
+              </a:extLst>
+            </p:cNvPr>
+            <p:cNvGrpSpPr/>
+            <p:nvPr/>
+          </p:nvGrpSpPr>
+          <p:grpSpPr>
+            <a:xfrm>
+              <a:off x="75599" y="0"/>
+              <a:ext cx="1932284" cy="2230967"/>
+              <a:chOff x="0" y="0"/>
+              <a:chExt cx="703982" cy="812800"/>
+            </a:xfrm>
+          </p:grpSpPr>
+          <p:sp>
+            <p:nvSpPr>
+              <p:cNvPr id="21" name="Freeform 21">
+                <a:extLst>
+                  <a:ext uri="{FF2B5EF4-FFF2-40B4-BE49-F238E27FC236}">
+                    <a16:creationId xmlns:a16="http://schemas.microsoft.com/office/drawing/2014/main" id="{98E6A8B2-A03F-5D98-5512-BD343DC57EF6}"/>
+                  </a:ext>
+                </a:extLst>
+              </p:cNvPr>
+              <p:cNvSpPr/>
+              <p:nvPr/>
+            </p:nvSpPr>
+            <p:spPr>
+              <a:xfrm>
+                <a:off x="0" y="0"/>
+                <a:ext cx="703982" cy="812800"/>
+              </a:xfrm>
+              <a:custGeom>
+                <a:avLst/>
+                <a:gdLst/>
+                <a:ahLst/>
+                <a:cxnLst/>
+                <a:rect l="l" t="t" r="r" b="b"/>
+                <a:pathLst>
+                  <a:path w="703982" h="812800">
+                    <a:moveTo>
+                      <a:pt x="234787" y="793731"/>
+                    </a:moveTo>
+                    <a:cubicBezTo>
+                      <a:pt x="270879" y="805245"/>
+                      <a:pt x="311910" y="812800"/>
+                      <a:pt x="352180" y="812800"/>
+                    </a:cubicBezTo>
+                    <a:cubicBezTo>
+                      <a:pt x="392452" y="812800"/>
+                      <a:pt x="431204" y="806323"/>
+                      <a:pt x="466915" y="794809"/>
+                    </a:cubicBezTo>
+                    <a:cubicBezTo>
+                      <a:pt x="467675" y="794450"/>
+                      <a:pt x="468435" y="794450"/>
+                      <a:pt x="469194" y="794090"/>
+                    </a:cubicBezTo>
+                    <a:cubicBezTo>
+                      <a:pt x="603304" y="748035"/>
+                      <a:pt x="702082" y="626421"/>
+                      <a:pt x="703982" y="484298"/>
+                    </a:cubicBezTo>
+                    <a:lnTo>
+                      <a:pt x="703982" y="0"/>
+                    </a:lnTo>
+                    <a:lnTo>
+                      <a:pt x="0" y="0"/>
+                    </a:lnTo>
+                    <a:lnTo>
+                      <a:pt x="0" y="483939"/>
+                    </a:lnTo>
+                    <a:cubicBezTo>
+                      <a:pt x="1900" y="627140"/>
+                      <a:pt x="99158" y="748755"/>
+                      <a:pt x="234787" y="793731"/>
+                    </a:cubicBezTo>
+                    <a:close/>
+                  </a:path>
+                </a:pathLst>
+              </a:custGeom>
+              <a:solidFill>
+                <a:srgbClr val="9FC3D0"/>
+              </a:solidFill>
+            </p:spPr>
+            <p:txBody>
+              <a:bodyPr/>
+              <a:lstStyle/>
+              <a:p>
+                <a:endParaRPr lang="zh-TW" altLang="en-US">
+                  <a:latin typeface="+mj-lt"/>
+                </a:endParaRPr>
+              </a:p>
+            </p:txBody>
+          </p:sp>
+          <p:sp>
+            <p:nvSpPr>
+              <p:cNvPr id="22" name="TextBox 22">
+                <a:extLst>
+                  <a:ext uri="{FF2B5EF4-FFF2-40B4-BE49-F238E27FC236}">
+                    <a16:creationId xmlns:a16="http://schemas.microsoft.com/office/drawing/2014/main" id="{4C1B6D24-7D6C-51BE-AB0A-1937EBE5CDD1}"/>
+                  </a:ext>
+                </a:extLst>
+              </p:cNvPr>
+              <p:cNvSpPr txBox="1"/>
+              <p:nvPr/>
+            </p:nvSpPr>
+            <p:spPr>
+              <a:xfrm>
+                <a:off x="0" y="-47625"/>
+                <a:ext cx="703982" cy="733425"/>
+              </a:xfrm>
+              <a:prstGeom prst="rect">
+                <a:avLst/>
+              </a:prstGeom>
+            </p:spPr>
+            <p:txBody>
+              <a:bodyPr lIns="50800" tIns="50800" rIns="50800" bIns="50800" rtlCol="0" anchor="ctr"/>
+              <a:lstStyle/>
+              <a:p>
+                <a:pPr algn="ctr">
+                  <a:lnSpc>
+                    <a:spcPts val="2659"/>
+                  </a:lnSpc>
+                </a:pPr>
+                <a:endParaRPr>
+                  <a:latin typeface="+mj-lt"/>
+                </a:endParaRPr>
+              </a:p>
+            </p:txBody>
+          </p:sp>
+        </p:grpSp>
+        <p:sp>
+          <p:nvSpPr>
+            <p:cNvPr id="23" name="TextBox 23">
+              <a:extLst>
+                <a:ext uri="{FF2B5EF4-FFF2-40B4-BE49-F238E27FC236}">
+                  <a16:creationId xmlns:a16="http://schemas.microsoft.com/office/drawing/2014/main" id="{C0F8B08F-B755-D47B-3118-EF180FFD1605}"/>
+                </a:ext>
+              </a:extLst>
+            </p:cNvPr>
+            <p:cNvSpPr txBox="1"/>
+            <p:nvPr/>
+          </p:nvSpPr>
+          <p:spPr>
+            <a:xfrm>
+              <a:off x="0" y="437582"/>
+              <a:ext cx="2083482" cy="1241504"/>
+            </a:xfrm>
+            <a:prstGeom prst="rect">
+              <a:avLst/>
+            </a:prstGeom>
+          </p:spPr>
+          <p:txBody>
+            <a:bodyPr lIns="0" tIns="0" rIns="0" bIns="0" rtlCol="0" anchor="t">
+              <a:spAutoFit/>
+            </a:bodyPr>
+            <a:lstStyle/>
+            <a:p>
+              <a:pPr algn="ctr">
+                <a:lnSpc>
+                  <a:spcPts val="7805"/>
+                </a:lnSpc>
+              </a:pPr>
+              <a:r>
+                <a:rPr lang="en-US" sz="5550" dirty="0">
+                  <a:solidFill>
+                    <a:srgbClr val="000000"/>
+                  </a:solidFill>
+                  <a:latin typeface="+mj-lt"/>
+                  <a:ea typeface="Open Sans Bold"/>
+                  <a:cs typeface="Open Sans Bold"/>
+                </a:rPr>
+                <a:t>3</a:t>
+              </a:r>
+            </a:p>
+          </p:txBody>
+        </p:sp>
+      </p:grpSp>
+      <p:sp>
+        <p:nvSpPr>
+          <p:cNvPr id="24" name="Freeform 24">
+            <a:extLst>
+              <a:ext uri="{FF2B5EF4-FFF2-40B4-BE49-F238E27FC236}">
+                <a16:creationId xmlns:a16="http://schemas.microsoft.com/office/drawing/2014/main" id="{D970321B-1F5D-F05B-542A-810876EB6556}"/>
+              </a:ext>
+            </a:extLst>
+          </p:cNvPr>
+          <p:cNvSpPr/>
+          <p:nvPr/>
+        </p:nvSpPr>
+        <p:spPr>
+          <a:xfrm>
+            <a:off x="7512165" y="-1553858"/>
+            <a:ext cx="7315200" cy="2477783"/>
+          </a:xfrm>
+          <a:custGeom>
+            <a:avLst/>
+            <a:gdLst/>
+            <a:ahLst/>
+            <a:cxnLst/>
+            <a:rect l="l" t="t" r="r" b="b"/>
+            <a:pathLst>
+              <a:path w="7315200" h="2477783">
+                <a:moveTo>
+                  <a:pt x="0" y="0"/>
+                </a:moveTo>
+                <a:lnTo>
+                  <a:pt x="7315200" y="0"/>
+                </a:lnTo>
+                <a:lnTo>
+                  <a:pt x="7315200" y="2477783"/>
+                </a:lnTo>
+                <a:lnTo>
+                  <a:pt x="0" y="2477783"/>
+                </a:lnTo>
+                <a:lnTo>
+                  <a:pt x="0" y="0"/>
+                </a:lnTo>
+                <a:close/>
+              </a:path>
+            </a:pathLst>
+          </a:custGeom>
+          <a:blipFill>
+            <a:blip r:embed="rId3">
+              <a:extLst>
+                <a:ext uri="{96DAC541-7B7A-43D3-8B79-37D633B846F1}">
+                  <asvg:svgBlip xmlns:asvg="http://schemas.microsoft.com/office/drawing/2016/SVG/main" r:embed="rId4"/>
+                </a:ext>
+              </a:extLst>
+            </a:blip>
+            <a:stretch>
+              <a:fillRect/>
+            </a:stretch>
+          </a:blipFill>
+        </p:spPr>
+        <p:txBody>
+          <a:bodyPr/>
+          <a:lstStyle/>
+          <a:p>
+            <a:endParaRPr lang="zh-TW" altLang="en-US">
+              <a:latin typeface="+mj-lt"/>
+            </a:endParaRPr>
+          </a:p>
+        </p:txBody>
+      </p:sp>
+      <p:pic>
+        <p:nvPicPr>
+          <p:cNvPr id="3" name="圖片 2">
+            <a:extLst>
+              <a:ext uri="{FF2B5EF4-FFF2-40B4-BE49-F238E27FC236}">
+                <a16:creationId xmlns:a16="http://schemas.microsoft.com/office/drawing/2014/main" id="{CA36C1F9-3C7C-644D-9F52-E80DECC43145}"/>
+              </a:ext>
+            </a:extLst>
+          </p:cNvPr>
+          <p:cNvPicPr>
+            <a:picLocks noChangeAspect="1"/>
+          </p:cNvPicPr>
+          <p:nvPr/>
+        </p:nvPicPr>
+        <p:blipFill>
+          <a:blip r:embed="rId5"/>
+          <a:stretch>
+            <a:fillRect/>
+          </a:stretch>
+        </p:blipFill>
+        <p:spPr>
+          <a:xfrm>
+            <a:off x="200025" y="2424539"/>
+            <a:ext cx="17887950" cy="7572375"/>
+          </a:xfrm>
+          <a:prstGeom prst="rect">
+            <a:avLst/>
+          </a:prstGeom>
+        </p:spPr>
+      </p:pic>
+      <p:sp>
+        <p:nvSpPr>
+          <p:cNvPr id="4" name="TextBox 2">
+            <a:extLst>
+              <a:ext uri="{FF2B5EF4-FFF2-40B4-BE49-F238E27FC236}">
+                <a16:creationId xmlns:a16="http://schemas.microsoft.com/office/drawing/2014/main" id="{E15BFD06-25EE-6828-AA82-47E0D747994A}"/>
+              </a:ext>
+            </a:extLst>
+          </p:cNvPr>
+          <p:cNvSpPr txBox="1"/>
+          <p:nvPr/>
+        </p:nvSpPr>
+        <p:spPr>
+          <a:xfrm>
+            <a:off x="741516" y="1725511"/>
+            <a:ext cx="6770649" cy="538609"/>
+          </a:xfrm>
+          <a:prstGeom prst="rect">
+            <a:avLst/>
+          </a:prstGeom>
+        </p:spPr>
+        <p:txBody>
+          <a:bodyPr wrap="square" lIns="0" tIns="0" rIns="0" bIns="0" rtlCol="0" anchor="t">
+            <a:spAutoFit/>
+          </a:bodyPr>
+          <a:lstStyle/>
+          <a:p>
+            <a:pPr marL="571500" indent="-571500">
+              <a:buFont typeface="Arial" panose="020B0604020202020204" pitchFamily="34" charset="0"/>
+              <a:buChar char="•"/>
+            </a:pPr>
+            <a:r>
+              <a:rPr lang="en-US" altLang="zh-TW" sz="3500" dirty="0">
+                <a:latin typeface="+mj-lt"/>
+                <a:ea typeface="微軟正黑體"/>
+                <a:hlinkClick r:id="rId6"/>
+              </a:rPr>
+              <a:t>User Interface Prototype</a:t>
+            </a:r>
+            <a:endParaRPr lang="zh-TW" altLang="en-US" sz="3500" dirty="0">
+              <a:latin typeface="+mj-lt"/>
+            </a:endParaRPr>
+          </a:p>
+        </p:txBody>
+      </p:sp>
+    </p:spTree>
+    <p:extLst>
+      <p:ext uri="{BB962C8B-B14F-4D97-AF65-F5344CB8AC3E}">
+        <p14:creationId xmlns:p14="http://schemas.microsoft.com/office/powerpoint/2010/main" val="3629731920"/>
+      </p:ext>
+    </p:extLst>
+  </p:cSld>
+  <p:clrMapOvr>
+    <a:masterClrMapping/>
+  </p:clrMapOvr>
+</p:sld>
+</file>
+
+<file path=ppt/slides/slide6.xml><?xml version="1.0" encoding="utf-8"?>
+<p:sld xmlns:a="http://schemas.openxmlformats.org/drawingml/2006/main" xmlns:r="http://schemas.openxmlformats.org/officeDocument/2006/relationships" xmlns:p="http://schemas.openxmlformats.org/presentationml/2006/main">
+  <p:cSld>
+    <p:bg>
+      <p:bgPr>
+        <a:solidFill>
+          <a:srgbClr val="F6F3EB"/>
+        </a:solidFill>
+        <a:effectLst/>
+      </p:bgPr>
+    </p:bg>
+    <p:spTree>
+      <p:nvGrpSpPr>
+        <p:cNvPr id="1" name="">
+          <a:extLst>
+            <a:ext uri="{FF2B5EF4-FFF2-40B4-BE49-F238E27FC236}">
+              <a16:creationId xmlns:a16="http://schemas.microsoft.com/office/drawing/2014/main" id="{6C3EC93A-7559-C22A-45D2-75C609C04E25}"/>
+            </a:ext>
+          </a:extLst>
+        </p:cNvPr>
+        <p:cNvGrpSpPr/>
+        <p:nvPr/>
+      </p:nvGrpSpPr>
+      <p:grpSpPr>
+        <a:xfrm>
+          <a:off x="0" y="0"/>
+          <a:ext cx="0" cy="0"/>
+          <a:chOff x="0" y="0"/>
+          <a:chExt cx="0" cy="0"/>
+        </a:xfrm>
+      </p:grpSpPr>
+      <p:sp>
+        <p:nvSpPr>
+          <p:cNvPr id="2" name="TextBox 2">
+            <a:extLst>
+              <a:ext uri="{FF2B5EF4-FFF2-40B4-BE49-F238E27FC236}">
+                <a16:creationId xmlns:a16="http://schemas.microsoft.com/office/drawing/2014/main" id="{BF78549C-3462-2A90-B553-FD20B71DB205}"/>
+              </a:ext>
+            </a:extLst>
+          </p:cNvPr>
+          <p:cNvSpPr txBox="1"/>
+          <p:nvPr/>
+        </p:nvSpPr>
+        <p:spPr>
+          <a:xfrm>
+            <a:off x="3132953" y="76982"/>
+            <a:ext cx="12260018" cy="1378070"/>
+          </a:xfrm>
+          <a:prstGeom prst="rect">
+            <a:avLst/>
+          </a:prstGeom>
+        </p:spPr>
+        <p:txBody>
+          <a:bodyPr wrap="square" lIns="0" tIns="0" rIns="0" bIns="0" rtlCol="0" anchor="t">
+            <a:spAutoFit/>
+          </a:bodyPr>
+          <a:lstStyle/>
+          <a:p>
+            <a:pPr algn="ctr">
+              <a:lnSpc>
+                <a:spcPts val="11899"/>
+              </a:lnSpc>
+            </a:pPr>
+            <a:r>
+              <a:rPr lang="en-US" altLang="zh-TW" sz="6600" dirty="0">
+                <a:latin typeface="+mj-lt"/>
+                <a:ea typeface="微軟正黑體"/>
+              </a:rPr>
+              <a:t>Code demonstration</a:t>
+            </a:r>
+            <a:endParaRPr lang="zh-TW" altLang="en-US" sz="1400" dirty="0">
+              <a:latin typeface="+mj-lt"/>
+            </a:endParaRPr>
+          </a:p>
+        </p:txBody>
+      </p:sp>
+      <p:grpSp>
+        <p:nvGrpSpPr>
+          <p:cNvPr id="19" name="Group 19">
+            <a:extLst>
+              <a:ext uri="{FF2B5EF4-FFF2-40B4-BE49-F238E27FC236}">
+                <a16:creationId xmlns:a16="http://schemas.microsoft.com/office/drawing/2014/main" id="{A6CF25B2-B664-0B14-8751-3CDC7DC75401}"/>
+              </a:ext>
+            </a:extLst>
+          </p:cNvPr>
+          <p:cNvGrpSpPr/>
+          <p:nvPr/>
+        </p:nvGrpSpPr>
+        <p:grpSpPr>
+          <a:xfrm>
+            <a:off x="15859155" y="0"/>
+            <a:ext cx="1562612" cy="1673225"/>
+            <a:chOff x="0" y="0"/>
+            <a:chExt cx="2083482" cy="2230967"/>
+          </a:xfrm>
+        </p:grpSpPr>
+        <p:grpSp>
+          <p:nvGrpSpPr>
+            <p:cNvPr id="20" name="Group 20">
+              <a:extLst>
+                <a:ext uri="{FF2B5EF4-FFF2-40B4-BE49-F238E27FC236}">
+                  <a16:creationId xmlns:a16="http://schemas.microsoft.com/office/drawing/2014/main" id="{9857E175-E15D-B99D-FCCF-AAB965C1E07A}"/>
+                </a:ext>
+              </a:extLst>
+            </p:cNvPr>
+            <p:cNvGrpSpPr/>
+            <p:nvPr/>
+          </p:nvGrpSpPr>
+          <p:grpSpPr>
+            <a:xfrm>
+              <a:off x="75599" y="0"/>
+              <a:ext cx="1932284" cy="2230967"/>
+              <a:chOff x="0" y="0"/>
+              <a:chExt cx="703982" cy="812800"/>
+            </a:xfrm>
+          </p:grpSpPr>
+          <p:sp>
+            <p:nvSpPr>
+              <p:cNvPr id="21" name="Freeform 21">
+                <a:extLst>
+                  <a:ext uri="{FF2B5EF4-FFF2-40B4-BE49-F238E27FC236}">
+                    <a16:creationId xmlns:a16="http://schemas.microsoft.com/office/drawing/2014/main" id="{08A2A598-29ED-BA2A-1B27-0B427FC67DB5}"/>
+                  </a:ext>
+                </a:extLst>
+              </p:cNvPr>
+              <p:cNvSpPr/>
+              <p:nvPr/>
+            </p:nvSpPr>
+            <p:spPr>
+              <a:xfrm>
+                <a:off x="0" y="0"/>
+                <a:ext cx="703982" cy="812800"/>
+              </a:xfrm>
+              <a:custGeom>
+                <a:avLst/>
+                <a:gdLst/>
+                <a:ahLst/>
+                <a:cxnLst/>
+                <a:rect l="l" t="t" r="r" b="b"/>
+                <a:pathLst>
+                  <a:path w="703982" h="812800">
+                    <a:moveTo>
+                      <a:pt x="234787" y="793731"/>
+                    </a:moveTo>
+                    <a:cubicBezTo>
+                      <a:pt x="270879" y="805245"/>
+                      <a:pt x="311910" y="812800"/>
+                      <a:pt x="352180" y="812800"/>
+                    </a:cubicBezTo>
+                    <a:cubicBezTo>
+                      <a:pt x="392452" y="812800"/>
+                      <a:pt x="431204" y="806323"/>
+                      <a:pt x="466915" y="794809"/>
+                    </a:cubicBezTo>
+                    <a:cubicBezTo>
+                      <a:pt x="467675" y="794450"/>
+                      <a:pt x="468435" y="794450"/>
+                      <a:pt x="469194" y="794090"/>
+                    </a:cubicBezTo>
+                    <a:cubicBezTo>
+                      <a:pt x="603304" y="748035"/>
+                      <a:pt x="702082" y="626421"/>
+                      <a:pt x="703982" y="484298"/>
+                    </a:cubicBezTo>
+                    <a:lnTo>
+                      <a:pt x="703982" y="0"/>
+                    </a:lnTo>
+                    <a:lnTo>
+                      <a:pt x="0" y="0"/>
+                    </a:lnTo>
+                    <a:lnTo>
+                      <a:pt x="0" y="483939"/>
+                    </a:lnTo>
+                    <a:cubicBezTo>
+                      <a:pt x="1900" y="627140"/>
+                      <a:pt x="99158" y="748755"/>
+                      <a:pt x="234787" y="793731"/>
+                    </a:cubicBezTo>
+                    <a:close/>
+                  </a:path>
+                </a:pathLst>
+              </a:custGeom>
+              <a:solidFill>
+                <a:srgbClr val="9FC3D0"/>
+              </a:solidFill>
+            </p:spPr>
+            <p:txBody>
+              <a:bodyPr/>
+              <a:lstStyle/>
+              <a:p>
+                <a:endParaRPr lang="zh-TW" altLang="en-US">
+                  <a:latin typeface="+mj-lt"/>
+                </a:endParaRPr>
+              </a:p>
+            </p:txBody>
+          </p:sp>
+          <p:sp>
+            <p:nvSpPr>
+              <p:cNvPr id="22" name="TextBox 22">
+                <a:extLst>
+                  <a:ext uri="{FF2B5EF4-FFF2-40B4-BE49-F238E27FC236}">
+                    <a16:creationId xmlns:a16="http://schemas.microsoft.com/office/drawing/2014/main" id="{98C45148-4916-4D1D-1AC9-15C2842296F6}"/>
+                  </a:ext>
+                </a:extLst>
+              </p:cNvPr>
+              <p:cNvSpPr txBox="1"/>
+              <p:nvPr/>
+            </p:nvSpPr>
+            <p:spPr>
+              <a:xfrm>
+                <a:off x="0" y="-47625"/>
+                <a:ext cx="703982" cy="733425"/>
+              </a:xfrm>
+              <a:prstGeom prst="rect">
+                <a:avLst/>
+              </a:prstGeom>
+            </p:spPr>
+            <p:txBody>
+              <a:bodyPr lIns="50800" tIns="50800" rIns="50800" bIns="50800" rtlCol="0" anchor="ctr"/>
+              <a:lstStyle/>
+              <a:p>
+                <a:pPr algn="ctr">
+                  <a:lnSpc>
+                    <a:spcPts val="2659"/>
+                  </a:lnSpc>
+                </a:pPr>
+                <a:endParaRPr>
+                  <a:latin typeface="+mj-lt"/>
+                </a:endParaRPr>
+              </a:p>
+            </p:txBody>
+          </p:sp>
+        </p:grpSp>
+        <p:sp>
+          <p:nvSpPr>
+            <p:cNvPr id="23" name="TextBox 23">
+              <a:extLst>
+                <a:ext uri="{FF2B5EF4-FFF2-40B4-BE49-F238E27FC236}">
+                  <a16:creationId xmlns:a16="http://schemas.microsoft.com/office/drawing/2014/main" id="{A2139D05-B87A-BB13-BF3E-4472ABB8A689}"/>
+                </a:ext>
+              </a:extLst>
+            </p:cNvPr>
+            <p:cNvSpPr txBox="1"/>
+            <p:nvPr/>
+          </p:nvSpPr>
+          <p:spPr>
+            <a:xfrm>
+              <a:off x="0" y="437582"/>
+              <a:ext cx="2083482" cy="1241504"/>
+            </a:xfrm>
+            <a:prstGeom prst="rect">
+              <a:avLst/>
+            </a:prstGeom>
+          </p:spPr>
+          <p:txBody>
+            <a:bodyPr lIns="0" tIns="0" rIns="0" bIns="0" rtlCol="0" anchor="t">
+              <a:spAutoFit/>
+            </a:bodyPr>
+            <a:lstStyle/>
+            <a:p>
+              <a:pPr algn="ctr">
+                <a:lnSpc>
+                  <a:spcPts val="7805"/>
+                </a:lnSpc>
+              </a:pPr>
+              <a:r>
+                <a:rPr lang="en-US" sz="5550" dirty="0">
+                  <a:solidFill>
+                    <a:srgbClr val="000000"/>
+                  </a:solidFill>
+                  <a:latin typeface="+mj-lt"/>
+                  <a:ea typeface="Open Sans Bold"/>
+                  <a:cs typeface="Open Sans Bold"/>
+                </a:rPr>
+                <a:t>4</a:t>
+              </a:r>
+            </a:p>
+          </p:txBody>
+        </p:sp>
+      </p:grpSp>
+      <p:sp>
+        <p:nvSpPr>
+          <p:cNvPr id="24" name="Freeform 24">
+            <a:extLst>
+              <a:ext uri="{FF2B5EF4-FFF2-40B4-BE49-F238E27FC236}">
+                <a16:creationId xmlns:a16="http://schemas.microsoft.com/office/drawing/2014/main" id="{AAB812EA-8A94-C2BA-0AF5-50F2FC8B6FB8}"/>
+              </a:ext>
+            </a:extLst>
+          </p:cNvPr>
+          <p:cNvSpPr/>
+          <p:nvPr/>
+        </p:nvSpPr>
+        <p:spPr>
+          <a:xfrm>
+            <a:off x="7512165" y="-1553858"/>
+            <a:ext cx="7315200" cy="2477783"/>
+          </a:xfrm>
+          <a:custGeom>
+            <a:avLst/>
+            <a:gdLst/>
+            <a:ahLst/>
+            <a:cxnLst/>
+            <a:rect l="l" t="t" r="r" b="b"/>
+            <a:pathLst>
+              <a:path w="7315200" h="2477783">
+                <a:moveTo>
+                  <a:pt x="0" y="0"/>
+                </a:moveTo>
+                <a:lnTo>
+                  <a:pt x="7315200" y="0"/>
+                </a:lnTo>
+                <a:lnTo>
+                  <a:pt x="7315200" y="2477783"/>
+                </a:lnTo>
+                <a:lnTo>
+                  <a:pt x="0" y="2477783"/>
+                </a:lnTo>
+                <a:lnTo>
+                  <a:pt x="0" y="0"/>
+                </a:lnTo>
+                <a:close/>
+              </a:path>
+            </a:pathLst>
+          </a:custGeom>
+          <a:blipFill>
+            <a:blip r:embed="rId3">
+              <a:extLst>
+                <a:ext uri="{96DAC541-7B7A-43D3-8B79-37D633B846F1}">
+                  <asvg:svgBlip xmlns:asvg="http://schemas.microsoft.com/office/drawing/2016/SVG/main" r:embed="rId4"/>
+                </a:ext>
+              </a:extLst>
+            </a:blip>
+            <a:stretch>
+              <a:fillRect/>
+            </a:stretch>
+          </a:blipFill>
+        </p:spPr>
+        <p:txBody>
+          <a:bodyPr/>
+          <a:lstStyle/>
+          <a:p>
+            <a:endParaRPr lang="zh-TW" altLang="en-US">
+              <a:latin typeface="+mj-lt"/>
+            </a:endParaRPr>
+          </a:p>
+        </p:txBody>
+      </p:sp>
+      <p:pic>
+        <p:nvPicPr>
+          <p:cNvPr id="6" name="圖片 5">
+            <a:extLst>
+              <a:ext uri="{FF2B5EF4-FFF2-40B4-BE49-F238E27FC236}">
+                <a16:creationId xmlns:a16="http://schemas.microsoft.com/office/drawing/2014/main" id="{ACFDE692-3775-5EBF-7FDA-757B482389C0}"/>
+              </a:ext>
+            </a:extLst>
+          </p:cNvPr>
+          <p:cNvPicPr>
+            <a:picLocks noChangeAspect="1"/>
+          </p:cNvPicPr>
+          <p:nvPr/>
+        </p:nvPicPr>
+        <p:blipFill>
+          <a:blip r:embed="rId5"/>
+          <a:stretch>
+            <a:fillRect/>
+          </a:stretch>
+        </p:blipFill>
+        <p:spPr>
+          <a:xfrm>
+            <a:off x="254364" y="2750343"/>
+            <a:ext cx="17779271" cy="4786313"/>
+          </a:xfrm>
+          <a:prstGeom prst="rect">
+            <a:avLst/>
+          </a:prstGeom>
+        </p:spPr>
+      </p:pic>
+    </p:spTree>
+    <p:extLst>
+      <p:ext uri="{BB962C8B-B14F-4D97-AF65-F5344CB8AC3E}">
+        <p14:creationId xmlns:p14="http://schemas.microsoft.com/office/powerpoint/2010/main" val="3463727491"/>
+      </p:ext>
+    </p:extLst>
+  </p:cSld>
+  <p:clrMapOvr>
+    <a:masterClrMapping/>
+  </p:clrMapOvr>
+</p:sld>
+</file>
+
+<file path=ppt/slides/slide7.xml><?xml version="1.0" encoding="utf-8"?>
+<p:sld xmlns:a="http://schemas.openxmlformats.org/drawingml/2006/main" xmlns:r="http://schemas.openxmlformats.org/officeDocument/2006/relationships" xmlns:p="http://schemas.openxmlformats.org/presentationml/2006/main">
+  <p:cSld>
+    <p:bg>
+      <p:bgPr>
+        <a:solidFill>
+          <a:srgbClr val="F6F3EB"/>
+        </a:solidFill>
+        <a:effectLst/>
+      </p:bgPr>
+    </p:bg>
+    <p:spTree>
+      <p:nvGrpSpPr>
+        <p:cNvPr id="1" name="">
+          <a:extLst>
+            <a:ext uri="{FF2B5EF4-FFF2-40B4-BE49-F238E27FC236}">
+              <a16:creationId xmlns:a16="http://schemas.microsoft.com/office/drawing/2014/main" id="{D3637617-74F7-14CE-4E65-14A94FFD67B6}"/>
+            </a:ext>
+          </a:extLst>
+        </p:cNvPr>
+        <p:cNvGrpSpPr/>
+        <p:nvPr/>
+      </p:nvGrpSpPr>
+      <p:grpSpPr>
+        <a:xfrm>
+          <a:off x="0" y="0"/>
+          <a:ext cx="0" cy="0"/>
+          <a:chOff x="0" y="0"/>
+          <a:chExt cx="0" cy="0"/>
+        </a:xfrm>
+      </p:grpSpPr>
+      <p:sp>
+        <p:nvSpPr>
+          <p:cNvPr id="2" name="TextBox 2">
+            <a:extLst>
+              <a:ext uri="{FF2B5EF4-FFF2-40B4-BE49-F238E27FC236}">
+                <a16:creationId xmlns:a16="http://schemas.microsoft.com/office/drawing/2014/main" id="{D4A6458E-7B4E-2E51-6E1E-EAD64B064550}"/>
+              </a:ext>
+            </a:extLst>
+          </p:cNvPr>
+          <p:cNvSpPr txBox="1"/>
+          <p:nvPr/>
+        </p:nvSpPr>
+        <p:spPr>
+          <a:xfrm>
+            <a:off x="3403743" y="84346"/>
+            <a:ext cx="12260018" cy="1378070"/>
+          </a:xfrm>
+          <a:prstGeom prst="rect">
+            <a:avLst/>
+          </a:prstGeom>
+        </p:spPr>
+        <p:txBody>
+          <a:bodyPr wrap="square" lIns="0" tIns="0" rIns="0" bIns="0" rtlCol="0" anchor="t">
+            <a:spAutoFit/>
+          </a:bodyPr>
+          <a:lstStyle/>
+          <a:p>
+            <a:pPr algn="ctr">
+              <a:lnSpc>
+                <a:spcPts val="11899"/>
+              </a:lnSpc>
+            </a:pPr>
+            <a:r>
+              <a:rPr lang="en-US" altLang="zh-TW" sz="6600" dirty="0">
+                <a:solidFill>
+                  <a:srgbClr val="000000"/>
+                </a:solidFill>
+                <a:latin typeface="+mj-lt"/>
+              </a:rPr>
+              <a:t>Challenge</a:t>
+            </a:r>
+          </a:p>
+        </p:txBody>
+      </p:sp>
+      <p:sp>
+        <p:nvSpPr>
+          <p:cNvPr id="17" name="AutoShape 17">
+            <a:extLst>
+              <a:ext uri="{FF2B5EF4-FFF2-40B4-BE49-F238E27FC236}">
+                <a16:creationId xmlns:a16="http://schemas.microsoft.com/office/drawing/2014/main" id="{D74A18AA-3CCE-AEE5-A77D-12A9245D0F68}"/>
+              </a:ext>
+            </a:extLst>
+          </p:cNvPr>
+          <p:cNvSpPr/>
+          <p:nvPr/>
+        </p:nvSpPr>
+        <p:spPr>
+          <a:xfrm flipV="1">
+            <a:off x="1118904" y="-104423"/>
+            <a:ext cx="5404" cy="7686425"/>
+          </a:xfrm>
+          <a:prstGeom prst="line">
+            <a:avLst/>
+          </a:prstGeom>
+          <a:ln w="114300" cap="flat">
+            <a:solidFill>
+              <a:srgbClr val="9FC3D0"/>
+            </a:solidFill>
+            <a:prstDash val="solid"/>
+            <a:headEnd type="none" w="sm" len="sm"/>
+            <a:tailEnd type="none" w="sm" len="sm"/>
+          </a:ln>
+        </p:spPr>
+        <p:txBody>
+          <a:bodyPr/>
+          <a:lstStyle/>
+          <a:p>
+            <a:endParaRPr lang="zh-TW" altLang="en-US">
+              <a:latin typeface="+mj-lt"/>
+            </a:endParaRPr>
+          </a:p>
+        </p:txBody>
+      </p:sp>
+      <p:sp>
+        <p:nvSpPr>
+          <p:cNvPr id="18" name="AutoShape 18">
+            <a:extLst>
+              <a:ext uri="{FF2B5EF4-FFF2-40B4-BE49-F238E27FC236}">
+                <a16:creationId xmlns:a16="http://schemas.microsoft.com/office/drawing/2014/main" id="{188E683E-38B5-4B19-9981-C78E44AC086C}"/>
+              </a:ext>
+            </a:extLst>
+          </p:cNvPr>
+          <p:cNvSpPr/>
+          <p:nvPr/>
+        </p:nvSpPr>
+        <p:spPr>
+          <a:xfrm flipH="1" flipV="1">
+            <a:off x="1119668" y="7289544"/>
+            <a:ext cx="5403" cy="2997456"/>
+          </a:xfrm>
+          <a:prstGeom prst="line">
+            <a:avLst/>
+          </a:prstGeom>
+          <a:ln w="114300" cap="flat">
+            <a:solidFill>
+              <a:srgbClr val="9FC3D0"/>
+            </a:solidFill>
+            <a:prstDash val="solid"/>
+            <a:headEnd type="none" w="sm" len="sm"/>
+            <a:tailEnd type="none" w="sm" len="sm"/>
+          </a:ln>
+        </p:spPr>
+        <p:txBody>
+          <a:bodyPr/>
+          <a:lstStyle/>
+          <a:p>
+            <a:endParaRPr lang="zh-TW" altLang="en-US">
+              <a:latin typeface="+mj-lt"/>
+            </a:endParaRPr>
+          </a:p>
+        </p:txBody>
+      </p:sp>
+      <p:grpSp>
+        <p:nvGrpSpPr>
+          <p:cNvPr id="19" name="Group 19">
+            <a:extLst>
+              <a:ext uri="{FF2B5EF4-FFF2-40B4-BE49-F238E27FC236}">
+                <a16:creationId xmlns:a16="http://schemas.microsoft.com/office/drawing/2014/main" id="{B74A7CD2-61F7-55D8-59DE-CB7BE577EDC7}"/>
+              </a:ext>
+            </a:extLst>
+          </p:cNvPr>
+          <p:cNvGrpSpPr/>
+          <p:nvPr/>
+        </p:nvGrpSpPr>
+        <p:grpSpPr>
+          <a:xfrm>
+            <a:off x="15859155" y="0"/>
+            <a:ext cx="1562612" cy="1673225"/>
+            <a:chOff x="0" y="0"/>
+            <a:chExt cx="2083482" cy="2230967"/>
+          </a:xfrm>
+        </p:grpSpPr>
+        <p:grpSp>
+          <p:nvGrpSpPr>
+            <p:cNvPr id="20" name="Group 20">
+              <a:extLst>
+                <a:ext uri="{FF2B5EF4-FFF2-40B4-BE49-F238E27FC236}">
+                  <a16:creationId xmlns:a16="http://schemas.microsoft.com/office/drawing/2014/main" id="{E98F625D-574E-5150-90D8-3754767B7F07}"/>
+                </a:ext>
+              </a:extLst>
+            </p:cNvPr>
+            <p:cNvGrpSpPr/>
+            <p:nvPr/>
+          </p:nvGrpSpPr>
+          <p:grpSpPr>
+            <a:xfrm>
+              <a:off x="75599" y="0"/>
+              <a:ext cx="1932284" cy="2230967"/>
+              <a:chOff x="0" y="0"/>
+              <a:chExt cx="703982" cy="812800"/>
+            </a:xfrm>
+          </p:grpSpPr>
+          <p:sp>
+            <p:nvSpPr>
+              <p:cNvPr id="21" name="Freeform 21">
+                <a:extLst>
+                  <a:ext uri="{FF2B5EF4-FFF2-40B4-BE49-F238E27FC236}">
+                    <a16:creationId xmlns:a16="http://schemas.microsoft.com/office/drawing/2014/main" id="{4960842C-31DF-0061-95E1-91EF4A8144BF}"/>
+                  </a:ext>
+                </a:extLst>
+              </p:cNvPr>
+              <p:cNvSpPr/>
+              <p:nvPr/>
+            </p:nvSpPr>
+            <p:spPr>
+              <a:xfrm>
+                <a:off x="0" y="0"/>
+                <a:ext cx="703982" cy="812800"/>
+              </a:xfrm>
+              <a:custGeom>
+                <a:avLst/>
+                <a:gdLst/>
+                <a:ahLst/>
+                <a:cxnLst/>
+                <a:rect l="l" t="t" r="r" b="b"/>
+                <a:pathLst>
+                  <a:path w="703982" h="812800">
+                    <a:moveTo>
+                      <a:pt x="234787" y="793731"/>
+                    </a:moveTo>
+                    <a:cubicBezTo>
+                      <a:pt x="270879" y="805245"/>
+                      <a:pt x="311910" y="812800"/>
+                      <a:pt x="352180" y="812800"/>
+                    </a:cubicBezTo>
+                    <a:cubicBezTo>
+                      <a:pt x="392452" y="812800"/>
+                      <a:pt x="431204" y="806323"/>
+                      <a:pt x="466915" y="794809"/>
+                    </a:cubicBezTo>
+                    <a:cubicBezTo>
+                      <a:pt x="467675" y="794450"/>
+                      <a:pt x="468435" y="794450"/>
+                      <a:pt x="469194" y="794090"/>
+                    </a:cubicBezTo>
+                    <a:cubicBezTo>
+                      <a:pt x="603304" y="748035"/>
+                      <a:pt x="702082" y="626421"/>
+                      <a:pt x="703982" y="484298"/>
+                    </a:cubicBezTo>
+                    <a:lnTo>
+                      <a:pt x="703982" y="0"/>
+                    </a:lnTo>
+                    <a:lnTo>
+                      <a:pt x="0" y="0"/>
+                    </a:lnTo>
+                    <a:lnTo>
+                      <a:pt x="0" y="483939"/>
+                    </a:lnTo>
+                    <a:cubicBezTo>
+                      <a:pt x="1900" y="627140"/>
+                      <a:pt x="99158" y="748755"/>
+                      <a:pt x="234787" y="793731"/>
+                    </a:cubicBezTo>
+                    <a:close/>
+                  </a:path>
+                </a:pathLst>
+              </a:custGeom>
+              <a:solidFill>
+                <a:srgbClr val="9FC3D0"/>
+              </a:solidFill>
+            </p:spPr>
+            <p:txBody>
+              <a:bodyPr/>
+              <a:lstStyle/>
+              <a:p>
+                <a:endParaRPr lang="zh-TW" altLang="en-US">
+                  <a:latin typeface="+mj-lt"/>
+                </a:endParaRPr>
+              </a:p>
+            </p:txBody>
+          </p:sp>
+          <p:sp>
+            <p:nvSpPr>
+              <p:cNvPr id="22" name="TextBox 22">
+                <a:extLst>
+                  <a:ext uri="{FF2B5EF4-FFF2-40B4-BE49-F238E27FC236}">
+                    <a16:creationId xmlns:a16="http://schemas.microsoft.com/office/drawing/2014/main" id="{1BB023B3-80A3-63FD-4DDC-C84C5E4F73E6}"/>
+                  </a:ext>
+                </a:extLst>
+              </p:cNvPr>
+              <p:cNvSpPr txBox="1"/>
+              <p:nvPr/>
+            </p:nvSpPr>
+            <p:spPr>
+              <a:xfrm>
+                <a:off x="0" y="-47625"/>
+                <a:ext cx="703982" cy="733425"/>
+              </a:xfrm>
+              <a:prstGeom prst="rect">
+                <a:avLst/>
+              </a:prstGeom>
+            </p:spPr>
+            <p:txBody>
+              <a:bodyPr lIns="50800" tIns="50800" rIns="50800" bIns="50800" rtlCol="0" anchor="ctr"/>
+              <a:lstStyle/>
+              <a:p>
+                <a:pPr algn="ctr">
+                  <a:lnSpc>
+                    <a:spcPts val="2659"/>
+                  </a:lnSpc>
+                </a:pPr>
+                <a:endParaRPr>
+                  <a:latin typeface="+mj-lt"/>
+                </a:endParaRPr>
+              </a:p>
+            </p:txBody>
+          </p:sp>
+        </p:grpSp>
+        <p:sp>
+          <p:nvSpPr>
+            <p:cNvPr id="23" name="TextBox 23">
+              <a:extLst>
+                <a:ext uri="{FF2B5EF4-FFF2-40B4-BE49-F238E27FC236}">
+                  <a16:creationId xmlns:a16="http://schemas.microsoft.com/office/drawing/2014/main" id="{7D0B2126-5F80-3297-8D0A-D8F81E9A4EF1}"/>
+                </a:ext>
+              </a:extLst>
+            </p:cNvPr>
+            <p:cNvSpPr txBox="1"/>
+            <p:nvPr/>
+          </p:nvSpPr>
+          <p:spPr>
+            <a:xfrm>
+              <a:off x="0" y="437582"/>
+              <a:ext cx="2083482" cy="1241504"/>
+            </a:xfrm>
+            <a:prstGeom prst="rect">
+              <a:avLst/>
+            </a:prstGeom>
+          </p:spPr>
+          <p:txBody>
+            <a:bodyPr lIns="0" tIns="0" rIns="0" bIns="0" rtlCol="0" anchor="t">
+              <a:spAutoFit/>
+            </a:bodyPr>
+            <a:lstStyle/>
+            <a:p>
+              <a:pPr algn="ctr">
+                <a:lnSpc>
+                  <a:spcPts val="7805"/>
+                </a:lnSpc>
+              </a:pPr>
+              <a:r>
+                <a:rPr lang="en-US" sz="5550" dirty="0">
+                  <a:solidFill>
+                    <a:srgbClr val="000000"/>
+                  </a:solidFill>
+                  <a:latin typeface="+mj-lt"/>
+                  <a:ea typeface="Open Sans Bold"/>
+                  <a:cs typeface="Open Sans Bold"/>
+                </a:rPr>
+                <a:t>4</a:t>
+              </a:r>
+            </a:p>
+          </p:txBody>
+        </p:sp>
+      </p:grpSp>
+      <p:sp>
+        <p:nvSpPr>
+          <p:cNvPr id="24" name="Freeform 24">
+            <a:extLst>
+              <a:ext uri="{FF2B5EF4-FFF2-40B4-BE49-F238E27FC236}">
+                <a16:creationId xmlns:a16="http://schemas.microsoft.com/office/drawing/2014/main" id="{CD91F01F-CA26-56FF-A88C-BF312158FCF1}"/>
+              </a:ext>
+            </a:extLst>
+          </p:cNvPr>
+          <p:cNvSpPr/>
+          <p:nvPr/>
+        </p:nvSpPr>
+        <p:spPr>
+          <a:xfrm>
+            <a:off x="7512165" y="-1553858"/>
+            <a:ext cx="7315200" cy="2477783"/>
+          </a:xfrm>
+          <a:custGeom>
+            <a:avLst/>
+            <a:gdLst/>
+            <a:ahLst/>
+            <a:cxnLst/>
+            <a:rect l="l" t="t" r="r" b="b"/>
+            <a:pathLst>
+              <a:path w="7315200" h="2477783">
+                <a:moveTo>
+                  <a:pt x="0" y="0"/>
+                </a:moveTo>
+                <a:lnTo>
+                  <a:pt x="7315200" y="0"/>
+                </a:lnTo>
+                <a:lnTo>
+                  <a:pt x="7315200" y="2477783"/>
+                </a:lnTo>
+                <a:lnTo>
+                  <a:pt x="0" y="2477783"/>
+                </a:lnTo>
+                <a:lnTo>
+                  <a:pt x="0" y="0"/>
+                </a:lnTo>
+                <a:close/>
+              </a:path>
+            </a:pathLst>
+          </a:custGeom>
+          <a:blipFill>
+            <a:blip r:embed="rId3">
+              <a:extLst>
+                <a:ext uri="{96DAC541-7B7A-43D3-8B79-37D633B846F1}">
+                  <asvg:svgBlip xmlns:asvg="http://schemas.microsoft.com/office/drawing/2016/SVG/main" r:embed="rId4"/>
+                </a:ext>
+              </a:extLst>
+            </a:blip>
+            <a:stretch>
+              <a:fillRect/>
+            </a:stretch>
+          </a:blipFill>
+        </p:spPr>
+        <p:txBody>
+          <a:bodyPr/>
+          <a:lstStyle/>
+          <a:p>
+            <a:endParaRPr lang="zh-TW" altLang="en-US">
+              <a:latin typeface="+mj-lt"/>
+            </a:endParaRPr>
+          </a:p>
+        </p:txBody>
+      </p:sp>
+      <p:sp>
+        <p:nvSpPr>
+          <p:cNvPr id="25" name="Freeform 25">
+            <a:extLst>
+              <a:ext uri="{FF2B5EF4-FFF2-40B4-BE49-F238E27FC236}">
+                <a16:creationId xmlns:a16="http://schemas.microsoft.com/office/drawing/2014/main" id="{AB2E7744-E893-2883-175C-37A55A7B3FF7}"/>
+              </a:ext>
+            </a:extLst>
+          </p:cNvPr>
+          <p:cNvSpPr/>
+          <p:nvPr/>
+        </p:nvSpPr>
+        <p:spPr>
+          <a:xfrm>
+            <a:off x="12011565" y="8750069"/>
+            <a:ext cx="7315200" cy="2477783"/>
+          </a:xfrm>
+          <a:custGeom>
+            <a:avLst/>
+            <a:gdLst/>
+            <a:ahLst/>
+            <a:cxnLst/>
+            <a:rect l="l" t="t" r="r" b="b"/>
+            <a:pathLst>
+              <a:path w="7315200" h="2477783">
+                <a:moveTo>
+                  <a:pt x="0" y="0"/>
+                </a:moveTo>
+                <a:lnTo>
+                  <a:pt x="7315200" y="0"/>
+                </a:lnTo>
+                <a:lnTo>
+                  <a:pt x="7315200" y="2477784"/>
+                </a:lnTo>
+                <a:lnTo>
+                  <a:pt x="0" y="2477784"/>
+                </a:lnTo>
+                <a:lnTo>
+                  <a:pt x="0" y="0"/>
+                </a:lnTo>
+                <a:close/>
+              </a:path>
+            </a:pathLst>
+          </a:custGeom>
+          <a:blipFill>
+            <a:blip r:embed="rId3">
+              <a:extLst>
+                <a:ext uri="{96DAC541-7B7A-43D3-8B79-37D633B846F1}">
+                  <asvg:svgBlip xmlns:asvg="http://schemas.microsoft.com/office/drawing/2016/SVG/main" r:embed="rId4"/>
+                </a:ext>
+              </a:extLst>
+            </a:blip>
+            <a:stretch>
+              <a:fillRect/>
+            </a:stretch>
+          </a:blipFill>
+        </p:spPr>
+        <p:txBody>
+          <a:bodyPr/>
+          <a:lstStyle/>
+          <a:p>
+            <a:endParaRPr lang="zh-TW" altLang="en-US">
+              <a:latin typeface="+mj-lt"/>
+            </a:endParaRPr>
+          </a:p>
+        </p:txBody>
+      </p:sp>
+      <p:sp>
+        <p:nvSpPr>
+          <p:cNvPr id="33" name="文字方塊 32">
+            <a:extLst>
+              <a:ext uri="{FF2B5EF4-FFF2-40B4-BE49-F238E27FC236}">
+                <a16:creationId xmlns:a16="http://schemas.microsoft.com/office/drawing/2014/main" id="{E40FCB75-4CAE-B12C-D2A7-B63425CF76C4}"/>
+              </a:ext>
+            </a:extLst>
+          </p:cNvPr>
+          <p:cNvSpPr txBox="1"/>
+          <p:nvPr/>
+        </p:nvSpPr>
+        <p:spPr>
+          <a:xfrm>
+            <a:off x="2304089" y="2370088"/>
+            <a:ext cx="14144302" cy="2597827"/>
+          </a:xfrm>
+          <a:prstGeom prst="rect">
+            <a:avLst/>
+          </a:prstGeom>
+          <a:noFill/>
+        </p:spPr>
+        <p:txBody>
+          <a:bodyPr wrap="square">
+            <a:spAutoFit/>
+          </a:bodyPr>
+          <a:lstStyle/>
+          <a:p>
+            <a:pPr marL="457200" indent="-457200">
+              <a:lnSpc>
+                <a:spcPct val="150000"/>
+              </a:lnSpc>
+              <a:buFont typeface="Arial" panose="020B0604020202020204" pitchFamily="34" charset="0"/>
+              <a:buChar char="•"/>
+            </a:pPr>
+            <a:r>
+              <a:rPr lang="en-US" altLang="zh-TW" sz="2800" dirty="0"/>
+              <a:t>Weather Test Data: Among all the prediction methods, only the weather data method has real-life information available on the Canadian government's website </a:t>
+            </a:r>
+            <a:r>
+              <a:rPr lang="en-US" altLang="zh-TW" dirty="0"/>
+              <a:t>[2]</a:t>
+            </a:r>
+            <a:r>
+              <a:rPr lang="en-US" altLang="zh-TW" sz="2800" dirty="0"/>
+              <a:t>. Other methods lack real-life data for testing. However, the data on the website sometimes lacks completeness.</a:t>
+            </a:r>
+          </a:p>
+        </p:txBody>
+      </p:sp>
+      <p:sp>
+        <p:nvSpPr>
+          <p:cNvPr id="3" name="文字方塊 2">
+            <a:extLst>
+              <a:ext uri="{FF2B5EF4-FFF2-40B4-BE49-F238E27FC236}">
+                <a16:creationId xmlns:a16="http://schemas.microsoft.com/office/drawing/2014/main" id="{E455B4DF-73C2-88B8-FA63-6DFD791DD81B}"/>
+              </a:ext>
+            </a:extLst>
+          </p:cNvPr>
+          <p:cNvSpPr txBox="1"/>
+          <p:nvPr/>
+        </p:nvSpPr>
+        <p:spPr>
+          <a:xfrm>
+            <a:off x="1362030" y="9446932"/>
+            <a:ext cx="16535490" cy="830997"/>
+          </a:xfrm>
+          <a:prstGeom prst="rect">
+            <a:avLst/>
+          </a:prstGeom>
+          <a:noFill/>
+        </p:spPr>
+        <p:txBody>
+          <a:bodyPr wrap="square">
+            <a:spAutoFit/>
+          </a:bodyPr>
+          <a:lstStyle/>
+          <a:p>
+            <a:r>
+              <a:rPr lang="en-US" altLang="zh-TW" sz="1600" b="0" i="0" dirty="0">
+                <a:effectLst/>
+                <a:latin typeface="+mj-lt"/>
+              </a:rPr>
+              <a:t>[1] </a:t>
+            </a:r>
+            <a:r>
+              <a:rPr lang="en-US" altLang="zh-TW" sz="1600" b="0" i="1" dirty="0">
+                <a:solidFill>
+                  <a:srgbClr val="363636"/>
+                </a:solidFill>
+                <a:effectLst/>
+                <a:latin typeface="Noto Sans" panose="020B0502040504020204" pitchFamily="34" charset="0"/>
+              </a:rPr>
+              <a:t>Hourly Data Report for November 17, 2015</a:t>
+            </a:r>
+            <a:r>
+              <a:rPr lang="en-US" altLang="zh-TW" sz="1600" b="0" i="0" dirty="0">
+                <a:solidFill>
+                  <a:srgbClr val="363636"/>
+                </a:solidFill>
+                <a:effectLst/>
+                <a:latin typeface="Noto Sans" panose="020B0502040504020204" pitchFamily="34" charset="0"/>
+              </a:rPr>
+              <a:t>. (2015, November). Government of Canada.</a:t>
+            </a:r>
+            <a:r>
+              <a:rPr lang="zh-TW" altLang="en-US" sz="1600" b="0" i="0" dirty="0">
+                <a:solidFill>
+                  <a:srgbClr val="363636"/>
+                </a:solidFill>
+                <a:effectLst/>
+                <a:latin typeface="Noto Sans" panose="020B0502040504020204" pitchFamily="34" charset="0"/>
+              </a:rPr>
+              <a:t> </a:t>
+            </a:r>
+            <a:r>
+              <a:rPr lang="en-US" altLang="zh-TW" sz="1600" b="0" i="0" dirty="0">
+                <a:solidFill>
+                  <a:srgbClr val="363636"/>
+                </a:solidFill>
+                <a:effectLst/>
+                <a:latin typeface="Noto Sans" panose="020B0502040504020204" pitchFamily="34" charset="0"/>
+                <a:hlinkClick r:id="rId5"/>
+              </a:rPr>
+              <a:t>https://climate.weather.gc.ca/climate_data/hourly_data_e.html?hlyRange=2014-10-15%7C20151117&amp;dlyRange=%7C&amp;mlyRange=%7C&amp;StationID=52641&amp;Prov=ON&amp;urlExtension=_e.html&amp;searchType=stnName&amp;optLimit=yearRange&amp;StartYear=1840&amp;EndYear=2024&amp;selRowPerPage=25&amp;Line=0&amp;searchMethod=contains&amp;Month=11&amp;Day=17&amp;txtStationName=toronto&amp;timeframe=1&amp;Year=2015</a:t>
+            </a:r>
+            <a:endParaRPr lang="en-US" altLang="zh-TW" sz="1600" b="0" i="0" dirty="0">
+              <a:effectLst/>
+              <a:latin typeface="+mj-lt"/>
+            </a:endParaRPr>
+          </a:p>
+        </p:txBody>
+      </p:sp>
+    </p:spTree>
+    <p:extLst>
+      <p:ext uri="{BB962C8B-B14F-4D97-AF65-F5344CB8AC3E}">
+        <p14:creationId xmlns:p14="http://schemas.microsoft.com/office/powerpoint/2010/main" val="1469947475"/>
+      </p:ext>
+    </p:extLst>
+  </p:cSld>
+  <p:clrMapOvr>
+    <a:masterClrMapping/>
+  </p:clrMapOvr>
+</p:sld>
+</file>
+
+<file path=ppt/slides/slide8.xml><?xml version="1.0" encoding="utf-8"?>
+<p:sld xmlns:a="http://schemas.openxmlformats.org/drawingml/2006/main" xmlns:r="http://schemas.openxmlformats.org/officeDocument/2006/relationships" xmlns:p="http://schemas.openxmlformats.org/presentationml/2006/main">
+  <p:cSld>
+    <p:bg>
+      <p:bgPr>
+        <a:solidFill>
+          <a:srgbClr val="F6F3EB"/>
+        </a:solidFill>
+        <a:effectLst/>
+      </p:bgPr>
+    </p:bg>
+    <p:spTree>
+      <p:nvGrpSpPr>
+        <p:cNvPr id="1" name="">
+          <a:extLst>
+            <a:ext uri="{FF2B5EF4-FFF2-40B4-BE49-F238E27FC236}">
+              <a16:creationId xmlns:a16="http://schemas.microsoft.com/office/drawing/2014/main" id="{E5592382-B2B0-9502-E067-6DB792FC1410}"/>
+            </a:ext>
+          </a:extLst>
+        </p:cNvPr>
+        <p:cNvGrpSpPr/>
+        <p:nvPr/>
+      </p:nvGrpSpPr>
+      <p:grpSpPr>
+        <a:xfrm>
+          <a:off x="0" y="0"/>
+          <a:ext cx="0" cy="0"/>
+          <a:chOff x="0" y="0"/>
+          <a:chExt cx="0" cy="0"/>
+        </a:xfrm>
+      </p:grpSpPr>
+      <p:sp>
+        <p:nvSpPr>
+          <p:cNvPr id="2" name="TextBox 2">
+            <a:extLst>
+              <a:ext uri="{FF2B5EF4-FFF2-40B4-BE49-F238E27FC236}">
+                <a16:creationId xmlns:a16="http://schemas.microsoft.com/office/drawing/2014/main" id="{7760328A-4D80-1523-23D4-FE550352CE85}"/>
+              </a:ext>
+            </a:extLst>
+          </p:cNvPr>
+          <p:cNvSpPr txBox="1"/>
+          <p:nvPr/>
+        </p:nvSpPr>
+        <p:spPr>
+          <a:xfrm>
+            <a:off x="3403743" y="84346"/>
+            <a:ext cx="12260018" cy="1378070"/>
+          </a:xfrm>
+          <a:prstGeom prst="rect">
+            <a:avLst/>
+          </a:prstGeom>
+        </p:spPr>
+        <p:txBody>
+          <a:bodyPr wrap="square" lIns="0" tIns="0" rIns="0" bIns="0" rtlCol="0" anchor="t">
+            <a:spAutoFit/>
+          </a:bodyPr>
+          <a:lstStyle/>
+          <a:p>
+            <a:pPr algn="ctr">
+              <a:lnSpc>
+                <a:spcPts val="11899"/>
+              </a:lnSpc>
+            </a:pPr>
+            <a:r>
+              <a:rPr lang="en-US" altLang="zh-TW" sz="6600" dirty="0">
+                <a:solidFill>
+                  <a:srgbClr val="000000"/>
+                </a:solidFill>
+                <a:latin typeface="+mj-lt"/>
+              </a:rPr>
+              <a:t>Challenge</a:t>
+            </a:r>
+          </a:p>
+        </p:txBody>
+      </p:sp>
+      <p:sp>
+        <p:nvSpPr>
+          <p:cNvPr id="17" name="AutoShape 17">
+            <a:extLst>
+              <a:ext uri="{FF2B5EF4-FFF2-40B4-BE49-F238E27FC236}">
+                <a16:creationId xmlns:a16="http://schemas.microsoft.com/office/drawing/2014/main" id="{D42D97FC-43D3-6FA3-902C-E452C620A097}"/>
+              </a:ext>
+            </a:extLst>
+          </p:cNvPr>
+          <p:cNvSpPr/>
+          <p:nvPr/>
+        </p:nvSpPr>
+        <p:spPr>
+          <a:xfrm flipV="1">
+            <a:off x="1118904" y="-104423"/>
+            <a:ext cx="5404" cy="7686425"/>
+          </a:xfrm>
+          <a:prstGeom prst="line">
+            <a:avLst/>
+          </a:prstGeom>
+          <a:ln w="114300" cap="flat">
+            <a:solidFill>
+              <a:srgbClr val="9FC3D0"/>
+            </a:solidFill>
+            <a:prstDash val="solid"/>
+            <a:headEnd type="none" w="sm" len="sm"/>
+            <a:tailEnd type="none" w="sm" len="sm"/>
+          </a:ln>
+        </p:spPr>
+        <p:txBody>
+          <a:bodyPr/>
+          <a:lstStyle/>
+          <a:p>
+            <a:endParaRPr lang="zh-TW" altLang="en-US">
+              <a:latin typeface="+mj-lt"/>
+            </a:endParaRPr>
+          </a:p>
+        </p:txBody>
+      </p:sp>
+      <p:sp>
+        <p:nvSpPr>
+          <p:cNvPr id="18" name="AutoShape 18">
+            <a:extLst>
+              <a:ext uri="{FF2B5EF4-FFF2-40B4-BE49-F238E27FC236}">
+                <a16:creationId xmlns:a16="http://schemas.microsoft.com/office/drawing/2014/main" id="{1D0A7494-0BFE-0EEB-95DB-CB9DAC79E1A5}"/>
+              </a:ext>
+            </a:extLst>
+          </p:cNvPr>
+          <p:cNvSpPr/>
+          <p:nvPr/>
+        </p:nvSpPr>
+        <p:spPr>
+          <a:xfrm flipH="1" flipV="1">
+            <a:off x="1119668" y="7289544"/>
+            <a:ext cx="5403" cy="2997456"/>
+          </a:xfrm>
+          <a:prstGeom prst="line">
+            <a:avLst/>
+          </a:prstGeom>
+          <a:ln w="114300" cap="flat">
+            <a:solidFill>
+              <a:srgbClr val="9FC3D0"/>
+            </a:solidFill>
+            <a:prstDash val="solid"/>
+            <a:headEnd type="none" w="sm" len="sm"/>
+            <a:tailEnd type="none" w="sm" len="sm"/>
+          </a:ln>
+        </p:spPr>
+        <p:txBody>
+          <a:bodyPr/>
+          <a:lstStyle/>
+          <a:p>
+            <a:endParaRPr lang="zh-TW" altLang="en-US">
+              <a:latin typeface="+mj-lt"/>
+            </a:endParaRPr>
+          </a:p>
+        </p:txBody>
+      </p:sp>
+      <p:grpSp>
+        <p:nvGrpSpPr>
+          <p:cNvPr id="19" name="Group 19">
+            <a:extLst>
+              <a:ext uri="{FF2B5EF4-FFF2-40B4-BE49-F238E27FC236}">
+                <a16:creationId xmlns:a16="http://schemas.microsoft.com/office/drawing/2014/main" id="{CA50CD17-B4CA-C240-79EF-4E9C6DDA63AE}"/>
+              </a:ext>
+            </a:extLst>
+          </p:cNvPr>
+          <p:cNvGrpSpPr/>
+          <p:nvPr/>
+        </p:nvGrpSpPr>
+        <p:grpSpPr>
+          <a:xfrm>
+            <a:off x="15859155" y="0"/>
+            <a:ext cx="1562612" cy="1673225"/>
+            <a:chOff x="0" y="0"/>
+            <a:chExt cx="2083482" cy="2230967"/>
+          </a:xfrm>
+        </p:grpSpPr>
+        <p:grpSp>
+          <p:nvGrpSpPr>
+            <p:cNvPr id="20" name="Group 20">
+              <a:extLst>
+                <a:ext uri="{FF2B5EF4-FFF2-40B4-BE49-F238E27FC236}">
+                  <a16:creationId xmlns:a16="http://schemas.microsoft.com/office/drawing/2014/main" id="{2D1EA3AC-6B55-A4AB-C91E-4B4DC0D5BDB9}"/>
+                </a:ext>
+              </a:extLst>
+            </p:cNvPr>
+            <p:cNvGrpSpPr/>
+            <p:nvPr/>
+          </p:nvGrpSpPr>
+          <p:grpSpPr>
+            <a:xfrm>
+              <a:off x="75599" y="0"/>
+              <a:ext cx="1932284" cy="2230967"/>
+              <a:chOff x="0" y="0"/>
+              <a:chExt cx="703982" cy="812800"/>
+            </a:xfrm>
+          </p:grpSpPr>
+          <p:sp>
+            <p:nvSpPr>
+              <p:cNvPr id="21" name="Freeform 21">
+                <a:extLst>
+                  <a:ext uri="{FF2B5EF4-FFF2-40B4-BE49-F238E27FC236}">
+                    <a16:creationId xmlns:a16="http://schemas.microsoft.com/office/drawing/2014/main" id="{DF43E057-A097-2FFD-6D1A-6658787CEA97}"/>
+                  </a:ext>
+                </a:extLst>
+              </p:cNvPr>
+              <p:cNvSpPr/>
+              <p:nvPr/>
+            </p:nvSpPr>
+            <p:spPr>
+              <a:xfrm>
+                <a:off x="0" y="0"/>
+                <a:ext cx="703982" cy="812800"/>
+              </a:xfrm>
+              <a:custGeom>
+                <a:avLst/>
+                <a:gdLst/>
+                <a:ahLst/>
+                <a:cxnLst/>
+                <a:rect l="l" t="t" r="r" b="b"/>
+                <a:pathLst>
+                  <a:path w="703982" h="812800">
+                    <a:moveTo>
+                      <a:pt x="234787" y="793731"/>
+                    </a:moveTo>
+                    <a:cubicBezTo>
+                      <a:pt x="270879" y="805245"/>
+                      <a:pt x="311910" y="812800"/>
+                      <a:pt x="352180" y="812800"/>
+                    </a:cubicBezTo>
+                    <a:cubicBezTo>
+                      <a:pt x="392452" y="812800"/>
+                      <a:pt x="431204" y="806323"/>
+                      <a:pt x="466915" y="794809"/>
+                    </a:cubicBezTo>
+                    <a:cubicBezTo>
+                      <a:pt x="467675" y="794450"/>
+                      <a:pt x="468435" y="794450"/>
+                      <a:pt x="469194" y="794090"/>
+                    </a:cubicBezTo>
+                    <a:cubicBezTo>
+                      <a:pt x="603304" y="748035"/>
+                      <a:pt x="702082" y="626421"/>
+                      <a:pt x="703982" y="484298"/>
+                    </a:cubicBezTo>
+                    <a:lnTo>
+                      <a:pt x="703982" y="0"/>
+                    </a:lnTo>
+                    <a:lnTo>
+                      <a:pt x="0" y="0"/>
+                    </a:lnTo>
+                    <a:lnTo>
+                      <a:pt x="0" y="483939"/>
+                    </a:lnTo>
+                    <a:cubicBezTo>
+                      <a:pt x="1900" y="627140"/>
+                      <a:pt x="99158" y="748755"/>
+                      <a:pt x="234787" y="793731"/>
+                    </a:cubicBezTo>
+                    <a:close/>
+                  </a:path>
+                </a:pathLst>
+              </a:custGeom>
+              <a:solidFill>
+                <a:srgbClr val="9FC3D0"/>
+              </a:solidFill>
+            </p:spPr>
+            <p:txBody>
+              <a:bodyPr/>
+              <a:lstStyle/>
+              <a:p>
+                <a:endParaRPr lang="zh-TW" altLang="en-US">
+                  <a:latin typeface="+mj-lt"/>
+                </a:endParaRPr>
+              </a:p>
+            </p:txBody>
+          </p:sp>
+          <p:sp>
+            <p:nvSpPr>
+              <p:cNvPr id="22" name="TextBox 22">
+                <a:extLst>
+                  <a:ext uri="{FF2B5EF4-FFF2-40B4-BE49-F238E27FC236}">
+                    <a16:creationId xmlns:a16="http://schemas.microsoft.com/office/drawing/2014/main" id="{E17C4BBD-B8EB-10B8-85B6-CC28A7174D3A}"/>
+                  </a:ext>
+                </a:extLst>
+              </p:cNvPr>
+              <p:cNvSpPr txBox="1"/>
+              <p:nvPr/>
+            </p:nvSpPr>
+            <p:spPr>
+              <a:xfrm>
+                <a:off x="0" y="-47625"/>
+                <a:ext cx="703982" cy="733425"/>
+              </a:xfrm>
+              <a:prstGeom prst="rect">
+                <a:avLst/>
+              </a:prstGeom>
+            </p:spPr>
+            <p:txBody>
+              <a:bodyPr lIns="50800" tIns="50800" rIns="50800" bIns="50800" rtlCol="0" anchor="ctr"/>
+              <a:lstStyle/>
+              <a:p>
+                <a:pPr algn="ctr">
+                  <a:lnSpc>
+                    <a:spcPts val="2659"/>
+                  </a:lnSpc>
+                </a:pPr>
+                <a:endParaRPr>
+                  <a:latin typeface="+mj-lt"/>
+                </a:endParaRPr>
+              </a:p>
+            </p:txBody>
+          </p:sp>
+        </p:grpSp>
+        <p:sp>
+          <p:nvSpPr>
+            <p:cNvPr id="23" name="TextBox 23">
+              <a:extLst>
+                <a:ext uri="{FF2B5EF4-FFF2-40B4-BE49-F238E27FC236}">
+                  <a16:creationId xmlns:a16="http://schemas.microsoft.com/office/drawing/2014/main" id="{992D4833-882D-9E5B-2C45-CCFF91397244}"/>
+                </a:ext>
+              </a:extLst>
+            </p:cNvPr>
+            <p:cNvSpPr txBox="1"/>
+            <p:nvPr/>
+          </p:nvSpPr>
+          <p:spPr>
+            <a:xfrm>
+              <a:off x="0" y="437582"/>
+              <a:ext cx="2083482" cy="1241504"/>
+            </a:xfrm>
+            <a:prstGeom prst="rect">
+              <a:avLst/>
+            </a:prstGeom>
+          </p:spPr>
+          <p:txBody>
+            <a:bodyPr lIns="0" tIns="0" rIns="0" bIns="0" rtlCol="0" anchor="t">
+              <a:spAutoFit/>
+            </a:bodyPr>
+            <a:lstStyle/>
+            <a:p>
+              <a:pPr algn="ctr">
+                <a:lnSpc>
+                  <a:spcPts val="7805"/>
+                </a:lnSpc>
+              </a:pPr>
+              <a:r>
+                <a:rPr lang="en-US" sz="5550" dirty="0">
+                  <a:solidFill>
+                    <a:srgbClr val="000000"/>
+                  </a:solidFill>
+                  <a:latin typeface="+mj-lt"/>
+                  <a:ea typeface="Open Sans Bold"/>
+                  <a:cs typeface="Open Sans Bold"/>
+                </a:rPr>
+                <a:t>4</a:t>
+              </a:r>
+            </a:p>
+          </p:txBody>
+        </p:sp>
+      </p:grpSp>
+      <p:sp>
+        <p:nvSpPr>
+          <p:cNvPr id="24" name="Freeform 24">
+            <a:extLst>
+              <a:ext uri="{FF2B5EF4-FFF2-40B4-BE49-F238E27FC236}">
+                <a16:creationId xmlns:a16="http://schemas.microsoft.com/office/drawing/2014/main" id="{72D608D3-0293-9EB5-9ECD-812F88C84BCF}"/>
+              </a:ext>
+            </a:extLst>
+          </p:cNvPr>
+          <p:cNvSpPr/>
+          <p:nvPr/>
+        </p:nvSpPr>
+        <p:spPr>
+          <a:xfrm>
+            <a:off x="7512165" y="-1553858"/>
+            <a:ext cx="7315200" cy="2477783"/>
+          </a:xfrm>
+          <a:custGeom>
+            <a:avLst/>
+            <a:gdLst/>
+            <a:ahLst/>
+            <a:cxnLst/>
+            <a:rect l="l" t="t" r="r" b="b"/>
+            <a:pathLst>
+              <a:path w="7315200" h="2477783">
+                <a:moveTo>
+                  <a:pt x="0" y="0"/>
+                </a:moveTo>
+                <a:lnTo>
+                  <a:pt x="7315200" y="0"/>
+                </a:lnTo>
+                <a:lnTo>
+                  <a:pt x="7315200" y="2477783"/>
+                </a:lnTo>
+                <a:lnTo>
+                  <a:pt x="0" y="2477783"/>
+                </a:lnTo>
+                <a:lnTo>
+                  <a:pt x="0" y="0"/>
+                </a:lnTo>
+                <a:close/>
+              </a:path>
+            </a:pathLst>
+          </a:custGeom>
+          <a:blipFill>
+            <a:blip r:embed="rId3">
+              <a:extLst>
+                <a:ext uri="{96DAC541-7B7A-43D3-8B79-37D633B846F1}">
+                  <asvg:svgBlip xmlns:asvg="http://schemas.microsoft.com/office/drawing/2016/SVG/main" r:embed="rId4"/>
+                </a:ext>
+              </a:extLst>
+            </a:blip>
+            <a:stretch>
+              <a:fillRect/>
+            </a:stretch>
+          </a:blipFill>
+        </p:spPr>
+        <p:txBody>
+          <a:bodyPr/>
+          <a:lstStyle/>
+          <a:p>
+            <a:endParaRPr lang="zh-TW" altLang="en-US">
+              <a:latin typeface="+mj-lt"/>
+            </a:endParaRPr>
+          </a:p>
+        </p:txBody>
+      </p:sp>
+      <p:sp>
+        <p:nvSpPr>
+          <p:cNvPr id="25" name="Freeform 25">
+            <a:extLst>
+              <a:ext uri="{FF2B5EF4-FFF2-40B4-BE49-F238E27FC236}">
+                <a16:creationId xmlns:a16="http://schemas.microsoft.com/office/drawing/2014/main" id="{B53C25C7-6148-4CFB-352A-FBD8CF27243F}"/>
+              </a:ext>
+            </a:extLst>
+          </p:cNvPr>
+          <p:cNvSpPr/>
+          <p:nvPr/>
+        </p:nvSpPr>
+        <p:spPr>
+          <a:xfrm>
+            <a:off x="12011565" y="8750069"/>
+            <a:ext cx="7315200" cy="2477783"/>
+          </a:xfrm>
+          <a:custGeom>
+            <a:avLst/>
+            <a:gdLst/>
+            <a:ahLst/>
+            <a:cxnLst/>
+            <a:rect l="l" t="t" r="r" b="b"/>
+            <a:pathLst>
+              <a:path w="7315200" h="2477783">
+                <a:moveTo>
+                  <a:pt x="0" y="0"/>
+                </a:moveTo>
+                <a:lnTo>
+                  <a:pt x="7315200" y="0"/>
+                </a:lnTo>
+                <a:lnTo>
+                  <a:pt x="7315200" y="2477784"/>
+                </a:lnTo>
+                <a:lnTo>
+                  <a:pt x="0" y="2477784"/>
+                </a:lnTo>
+                <a:lnTo>
+                  <a:pt x="0" y="0"/>
+                </a:lnTo>
+                <a:close/>
+              </a:path>
+            </a:pathLst>
+          </a:custGeom>
+          <a:blipFill>
+            <a:blip r:embed="rId3">
+              <a:extLst>
+                <a:ext uri="{96DAC541-7B7A-43D3-8B79-37D633B846F1}">
+                  <asvg:svgBlip xmlns:asvg="http://schemas.microsoft.com/office/drawing/2016/SVG/main" r:embed="rId4"/>
+                </a:ext>
+              </a:extLst>
+            </a:blip>
+            <a:stretch>
+              <a:fillRect/>
+            </a:stretch>
+          </a:blipFill>
+        </p:spPr>
+        <p:txBody>
+          <a:bodyPr/>
+          <a:lstStyle/>
+          <a:p>
+            <a:endParaRPr lang="zh-TW" altLang="en-US">
+              <a:latin typeface="+mj-lt"/>
+            </a:endParaRPr>
+          </a:p>
+        </p:txBody>
+      </p:sp>
+      <p:pic>
+        <p:nvPicPr>
+          <p:cNvPr id="7" name="圖片 6">
+            <a:extLst>
+              <a:ext uri="{FF2B5EF4-FFF2-40B4-BE49-F238E27FC236}">
+                <a16:creationId xmlns:a16="http://schemas.microsoft.com/office/drawing/2014/main" id="{37E550B7-54BA-045B-6D8D-B803350D6C5B}"/>
+              </a:ext>
+            </a:extLst>
+          </p:cNvPr>
+          <p:cNvPicPr>
+            <a:picLocks noChangeAspect="1"/>
+          </p:cNvPicPr>
+          <p:nvPr/>
+        </p:nvPicPr>
+        <p:blipFill>
+          <a:blip r:embed="rId5"/>
+          <a:stretch>
+            <a:fillRect/>
+          </a:stretch>
+        </p:blipFill>
+        <p:spPr>
+          <a:xfrm>
+            <a:off x="2212797" y="1420221"/>
+            <a:ext cx="14374117" cy="7329848"/>
+          </a:xfrm>
+          <a:prstGeom prst="rect">
+            <a:avLst/>
+          </a:prstGeom>
+        </p:spPr>
+      </p:pic>
+    </p:spTree>
+    <p:extLst>
+      <p:ext uri="{BB962C8B-B14F-4D97-AF65-F5344CB8AC3E}">
+        <p14:creationId xmlns:p14="http://schemas.microsoft.com/office/powerpoint/2010/main" val="2339840427"/>
+      </p:ext>
+    </p:extLst>
+  </p:cSld>
+  <p:clrMapOvr>
+    <a:masterClrMapping/>
+  </p:clrMapOvr>
+</p:sld>
+</file>
+
+<file path=ppt/slides/slide9.xml><?xml version="1.0" encoding="utf-8"?>
+<p:sld xmlns:a="http://schemas.openxmlformats.org/drawingml/2006/main" xmlns:r="http://schemas.openxmlformats.org/officeDocument/2006/relationships" xmlns:p="http://schemas.openxmlformats.org/presentationml/2006/main">
+  <p:cSld>
+    <p:bg>
+      <p:bgPr>
+        <a:solidFill>
+          <a:srgbClr val="F6F3EB"/>
+        </a:solidFill>
+        <a:effectLst/>
+      </p:bgPr>
+    </p:bg>
+    <p:spTree>
+      <p:nvGrpSpPr>
+        <p:cNvPr id="1" name=""/>
+        <p:cNvGrpSpPr/>
+        <p:nvPr/>
+      </p:nvGrpSpPr>
+      <p:grpSpPr>
+        <a:xfrm>
+          <a:off x="0" y="0"/>
+          <a:ext cx="0" cy="0"/>
+          <a:chOff x="0" y="0"/>
+          <a:chExt cx="0" cy="0"/>
+        </a:xfrm>
+      </p:grpSpPr>
+      <p:sp>
+        <p:nvSpPr>
+          <p:cNvPr id="4" name="TextBox 4"/>
+          <p:cNvSpPr txBox="1"/>
+          <p:nvPr/>
+        </p:nvSpPr>
+        <p:spPr>
+          <a:xfrm>
+            <a:off x="2057400" y="2540637"/>
+            <a:ext cx="14847341" cy="2557688"/>
+          </a:xfrm>
+          <a:prstGeom prst="rect">
+            <a:avLst/>
+          </a:prstGeom>
+        </p:spPr>
+        <p:txBody>
+          <a:bodyPr lIns="0" tIns="0" rIns="0" bIns="0" rtlCol="0" anchor="t">
+            <a:spAutoFit/>
+          </a:bodyPr>
+          <a:lstStyle/>
+          <a:p>
+            <a:pPr marL="571500" indent="-571500">
+              <a:lnSpc>
+                <a:spcPts val="5125"/>
+              </a:lnSpc>
+              <a:buFont typeface="Arial" panose="020B0604020202020204" pitchFamily="34" charset="0"/>
+              <a:buChar char="•"/>
+            </a:pPr>
+            <a:r>
+              <a:rPr lang="en-US" altLang="zh-TW" sz="3600" dirty="0">
+                <a:latin typeface="+mj-lt"/>
+              </a:rPr>
+              <a:t>Input quality: The system primarily handles calculations related to corrosion. The detection of carbonation, the thickness of concrete, and other input values come from external instruments. Therefore, the accuracy of these inputs cannot be verified.</a:t>
+            </a:r>
+            <a:endParaRPr lang="en-US" sz="3600" dirty="0">
+              <a:solidFill>
+                <a:srgbClr val="000000"/>
+              </a:solidFill>
+              <a:latin typeface="+mj-lt"/>
+            </a:endParaRPr>
+          </a:p>
+        </p:txBody>
+      </p:sp>
+      <p:sp>
+        <p:nvSpPr>
+          <p:cNvPr id="5" name="Freeform 5"/>
+          <p:cNvSpPr/>
+          <p:nvPr/>
+        </p:nvSpPr>
+        <p:spPr>
+          <a:xfrm>
+            <a:off x="13764167" y="6379649"/>
+            <a:ext cx="7315200" cy="2477783"/>
+          </a:xfrm>
+          <a:custGeom>
+            <a:avLst/>
+            <a:gdLst/>
+            <a:ahLst/>
+            <a:cxnLst/>
+            <a:rect l="l" t="t" r="r" b="b"/>
+            <a:pathLst>
+              <a:path w="7315200" h="2477783">
+                <a:moveTo>
+                  <a:pt x="0" y="0"/>
+                </a:moveTo>
+                <a:lnTo>
+                  <a:pt x="7315200" y="0"/>
+                </a:lnTo>
+                <a:lnTo>
+                  <a:pt x="7315200" y="2477783"/>
+                </a:lnTo>
+                <a:lnTo>
+                  <a:pt x="0" y="2477783"/>
+                </a:lnTo>
+                <a:lnTo>
+                  <a:pt x="0" y="0"/>
+                </a:lnTo>
+                <a:close/>
+              </a:path>
+            </a:pathLst>
+          </a:custGeom>
+          <a:blipFill>
+            <a:blip r:embed="rId3">
+              <a:extLst>
+                <a:ext uri="{96DAC541-7B7A-43D3-8B79-37D633B846F1}">
+                  <asvg:svgBlip xmlns:asvg="http://schemas.microsoft.com/office/drawing/2016/SVG/main" r:embed="rId4"/>
+                </a:ext>
+              </a:extLst>
+            </a:blip>
+            <a:stretch>
+              <a:fillRect/>
+            </a:stretch>
+          </a:blipFill>
+        </p:spPr>
+        <p:txBody>
+          <a:bodyPr/>
+          <a:lstStyle/>
+          <a:p>
+            <a:endParaRPr lang="zh-TW" altLang="en-US">
+              <a:latin typeface="+mj-lt"/>
+            </a:endParaRPr>
+          </a:p>
+        </p:txBody>
+      </p:sp>
+      <p:sp>
+        <p:nvSpPr>
+          <p:cNvPr id="7" name="TextBox 7"/>
+          <p:cNvSpPr txBox="1"/>
+          <p:nvPr/>
+        </p:nvSpPr>
+        <p:spPr>
+          <a:xfrm>
+            <a:off x="2411959" y="488124"/>
+            <a:ext cx="13464081" cy="1337161"/>
+          </a:xfrm>
+          <a:prstGeom prst="rect">
+            <a:avLst/>
+          </a:prstGeom>
+        </p:spPr>
+        <p:txBody>
+          <a:bodyPr lIns="0" tIns="0" rIns="0" bIns="0" rtlCol="0" anchor="t">
+            <a:spAutoFit/>
+          </a:bodyPr>
+          <a:lstStyle/>
+          <a:p>
+            <a:pPr algn="ctr">
+              <a:lnSpc>
+                <a:spcPts val="11899"/>
+              </a:lnSpc>
+            </a:pPr>
+            <a:r>
+              <a:rPr lang="en-US" sz="6600" dirty="0">
+                <a:solidFill>
+                  <a:srgbClr val="000000"/>
+                </a:solidFill>
+                <a:latin typeface="+mj-lt"/>
+              </a:rPr>
+              <a:t>Risks</a:t>
+            </a:r>
+          </a:p>
+        </p:txBody>
+      </p:sp>
+      <p:sp>
+        <p:nvSpPr>
+          <p:cNvPr id="15" name="AutoShape 15"/>
+          <p:cNvSpPr/>
+          <p:nvPr/>
+        </p:nvSpPr>
+        <p:spPr>
+          <a:xfrm>
+            <a:off x="-260599" y="9061267"/>
+            <a:ext cx="7105264" cy="19050"/>
+          </a:xfrm>
+          <a:prstGeom prst="line">
+            <a:avLst/>
+          </a:prstGeom>
+          <a:ln w="114300" cap="flat">
+            <a:solidFill>
+              <a:srgbClr val="9FC3D0"/>
+            </a:solidFill>
+            <a:prstDash val="solid"/>
+            <a:headEnd type="none" w="sm" len="sm"/>
+            <a:tailEnd type="none" w="sm" len="sm"/>
+          </a:ln>
+        </p:spPr>
+        <p:txBody>
+          <a:bodyPr/>
+          <a:lstStyle/>
+          <a:p>
+            <a:endParaRPr lang="zh-TW" altLang="en-US">
+              <a:latin typeface="+mj-lt"/>
+            </a:endParaRPr>
+          </a:p>
+        </p:txBody>
+      </p:sp>
+      <p:sp>
+        <p:nvSpPr>
+          <p:cNvPr id="16" name="AutoShape 16"/>
+          <p:cNvSpPr/>
+          <p:nvPr/>
+        </p:nvSpPr>
+        <p:spPr>
+          <a:xfrm>
+            <a:off x="11430169" y="9061267"/>
+            <a:ext cx="7105264" cy="19050"/>
+          </a:xfrm>
+          <a:prstGeom prst="line">
+            <a:avLst/>
+          </a:prstGeom>
+          <a:ln w="114300" cap="flat">
+            <a:solidFill>
+              <a:srgbClr val="9FC3D0"/>
+            </a:solidFill>
+            <a:prstDash val="solid"/>
+            <a:headEnd type="none" w="sm" len="sm"/>
+            <a:tailEnd type="none" w="sm" len="sm"/>
+          </a:ln>
+        </p:spPr>
+        <p:txBody>
+          <a:bodyPr/>
+          <a:lstStyle/>
+          <a:p>
+            <a:endParaRPr lang="zh-TW" altLang="en-US">
+              <a:latin typeface="+mj-lt"/>
+            </a:endParaRPr>
+          </a:p>
+        </p:txBody>
+      </p:sp>
+      <p:grpSp>
+        <p:nvGrpSpPr>
+          <p:cNvPr id="17" name="Group 17"/>
+          <p:cNvGrpSpPr/>
+          <p:nvPr/>
+        </p:nvGrpSpPr>
+        <p:grpSpPr>
+          <a:xfrm>
+            <a:off x="15859155" y="0"/>
+            <a:ext cx="1562612" cy="1673225"/>
+            <a:chOff x="0" y="0"/>
+            <a:chExt cx="2083482" cy="2230967"/>
+          </a:xfrm>
+        </p:grpSpPr>
+        <p:grpSp>
+          <p:nvGrpSpPr>
+            <p:cNvPr id="18" name="Group 18"/>
+            <p:cNvGrpSpPr/>
+            <p:nvPr/>
+          </p:nvGrpSpPr>
+          <p:grpSpPr>
+            <a:xfrm>
+              <a:off x="75599" y="0"/>
+              <a:ext cx="1932284" cy="2230967"/>
+              <a:chOff x="0" y="0"/>
+              <a:chExt cx="703982" cy="812800"/>
+            </a:xfrm>
+          </p:grpSpPr>
+          <p:sp>
+            <p:nvSpPr>
+              <p:cNvPr id="19" name="Freeform 19"/>
+              <p:cNvSpPr/>
+              <p:nvPr/>
+            </p:nvSpPr>
+            <p:spPr>
+              <a:xfrm>
+                <a:off x="0" y="0"/>
+                <a:ext cx="703982" cy="812800"/>
+              </a:xfrm>
+              <a:custGeom>
+                <a:avLst/>
+                <a:gdLst/>
+                <a:ahLst/>
+                <a:cxnLst/>
+                <a:rect l="l" t="t" r="r" b="b"/>
+                <a:pathLst>
+                  <a:path w="703982" h="812800">
+                    <a:moveTo>
+                      <a:pt x="234787" y="793731"/>
+                    </a:moveTo>
+                    <a:cubicBezTo>
+                      <a:pt x="270879" y="805245"/>
+                      <a:pt x="311910" y="812800"/>
+                      <a:pt x="352180" y="812800"/>
+                    </a:cubicBezTo>
+                    <a:cubicBezTo>
+                      <a:pt x="392452" y="812800"/>
+                      <a:pt x="431204" y="806323"/>
+                      <a:pt x="466915" y="794809"/>
+                    </a:cubicBezTo>
+                    <a:cubicBezTo>
+                      <a:pt x="467675" y="794450"/>
+                      <a:pt x="468435" y="794450"/>
+                      <a:pt x="469194" y="794090"/>
+                    </a:cubicBezTo>
+                    <a:cubicBezTo>
+                      <a:pt x="603304" y="748035"/>
+                      <a:pt x="702082" y="626421"/>
+                      <a:pt x="703982" y="484298"/>
+                    </a:cubicBezTo>
+                    <a:lnTo>
+                      <a:pt x="703982" y="0"/>
+                    </a:lnTo>
+                    <a:lnTo>
+                      <a:pt x="0" y="0"/>
+                    </a:lnTo>
+                    <a:lnTo>
+                      <a:pt x="0" y="483939"/>
+                    </a:lnTo>
+                    <a:cubicBezTo>
+                      <a:pt x="1900" y="627140"/>
+                      <a:pt x="99158" y="748755"/>
+                      <a:pt x="234787" y="793731"/>
+                    </a:cubicBezTo>
+                    <a:close/>
+                  </a:path>
+                </a:pathLst>
+              </a:custGeom>
+              <a:solidFill>
+                <a:srgbClr val="9FC3D0"/>
+              </a:solidFill>
+            </p:spPr>
+            <p:txBody>
+              <a:bodyPr/>
+              <a:lstStyle/>
+              <a:p>
+                <a:endParaRPr lang="zh-TW" altLang="en-US">
+                  <a:latin typeface="+mj-lt"/>
+                </a:endParaRPr>
+              </a:p>
+            </p:txBody>
+          </p:sp>
+          <p:sp>
+            <p:nvSpPr>
+              <p:cNvPr id="20" name="TextBox 20"/>
+              <p:cNvSpPr txBox="1"/>
+              <p:nvPr/>
+            </p:nvSpPr>
+            <p:spPr>
+              <a:xfrm>
+                <a:off x="0" y="-47625"/>
+                <a:ext cx="703982" cy="733425"/>
+              </a:xfrm>
+              <a:prstGeom prst="rect">
+                <a:avLst/>
+              </a:prstGeom>
+            </p:spPr>
+            <p:txBody>
+              <a:bodyPr lIns="50800" tIns="50800" rIns="50800" bIns="50800" rtlCol="0" anchor="ctr"/>
+              <a:lstStyle/>
+              <a:p>
+                <a:pPr algn="ctr">
+                  <a:lnSpc>
+                    <a:spcPts val="2659"/>
+                  </a:lnSpc>
+                </a:pPr>
+                <a:endParaRPr>
+                  <a:latin typeface="+mj-lt"/>
+                </a:endParaRPr>
+              </a:p>
+            </p:txBody>
+          </p:sp>
+        </p:grpSp>
+        <p:sp>
+          <p:nvSpPr>
+            <p:cNvPr id="21" name="TextBox 21"/>
+            <p:cNvSpPr txBox="1"/>
+            <p:nvPr/>
+          </p:nvSpPr>
+          <p:spPr>
+            <a:xfrm>
+              <a:off x="0" y="437582"/>
+              <a:ext cx="2083482" cy="1241504"/>
+            </a:xfrm>
+            <a:prstGeom prst="rect">
+              <a:avLst/>
+            </a:prstGeom>
+          </p:spPr>
+          <p:txBody>
+            <a:bodyPr lIns="0" tIns="0" rIns="0" bIns="0" rtlCol="0" anchor="t">
+              <a:spAutoFit/>
+            </a:bodyPr>
+            <a:lstStyle/>
+            <a:p>
+              <a:pPr algn="ctr">
+                <a:lnSpc>
+                  <a:spcPts val="7805"/>
+                </a:lnSpc>
+              </a:pPr>
+              <a:r>
+                <a:rPr lang="en-US" sz="5550" dirty="0">
+                  <a:solidFill>
+                    <a:srgbClr val="000000"/>
+                  </a:solidFill>
+                  <a:latin typeface="+mj-lt"/>
+                  <a:cs typeface="Arial"/>
+                </a:rPr>
+                <a:t>5</a:t>
+              </a:r>
+            </a:p>
+          </p:txBody>
+        </p:sp>
+      </p:grpSp>
+      <p:sp>
+        <p:nvSpPr>
+          <p:cNvPr id="22" name="Freeform 22"/>
+          <p:cNvSpPr/>
+          <p:nvPr/>
+        </p:nvSpPr>
+        <p:spPr>
+          <a:xfrm>
+            <a:off x="-3657600" y="-402279"/>
+            <a:ext cx="7315200" cy="2477783"/>
+          </a:xfrm>
+          <a:custGeom>
+            <a:avLst/>
+            <a:gdLst/>
+            <a:ahLst/>
+            <a:cxnLst/>
+            <a:rect l="l" t="t" r="r" b="b"/>
+            <a:pathLst>
+              <a:path w="7315200" h="2477783">
+                <a:moveTo>
+                  <a:pt x="0" y="0"/>
+                </a:moveTo>
+                <a:lnTo>
+                  <a:pt x="7315200" y="0"/>
+                </a:lnTo>
+                <a:lnTo>
+                  <a:pt x="7315200" y="2477783"/>
+                </a:lnTo>
+                <a:lnTo>
+                  <a:pt x="0" y="2477783"/>
+                </a:lnTo>
+                <a:lnTo>
+                  <a:pt x="0" y="0"/>
+                </a:lnTo>
+                <a:close/>
+              </a:path>
+            </a:pathLst>
+          </a:custGeom>
+          <a:blipFill>
+            <a:blip r:embed="rId3">
+              <a:extLst>
+                <a:ext uri="{96DAC541-7B7A-43D3-8B79-37D633B846F1}">
+                  <asvg:svgBlip xmlns:asvg="http://schemas.microsoft.com/office/drawing/2016/SVG/main" r:embed="rId4"/>
+                </a:ext>
+              </a:extLst>
+            </a:blip>
+            <a:stretch>
+              <a:fillRect/>
+            </a:stretch>
+          </a:blipFill>
+        </p:spPr>
+        <p:txBody>
+          <a:bodyPr/>
+          <a:lstStyle/>
+          <a:p>
+            <a:endParaRPr lang="zh-TW" altLang="en-US">
+              <a:latin typeface="+mj-lt"/>
+            </a:endParaRPr>
           </a:p>
         </p:txBody>
       </p:sp>
@@ -9536,6 +10027,23 @@
 </file>
 
 <file path=customXml/item1.xml><?xml version="1.0" encoding="utf-8"?>
+<?mso-contentType ?>
+<FormTemplates xmlns="http://schemas.microsoft.com/sharepoint/v3/contenttype/forms">
+  <Display>DocumentLibraryForm</Display>
+  <Edit>DocumentLibraryForm</Edit>
+  <New>DocumentLibraryForm</New>
+</FormTemplates>
+</file>
+
+<file path=customXml/item2.xml><?xml version="1.0" encoding="utf-8"?>
+<p:properties xmlns:p="http://schemas.microsoft.com/office/2006/metadata/properties" xmlns:xsi="http://www.w3.org/2001/XMLSchema-instance" xmlns:pc="http://schemas.microsoft.com/office/infopath/2007/PartnerControls">
+  <documentManagement>
+    <_activity xmlns="77ebc047-5e7b-4a1f-b995-488ce2c9ab10" xsi:nil="true"/>
+  </documentManagement>
+</p:properties>
+</file>
+
+<file path=customXml/item3.xml><?xml version="1.0" encoding="utf-8"?>
 <ct:contentTypeSchema xmlns:ct="http://schemas.microsoft.com/office/2006/metadata/contentType" xmlns:ma="http://schemas.microsoft.com/office/2006/metadata/properties/metaAttributes" ct:_="" ma:_="" ma:contentTypeName="Document" ma:contentTypeID="0x0101003F79E7ECF21C0E4B8E07639C4BF242C3" ma:contentTypeVersion="8" ma:contentTypeDescription="Create a new document." ma:contentTypeScope="" ma:versionID="12c4a76850c20687a2770ab0b726fd9e">
   <xsd:schema xmlns:xsd="http://www.w3.org/2001/XMLSchema" xmlns:xs="http://www.w3.org/2001/XMLSchema" xmlns:p="http://schemas.microsoft.com/office/2006/metadata/properties" xmlns:ns3="77ebc047-5e7b-4a1f-b995-488ce2c9ab10" xmlns:ns4="72644889-00e1-4b88-90e6-2f3ddb201bee" targetNamespace="http://schemas.microsoft.com/office/2006/metadata/properties" ma:root="true" ma:fieldsID="08e02bdfe2019d03e9f82bce686d9610" ns3:_="" ns4:_="">
     <xsd:import namespace="77ebc047-5e7b-4a1f-b995-488ce2c9ab10"/>
@@ -9724,38 +10232,10 @@
 </ct:contentTypeSchema>
 </file>
 
-<file path=customXml/item2.xml><?xml version="1.0" encoding="utf-8"?>
-<p:properties xmlns:p="http://schemas.microsoft.com/office/2006/metadata/properties" xmlns:xsi="http://www.w3.org/2001/XMLSchema-instance" xmlns:pc="http://schemas.microsoft.com/office/infopath/2007/PartnerControls">
-  <documentManagement>
-    <_activity xmlns="77ebc047-5e7b-4a1f-b995-488ce2c9ab10" xsi:nil="true"/>
-  </documentManagement>
-</p:properties>
-</file>
-
-<file path=customXml/item3.xml><?xml version="1.0" encoding="utf-8"?>
-<?mso-contentType ?>
-<FormTemplates xmlns="http://schemas.microsoft.com/sharepoint/v3/contenttype/forms">
-  <Display>DocumentLibraryForm</Display>
-  <Edit>DocumentLibraryForm</Edit>
-  <New>DocumentLibraryForm</New>
-</FormTemplates>
-</file>
-
 <file path=customXml/itemProps1.xml><?xml version="1.0" encoding="utf-8"?>
-<ds:datastoreItem xmlns:ds="http://schemas.openxmlformats.org/officeDocument/2006/customXml" ds:itemID="{C1FDC9E4-3920-4ACA-A2EF-2085C9429137}">
+<ds:datastoreItem xmlns:ds="http://schemas.openxmlformats.org/officeDocument/2006/customXml" ds:itemID="{DB21DA7F-8D63-4FBA-9703-0888E42164F2}">
   <ds:schemaRefs>
-    <ds:schemaRef ds:uri="http://schemas.microsoft.com/office/2006/metadata/contentType"/>
-    <ds:schemaRef ds:uri="http://schemas.microsoft.com/office/2006/metadata/properties/metaAttributes"/>
-    <ds:schemaRef ds:uri="http://www.w3.org/2001/XMLSchema"/>
-    <ds:schemaRef ds:uri="http://schemas.microsoft.com/office/2006/metadata/properties"/>
-    <ds:schemaRef ds:uri="77ebc047-5e7b-4a1f-b995-488ce2c9ab10"/>
-    <ds:schemaRef ds:uri="72644889-00e1-4b88-90e6-2f3ddb201bee"/>
-    <ds:schemaRef ds:uri="http://schemas.microsoft.com/office/2006/documentManagement/types"/>
-    <ds:schemaRef ds:uri="http://schemas.microsoft.com/office/infopath/2007/PartnerControls"/>
-    <ds:schemaRef ds:uri="http://schemas.openxmlformats.org/package/2006/metadata/core-properties"/>
-    <ds:schemaRef ds:uri="http://purl.org/dc/elements/1.1/"/>
-    <ds:schemaRef ds:uri="http://purl.org/dc/terms/"/>
-    <ds:schemaRef ds:uri="http://schemas.microsoft.com/internal/obd"/>
+    <ds:schemaRef ds:uri="http://schemas.microsoft.com/sharepoint/v3/contenttype/forms"/>
   </ds:schemaRefs>
 </ds:datastoreItem>
 </file>
@@ -9778,9 +10258,20 @@
 </file>
 
 <file path=customXml/itemProps3.xml><?xml version="1.0" encoding="utf-8"?>
-<ds:datastoreItem xmlns:ds="http://schemas.openxmlformats.org/officeDocument/2006/customXml" ds:itemID="{DB21DA7F-8D63-4FBA-9703-0888E42164F2}">
+<ds:datastoreItem xmlns:ds="http://schemas.openxmlformats.org/officeDocument/2006/customXml" ds:itemID="{C1FDC9E4-3920-4ACA-A2EF-2085C9429137}">
   <ds:schemaRefs>
-    <ds:schemaRef ds:uri="http://schemas.microsoft.com/sharepoint/v3/contenttype/forms"/>
+    <ds:schemaRef ds:uri="http://schemas.microsoft.com/office/2006/metadata/contentType"/>
+    <ds:schemaRef ds:uri="http://schemas.microsoft.com/office/2006/metadata/properties/metaAttributes"/>
+    <ds:schemaRef ds:uri="http://www.w3.org/2001/XMLSchema"/>
+    <ds:schemaRef ds:uri="http://schemas.microsoft.com/office/2006/metadata/properties"/>
+    <ds:schemaRef ds:uri="77ebc047-5e7b-4a1f-b995-488ce2c9ab10"/>
+    <ds:schemaRef ds:uri="72644889-00e1-4b88-90e6-2f3ddb201bee"/>
+    <ds:schemaRef ds:uri="http://schemas.microsoft.com/office/2006/documentManagement/types"/>
+    <ds:schemaRef ds:uri="http://schemas.microsoft.com/office/infopath/2007/PartnerControls"/>
+    <ds:schemaRef ds:uri="http://schemas.openxmlformats.org/package/2006/metadata/core-properties"/>
+    <ds:schemaRef ds:uri="http://purl.org/dc/elements/1.1/"/>
+    <ds:schemaRef ds:uri="http://purl.org/dc/terms/"/>
+    <ds:schemaRef ds:uri="http://schemas.microsoft.com/internal/obd"/>
   </ds:schemaRefs>
 </ds:datastoreItem>
 </file>